--- a/Seminar Proposal Skripsi.pptx
+++ b/Seminar Proposal Skripsi.pptx
@@ -6,11 +6,17 @@
   </p:sldMasterIdLst>
   <p:sldIdLst>
     <p:sldId id="256" r:id="rId2"/>
-    <p:sldId id="257" r:id="rId3"/>
-    <p:sldId id="258" r:id="rId4"/>
-    <p:sldId id="259" r:id="rId5"/>
-    <p:sldId id="260" r:id="rId6"/>
-    <p:sldId id="261" r:id="rId7"/>
+    <p:sldId id="262" r:id="rId3"/>
+    <p:sldId id="257" r:id="rId4"/>
+    <p:sldId id="258" r:id="rId5"/>
+    <p:sldId id="259" r:id="rId6"/>
+    <p:sldId id="260" r:id="rId7"/>
+    <p:sldId id="261" r:id="rId8"/>
+    <p:sldId id="263" r:id="rId9"/>
+    <p:sldId id="265" r:id="rId10"/>
+    <p:sldId id="264" r:id="rId11"/>
+    <p:sldId id="267" r:id="rId12"/>
+    <p:sldId id="266" r:id="rId13"/>
   </p:sldIdLst>
   <p:sldSz cx="12192000" cy="6858000"/>
   <p:notesSz cx="6858000" cy="9144000"/>
@@ -109,7 +115,179 @@
       </a:defRPr>
     </a:lvl9pPr>
   </p:defaultTextStyle>
+  <p:extLst>
+    <p:ext uri="{EFAFB233-063F-42B5-8137-9DF3F51BA10A}">
+      <p15:sldGuideLst xmlns:p15="http://schemas.microsoft.com/office/powerpoint/2012/main"/>
+    </p:ext>
+  </p:extLst>
 </p:presentation>
+</file>
+
+<file path=ppt/revisionInfo.xml><?xml version="1.0" encoding="utf-8"?>
+<p1510:revInfo xmlns:a="http://schemas.openxmlformats.org/drawingml/2006/main" xmlns:r="http://schemas.openxmlformats.org/officeDocument/2006/relationships" xmlns:p1510="http://schemas.microsoft.com/office/powerpoint/2015/10/main">
+  <p1510:revLst>
+    <p1510:client id="{D68932AD-1A9A-46ED-A188-CB5EC9C3039E}" v="2" dt="2023-02-05T14:06:08.658"/>
+  </p1510:revLst>
+</p1510:revInfo>
+</file>
+
+<file path=ppt/changesInfos/changesInfo1.xml><?xml version="1.0" encoding="utf-8"?>
+<pc:chgInfo xmlns:a="http://schemas.openxmlformats.org/drawingml/2006/main" xmlns:r="http://schemas.openxmlformats.org/officeDocument/2006/relationships" xmlns:ac="http://schemas.microsoft.com/office/drawing/2013/main/command" xmlns:pc="http://schemas.microsoft.com/office/powerpoint/2013/main/command">
+  <pc:docChgLst>
+    <pc:chgData name="fakmalpradana" userId="17212f7a-94b2-4015-9001-43b25c32dcda" providerId="ADAL" clId="{D68932AD-1A9A-46ED-A188-CB5EC9C3039E}"/>
+    <pc:docChg chg="undo custSel addSld modSld sldOrd">
+      <pc:chgData name="fakmalpradana" userId="17212f7a-94b2-4015-9001-43b25c32dcda" providerId="ADAL" clId="{D68932AD-1A9A-46ED-A188-CB5EC9C3039E}" dt="2023-02-05T14:06:17.630" v="421" actId="20577"/>
+      <pc:docMkLst>
+        <pc:docMk/>
+      </pc:docMkLst>
+      <pc:sldChg chg="modSp mod">
+        <pc:chgData name="fakmalpradana" userId="17212f7a-94b2-4015-9001-43b25c32dcda" providerId="ADAL" clId="{D68932AD-1A9A-46ED-A188-CB5EC9C3039E}" dt="2023-02-05T13:56:52.869" v="73" actId="12"/>
+        <pc:sldMkLst>
+          <pc:docMk/>
+          <pc:sldMk cId="2180174247" sldId="261"/>
+        </pc:sldMkLst>
+        <pc:spChg chg="mod">
+          <ac:chgData name="fakmalpradana" userId="17212f7a-94b2-4015-9001-43b25c32dcda" providerId="ADAL" clId="{D68932AD-1A9A-46ED-A188-CB5EC9C3039E}" dt="2023-02-05T13:55:46.630" v="37" actId="20577"/>
+          <ac:spMkLst>
+            <pc:docMk/>
+            <pc:sldMk cId="2180174247" sldId="261"/>
+            <ac:spMk id="2" creationId="{F436DF5F-F10B-FB30-FAB1-EA841E67A729}"/>
+          </ac:spMkLst>
+        </pc:spChg>
+        <pc:spChg chg="mod">
+          <ac:chgData name="fakmalpradana" userId="17212f7a-94b2-4015-9001-43b25c32dcda" providerId="ADAL" clId="{D68932AD-1A9A-46ED-A188-CB5EC9C3039E}" dt="2023-02-05T13:56:52.869" v="73" actId="12"/>
+          <ac:spMkLst>
+            <pc:docMk/>
+            <pc:sldMk cId="2180174247" sldId="261"/>
+            <ac:spMk id="3" creationId="{EFF77D04-8BEE-4F2C-3C4F-2FD3020FCCBF}"/>
+          </ac:spMkLst>
+        </pc:spChg>
+      </pc:sldChg>
+      <pc:sldChg chg="delSp modSp new mod ord">
+        <pc:chgData name="fakmalpradana" userId="17212f7a-94b2-4015-9001-43b25c32dcda" providerId="ADAL" clId="{D68932AD-1A9A-46ED-A188-CB5EC9C3039E}" dt="2023-02-05T13:55:32.033" v="16" actId="122"/>
+        <pc:sldMkLst>
+          <pc:docMk/>
+          <pc:sldMk cId="3426181276" sldId="262"/>
+        </pc:sldMkLst>
+        <pc:spChg chg="mod">
+          <ac:chgData name="fakmalpradana" userId="17212f7a-94b2-4015-9001-43b25c32dcda" providerId="ADAL" clId="{D68932AD-1A9A-46ED-A188-CB5EC9C3039E}" dt="2023-02-05T13:55:32.033" v="16" actId="122"/>
+          <ac:spMkLst>
+            <pc:docMk/>
+            <pc:sldMk cId="3426181276" sldId="262"/>
+            <ac:spMk id="2" creationId="{66542E6E-AD50-63D0-F271-E19B63CE185A}"/>
+          </ac:spMkLst>
+        </pc:spChg>
+        <pc:spChg chg="del">
+          <ac:chgData name="fakmalpradana" userId="17212f7a-94b2-4015-9001-43b25c32dcda" providerId="ADAL" clId="{D68932AD-1A9A-46ED-A188-CB5EC9C3039E}" dt="2023-02-05T13:55:24.788" v="14" actId="478"/>
+          <ac:spMkLst>
+            <pc:docMk/>
+            <pc:sldMk cId="3426181276" sldId="262"/>
+            <ac:spMk id="3" creationId="{C97140CF-4294-6461-2FD8-46825714A308}"/>
+          </ac:spMkLst>
+        </pc:spChg>
+      </pc:sldChg>
+      <pc:sldChg chg="addSp modSp new mod">
+        <pc:chgData name="fakmalpradana" userId="17212f7a-94b2-4015-9001-43b25c32dcda" providerId="ADAL" clId="{D68932AD-1A9A-46ED-A188-CB5EC9C3039E}" dt="2023-02-05T13:59:01.443" v="167" actId="1076"/>
+        <pc:sldMkLst>
+          <pc:docMk/>
+          <pc:sldMk cId="4084538897" sldId="263"/>
+        </pc:sldMkLst>
+        <pc:spChg chg="mod">
+          <ac:chgData name="fakmalpradana" userId="17212f7a-94b2-4015-9001-43b25c32dcda" providerId="ADAL" clId="{D68932AD-1A9A-46ED-A188-CB5EC9C3039E}" dt="2023-02-05T13:58:12.590" v="127" actId="20577"/>
+          <ac:spMkLst>
+            <pc:docMk/>
+            <pc:sldMk cId="4084538897" sldId="263"/>
+            <ac:spMk id="2" creationId="{651A81C8-0F51-4935-DDD3-51F200E67DAA}"/>
+          </ac:spMkLst>
+        </pc:spChg>
+        <pc:spChg chg="mod">
+          <ac:chgData name="fakmalpradana" userId="17212f7a-94b2-4015-9001-43b25c32dcda" providerId="ADAL" clId="{D68932AD-1A9A-46ED-A188-CB5EC9C3039E}" dt="2023-02-05T13:58:55.510" v="166" actId="20577"/>
+          <ac:spMkLst>
+            <pc:docMk/>
+            <pc:sldMk cId="4084538897" sldId="263"/>
+            <ac:spMk id="3" creationId="{14CEC9B8-7E7A-D353-E9AF-CD0B3331F2FE}"/>
+          </ac:spMkLst>
+        </pc:spChg>
+        <pc:spChg chg="add mod">
+          <ac:chgData name="fakmalpradana" userId="17212f7a-94b2-4015-9001-43b25c32dcda" providerId="ADAL" clId="{D68932AD-1A9A-46ED-A188-CB5EC9C3039E}" dt="2023-02-05T13:59:01.443" v="167" actId="1076"/>
+          <ac:spMkLst>
+            <pc:docMk/>
+            <pc:sldMk cId="4084538897" sldId="263"/>
+            <ac:spMk id="4" creationId="{0CF39F0E-5203-299B-577E-8C246DC2A4C3}"/>
+          </ac:spMkLst>
+        </pc:spChg>
+      </pc:sldChg>
+      <pc:sldChg chg="modSp new mod">
+        <pc:chgData name="fakmalpradana" userId="17212f7a-94b2-4015-9001-43b25c32dcda" providerId="ADAL" clId="{D68932AD-1A9A-46ED-A188-CB5EC9C3039E}" dt="2023-02-05T14:01:37.491" v="224"/>
+        <pc:sldMkLst>
+          <pc:docMk/>
+          <pc:sldMk cId="3062467212" sldId="264"/>
+        </pc:sldMkLst>
+        <pc:spChg chg="mod">
+          <ac:chgData name="fakmalpradana" userId="17212f7a-94b2-4015-9001-43b25c32dcda" providerId="ADAL" clId="{D68932AD-1A9A-46ED-A188-CB5EC9C3039E}" dt="2023-02-05T14:00:46.445" v="181" actId="20577"/>
+          <ac:spMkLst>
+            <pc:docMk/>
+            <pc:sldMk cId="3062467212" sldId="264"/>
+            <ac:spMk id="2" creationId="{83AC5E50-4A95-0063-8D7F-6276C23DB3C1}"/>
+          </ac:spMkLst>
+        </pc:spChg>
+        <pc:spChg chg="mod">
+          <ac:chgData name="fakmalpradana" userId="17212f7a-94b2-4015-9001-43b25c32dcda" providerId="ADAL" clId="{D68932AD-1A9A-46ED-A188-CB5EC9C3039E}" dt="2023-02-05T14:01:37.491" v="224"/>
+          <ac:spMkLst>
+            <pc:docMk/>
+            <pc:sldMk cId="3062467212" sldId="264"/>
+            <ac:spMk id="3" creationId="{229F9967-44C4-3045-825B-29FD66436C6A}"/>
+          </ac:spMkLst>
+        </pc:spChg>
+      </pc:sldChg>
+      <pc:sldChg chg="modSp new mod ord">
+        <pc:chgData name="fakmalpradana" userId="17212f7a-94b2-4015-9001-43b25c32dcda" providerId="ADAL" clId="{D68932AD-1A9A-46ED-A188-CB5EC9C3039E}" dt="2023-02-05T14:05:31.341" v="401" actId="20577"/>
+        <pc:sldMkLst>
+          <pc:docMk/>
+          <pc:sldMk cId="2885551033" sldId="265"/>
+        </pc:sldMkLst>
+        <pc:spChg chg="mod">
+          <ac:chgData name="fakmalpradana" userId="17212f7a-94b2-4015-9001-43b25c32dcda" providerId="ADAL" clId="{D68932AD-1A9A-46ED-A188-CB5EC9C3039E}" dt="2023-02-05T14:01:56.190" v="243" actId="20577"/>
+          <ac:spMkLst>
+            <pc:docMk/>
+            <pc:sldMk cId="2885551033" sldId="265"/>
+            <ac:spMk id="2" creationId="{7FA748B2-F8E1-C724-5E60-B52DD4582A0F}"/>
+          </ac:spMkLst>
+        </pc:spChg>
+        <pc:spChg chg="mod">
+          <ac:chgData name="fakmalpradana" userId="17212f7a-94b2-4015-9001-43b25c32dcda" providerId="ADAL" clId="{D68932AD-1A9A-46ED-A188-CB5EC9C3039E}" dt="2023-02-05T14:05:31.341" v="401" actId="20577"/>
+          <ac:spMkLst>
+            <pc:docMk/>
+            <pc:sldMk cId="2885551033" sldId="265"/>
+            <ac:spMk id="3" creationId="{42172CDC-16E6-4DE0-1B07-1F58D79B299C}"/>
+          </ac:spMkLst>
+        </pc:spChg>
+      </pc:sldChg>
+      <pc:sldChg chg="new">
+        <pc:chgData name="fakmalpradana" userId="17212f7a-94b2-4015-9001-43b25c32dcda" providerId="ADAL" clId="{D68932AD-1A9A-46ED-A188-CB5EC9C3039E}" dt="2023-02-05T14:05:54.335" v="402" actId="680"/>
+        <pc:sldMkLst>
+          <pc:docMk/>
+          <pc:sldMk cId="193736623" sldId="266"/>
+        </pc:sldMkLst>
+      </pc:sldChg>
+      <pc:sldChg chg="modSp add mod ord">
+        <pc:chgData name="fakmalpradana" userId="17212f7a-94b2-4015-9001-43b25c32dcda" providerId="ADAL" clId="{D68932AD-1A9A-46ED-A188-CB5EC9C3039E}" dt="2023-02-05T14:06:17.630" v="421" actId="20577"/>
+        <pc:sldMkLst>
+          <pc:docMk/>
+          <pc:sldMk cId="2073891947" sldId="267"/>
+        </pc:sldMkLst>
+        <pc:spChg chg="mod">
+          <ac:chgData name="fakmalpradana" userId="17212f7a-94b2-4015-9001-43b25c32dcda" providerId="ADAL" clId="{D68932AD-1A9A-46ED-A188-CB5EC9C3039E}" dt="2023-02-05T14:06:17.630" v="421" actId="20577"/>
+          <ac:spMkLst>
+            <pc:docMk/>
+            <pc:sldMk cId="2073891947" sldId="267"/>
+            <ac:spMk id="2" creationId="{66542E6E-AD50-63D0-F271-E19B63CE185A}"/>
+          </ac:spMkLst>
+        </pc:spChg>
+      </pc:sldChg>
+    </pc:docChg>
+  </pc:docChgLst>
+</pc:chgInfo>
 </file>
 
 <file path=ppt/slideLayouts/slideLayout1.xml><?xml version="1.0" encoding="utf-8"?>
@@ -259,7 +437,7 @@
           <a:p>
             <a:fld id="{A4B253E6-EE02-4F65-A22C-38C1A86A5033}" type="datetimeFigureOut">
               <a:rPr lang="en-US" smtClean="0"/>
-              <a:t>1/15/2023</a:t>
+              <a:t>2/5/2023</a:t>
             </a:fld>
             <a:endParaRPr lang="en-US"/>
           </a:p>
@@ -457,7 +635,7 @@
           <a:p>
             <a:fld id="{A4B253E6-EE02-4F65-A22C-38C1A86A5033}" type="datetimeFigureOut">
               <a:rPr lang="en-US" smtClean="0"/>
-              <a:t>1/15/2023</a:t>
+              <a:t>2/5/2023</a:t>
             </a:fld>
             <a:endParaRPr lang="en-US"/>
           </a:p>
@@ -665,7 +843,7 @@
           <a:p>
             <a:fld id="{A4B253E6-EE02-4F65-A22C-38C1A86A5033}" type="datetimeFigureOut">
               <a:rPr lang="en-US" smtClean="0"/>
-              <a:t>1/15/2023</a:t>
+              <a:t>2/5/2023</a:t>
             </a:fld>
             <a:endParaRPr lang="en-US"/>
           </a:p>
@@ -863,7 +1041,7 @@
           <a:p>
             <a:fld id="{A4B253E6-EE02-4F65-A22C-38C1A86A5033}" type="datetimeFigureOut">
               <a:rPr lang="en-US" smtClean="0"/>
-              <a:t>1/15/2023</a:t>
+              <a:t>2/5/2023</a:t>
             </a:fld>
             <a:endParaRPr lang="en-US"/>
           </a:p>
@@ -1138,7 +1316,7 @@
           <a:p>
             <a:fld id="{A4B253E6-EE02-4F65-A22C-38C1A86A5033}" type="datetimeFigureOut">
               <a:rPr lang="en-US" smtClean="0"/>
-              <a:t>1/15/2023</a:t>
+              <a:t>2/5/2023</a:t>
             </a:fld>
             <a:endParaRPr lang="en-US"/>
           </a:p>
@@ -1403,7 +1581,7 @@
           <a:p>
             <a:fld id="{A4B253E6-EE02-4F65-A22C-38C1A86A5033}" type="datetimeFigureOut">
               <a:rPr lang="en-US" smtClean="0"/>
-              <a:t>1/15/2023</a:t>
+              <a:t>2/5/2023</a:t>
             </a:fld>
             <a:endParaRPr lang="en-US"/>
           </a:p>
@@ -1815,7 +1993,7 @@
           <a:p>
             <a:fld id="{A4B253E6-EE02-4F65-A22C-38C1A86A5033}" type="datetimeFigureOut">
               <a:rPr lang="en-US" smtClean="0"/>
-              <a:t>1/15/2023</a:t>
+              <a:t>2/5/2023</a:t>
             </a:fld>
             <a:endParaRPr lang="en-US"/>
           </a:p>
@@ -1956,7 +2134,7 @@
           <a:p>
             <a:fld id="{A4B253E6-EE02-4F65-A22C-38C1A86A5033}" type="datetimeFigureOut">
               <a:rPr lang="en-US" smtClean="0"/>
-              <a:t>1/15/2023</a:t>
+              <a:t>2/5/2023</a:t>
             </a:fld>
             <a:endParaRPr lang="en-US"/>
           </a:p>
@@ -2069,7 +2247,7 @@
           <a:p>
             <a:fld id="{A4B253E6-EE02-4F65-A22C-38C1A86A5033}" type="datetimeFigureOut">
               <a:rPr lang="en-US" smtClean="0"/>
-              <a:t>1/15/2023</a:t>
+              <a:t>2/5/2023</a:t>
             </a:fld>
             <a:endParaRPr lang="en-US"/>
           </a:p>
@@ -2380,7 +2558,7 @@
           <a:p>
             <a:fld id="{A4B253E6-EE02-4F65-A22C-38C1A86A5033}" type="datetimeFigureOut">
               <a:rPr lang="en-US" smtClean="0"/>
-              <a:t>1/15/2023</a:t>
+              <a:t>2/5/2023</a:t>
             </a:fld>
             <a:endParaRPr lang="en-US"/>
           </a:p>
@@ -2668,7 +2846,7 @@
           <a:p>
             <a:fld id="{A4B253E6-EE02-4F65-A22C-38C1A86A5033}" type="datetimeFigureOut">
               <a:rPr lang="en-US" smtClean="0"/>
-              <a:t>1/15/2023</a:t>
+              <a:t>2/5/2023</a:t>
             </a:fld>
             <a:endParaRPr lang="en-US"/>
           </a:p>
@@ -2909,7 +3087,7 @@
           <a:p>
             <a:fld id="{A4B253E6-EE02-4F65-A22C-38C1A86A5033}" type="datetimeFigureOut">
               <a:rPr lang="en-US" smtClean="0"/>
-              <a:t>1/15/2023</a:t>
+              <a:t>2/5/2023</a:t>
             </a:fld>
             <a:endParaRPr lang="en-US"/>
           </a:p>
@@ -3482,7 +3660,1078 @@
 </p:sld>
 </file>
 
+<file path=ppt/slides/slide10.xml><?xml version="1.0" encoding="utf-8"?>
+<p:sld xmlns:a="http://schemas.openxmlformats.org/drawingml/2006/main" xmlns:r="http://schemas.openxmlformats.org/officeDocument/2006/relationships" xmlns:p="http://schemas.openxmlformats.org/presentationml/2006/main">
+  <p:cSld>
+    <p:spTree>
+      <p:nvGrpSpPr>
+        <p:cNvPr id="1" name=""/>
+        <p:cNvGrpSpPr/>
+        <p:nvPr/>
+      </p:nvGrpSpPr>
+      <p:grpSpPr>
+        <a:xfrm>
+          <a:off x="0" y="0"/>
+          <a:ext cx="0" cy="0"/>
+          <a:chOff x="0" y="0"/>
+          <a:chExt cx="0" cy="0"/>
+        </a:xfrm>
+      </p:grpSpPr>
+      <p:sp>
+        <p:nvSpPr>
+          <p:cNvPr id="2" name="Title 1">
+            <a:extLst>
+              <a:ext uri="{FF2B5EF4-FFF2-40B4-BE49-F238E27FC236}">
+                <a16:creationId xmlns:a16="http://schemas.microsoft.com/office/drawing/2014/main" id="{83AC5E50-4A95-0063-8D7F-6276C23DB3C1}"/>
+              </a:ext>
+            </a:extLst>
+          </p:cNvPr>
+          <p:cNvSpPr>
+            <a:spLocks noGrp="1"/>
+          </p:cNvSpPr>
+          <p:nvPr>
+            <p:ph type="title"/>
+          </p:nvPr>
+        </p:nvSpPr>
+        <p:spPr/>
+        <p:txBody>
+          <a:bodyPr/>
+          <a:lstStyle/>
+          <a:p>
+            <a:r>
+              <a:rPr lang="en-US" dirty="0" err="1"/>
+              <a:t>Hipotesis</a:t>
+            </a:r>
+            <a:endParaRPr lang="en-US" dirty="0"/>
+          </a:p>
+        </p:txBody>
+      </p:sp>
+      <p:sp>
+        <p:nvSpPr>
+          <p:cNvPr id="3" name="Content Placeholder 2">
+            <a:extLst>
+              <a:ext uri="{FF2B5EF4-FFF2-40B4-BE49-F238E27FC236}">
+                <a16:creationId xmlns:a16="http://schemas.microsoft.com/office/drawing/2014/main" id="{229F9967-44C4-3045-825B-29FD66436C6A}"/>
+              </a:ext>
+            </a:extLst>
+          </p:cNvPr>
+          <p:cNvSpPr>
+            <a:spLocks noGrp="1"/>
+          </p:cNvSpPr>
+          <p:nvPr>
+            <p:ph idx="1"/>
+          </p:nvPr>
+        </p:nvSpPr>
+        <p:spPr/>
+        <p:txBody>
+          <a:bodyPr/>
+          <a:lstStyle/>
+          <a:p>
+            <a:pPr marL="0" indent="0">
+              <a:buNone/>
+            </a:pPr>
+            <a:r>
+              <a:rPr lang="en-US" sz="1800" b="0" i="0" u="none" strike="noStrike" baseline="0" dirty="0" err="1">
+                <a:solidFill>
+                  <a:srgbClr val="000000"/>
+                </a:solidFill>
+                <a:latin typeface="Times New Roman" panose="02020603050405020304" pitchFamily="18" charset="0"/>
+              </a:rPr>
+              <a:t>Hipotesis</a:t>
+            </a:r>
+            <a:r>
+              <a:rPr lang="en-US" sz="1800" b="0" i="0" u="none" strike="noStrike" baseline="0" dirty="0">
+                <a:solidFill>
+                  <a:srgbClr val="000000"/>
+                </a:solidFill>
+                <a:latin typeface="Times New Roman" panose="02020603050405020304" pitchFamily="18" charset="0"/>
+              </a:rPr>
+              <a:t> Awal</a:t>
+            </a:r>
+          </a:p>
+          <a:p>
+            <a:r>
+              <a:rPr lang="en-US" sz="1800" b="0" i="0" u="none" strike="noStrike" baseline="0" dirty="0">
+                <a:solidFill>
+                  <a:srgbClr val="000000"/>
+                </a:solidFill>
+                <a:latin typeface="Times New Roman" panose="02020603050405020304" pitchFamily="18" charset="0"/>
+              </a:rPr>
+              <a:t>model CNN yang </a:t>
+            </a:r>
+            <a:r>
+              <a:rPr lang="en-US" sz="1800" b="0" i="0" u="none" strike="noStrike" baseline="0" dirty="0" err="1">
+                <a:solidFill>
+                  <a:srgbClr val="000000"/>
+                </a:solidFill>
+                <a:latin typeface="Times New Roman" panose="02020603050405020304" pitchFamily="18" charset="0"/>
+              </a:rPr>
+              <a:t>dibuat</a:t>
+            </a:r>
+            <a:r>
+              <a:rPr lang="en-US" sz="1800" b="0" i="0" u="none" strike="noStrike" baseline="0" dirty="0">
+                <a:solidFill>
+                  <a:srgbClr val="000000"/>
+                </a:solidFill>
+                <a:latin typeface="Times New Roman" panose="02020603050405020304" pitchFamily="18" charset="0"/>
+              </a:rPr>
+              <a:t> dan </a:t>
+            </a:r>
+            <a:r>
+              <a:rPr lang="en-US" sz="1800" b="0" i="0" u="none" strike="noStrike" baseline="0" dirty="0" err="1">
+                <a:solidFill>
+                  <a:srgbClr val="000000"/>
+                </a:solidFill>
+                <a:latin typeface="Times New Roman" panose="02020603050405020304" pitchFamily="18" charset="0"/>
+              </a:rPr>
+              <a:t>dilakukan</a:t>
+            </a:r>
+            <a:r>
+              <a:rPr lang="en-US" sz="1800" b="0" i="0" u="none" strike="noStrike" baseline="0" dirty="0">
+                <a:solidFill>
+                  <a:srgbClr val="000000"/>
+                </a:solidFill>
+                <a:latin typeface="Times New Roman" panose="02020603050405020304" pitchFamily="18" charset="0"/>
+              </a:rPr>
+              <a:t> </a:t>
+            </a:r>
+            <a:r>
+              <a:rPr lang="en-US" sz="1800" b="0" i="1" u="none" strike="noStrike" baseline="0" dirty="0">
+                <a:solidFill>
+                  <a:srgbClr val="000000"/>
+                </a:solidFill>
+                <a:latin typeface="Times New Roman" panose="02020603050405020304" pitchFamily="18" charset="0"/>
+              </a:rPr>
+              <a:t>training </a:t>
+            </a:r>
+            <a:r>
+              <a:rPr lang="en-US" sz="1800" b="0" i="0" u="none" strike="noStrike" baseline="0" dirty="0" err="1">
+                <a:solidFill>
+                  <a:srgbClr val="000000"/>
+                </a:solidFill>
+                <a:latin typeface="Times New Roman" panose="02020603050405020304" pitchFamily="18" charset="0"/>
+              </a:rPr>
+              <a:t>dengan</a:t>
+            </a:r>
+            <a:r>
+              <a:rPr lang="en-US" sz="1800" b="0" i="0" u="none" strike="noStrike" baseline="0" dirty="0">
+                <a:solidFill>
+                  <a:srgbClr val="000000"/>
+                </a:solidFill>
+                <a:latin typeface="Times New Roman" panose="02020603050405020304" pitchFamily="18" charset="0"/>
+              </a:rPr>
+              <a:t> data </a:t>
+            </a:r>
+            <a:r>
+              <a:rPr lang="en-US" sz="1800" b="0" i="0" u="none" strike="noStrike" baseline="0" dirty="0" err="1">
+                <a:solidFill>
+                  <a:srgbClr val="000000"/>
+                </a:solidFill>
+                <a:latin typeface="Times New Roman" panose="02020603050405020304" pitchFamily="18" charset="0"/>
+              </a:rPr>
+              <a:t>citra</a:t>
+            </a:r>
+            <a:r>
+              <a:rPr lang="en-US" sz="1800" b="0" i="0" u="none" strike="noStrike" baseline="0" dirty="0">
+                <a:solidFill>
+                  <a:srgbClr val="000000"/>
+                </a:solidFill>
+                <a:latin typeface="Times New Roman" panose="02020603050405020304" pitchFamily="18" charset="0"/>
+              </a:rPr>
+              <a:t> </a:t>
+            </a:r>
+            <a:r>
+              <a:rPr lang="en-US" sz="1800" b="0" i="0" u="none" strike="noStrike" baseline="0" dirty="0" err="1">
+                <a:solidFill>
+                  <a:srgbClr val="000000"/>
+                </a:solidFill>
+                <a:latin typeface="Times New Roman" panose="02020603050405020304" pitchFamily="18" charset="0"/>
+              </a:rPr>
+              <a:t>foto</a:t>
+            </a:r>
+            <a:r>
+              <a:rPr lang="en-US" sz="1800" b="0" i="0" u="none" strike="noStrike" baseline="0" dirty="0">
+                <a:solidFill>
+                  <a:srgbClr val="000000"/>
+                </a:solidFill>
+                <a:latin typeface="Times New Roman" panose="02020603050405020304" pitchFamily="18" charset="0"/>
+              </a:rPr>
+              <a:t> </a:t>
+            </a:r>
+            <a:r>
+              <a:rPr lang="en-US" sz="1800" b="0" i="0" u="none" strike="noStrike" baseline="0" dirty="0" err="1">
+                <a:solidFill>
+                  <a:srgbClr val="000000"/>
+                </a:solidFill>
+                <a:latin typeface="Times New Roman" panose="02020603050405020304" pitchFamily="18" charset="0"/>
+              </a:rPr>
+              <a:t>udara</a:t>
+            </a:r>
+            <a:r>
+              <a:rPr lang="en-US" sz="1800" b="0" i="0" u="none" strike="noStrike" baseline="0" dirty="0">
+                <a:solidFill>
+                  <a:srgbClr val="000000"/>
+                </a:solidFill>
+                <a:latin typeface="Times New Roman" panose="02020603050405020304" pitchFamily="18" charset="0"/>
+              </a:rPr>
+              <a:t> </a:t>
+            </a:r>
+            <a:r>
+              <a:rPr lang="en-US" sz="1800" b="0" i="0" u="none" strike="noStrike" baseline="0" dirty="0" err="1">
+                <a:solidFill>
+                  <a:srgbClr val="000000"/>
+                </a:solidFill>
+                <a:latin typeface="Times New Roman" panose="02020603050405020304" pitchFamily="18" charset="0"/>
+              </a:rPr>
+              <a:t>mampu</a:t>
+            </a:r>
+            <a:r>
+              <a:rPr lang="en-US" sz="1800" b="0" i="0" u="none" strike="noStrike" baseline="0" dirty="0">
+                <a:solidFill>
+                  <a:srgbClr val="000000"/>
+                </a:solidFill>
+                <a:latin typeface="Times New Roman" panose="02020603050405020304" pitchFamily="18" charset="0"/>
+              </a:rPr>
+              <a:t> </a:t>
+            </a:r>
+            <a:r>
+              <a:rPr lang="en-US" sz="1800" b="0" i="0" u="none" strike="noStrike" baseline="0" dirty="0" err="1">
+                <a:solidFill>
+                  <a:srgbClr val="000000"/>
+                </a:solidFill>
+                <a:latin typeface="Times New Roman" panose="02020603050405020304" pitchFamily="18" charset="0"/>
+              </a:rPr>
+              <a:t>melakukan</a:t>
+            </a:r>
+            <a:r>
+              <a:rPr lang="en-US" sz="1800" b="0" i="0" u="none" strike="noStrike" baseline="0" dirty="0">
+                <a:solidFill>
+                  <a:srgbClr val="000000"/>
+                </a:solidFill>
+                <a:latin typeface="Times New Roman" panose="02020603050405020304" pitchFamily="18" charset="0"/>
+              </a:rPr>
+              <a:t> proses </a:t>
+            </a:r>
+            <a:r>
+              <a:rPr lang="en-US" sz="1800" b="0" i="0" u="none" strike="noStrike" baseline="0" dirty="0" err="1">
+                <a:solidFill>
+                  <a:srgbClr val="000000"/>
+                </a:solidFill>
+                <a:latin typeface="Times New Roman" panose="02020603050405020304" pitchFamily="18" charset="0"/>
+              </a:rPr>
+              <a:t>klasifikasi</a:t>
+            </a:r>
+            <a:r>
+              <a:rPr lang="en-US" sz="1800" b="0" i="0" u="none" strike="noStrike" baseline="0" dirty="0">
+                <a:solidFill>
+                  <a:srgbClr val="000000"/>
+                </a:solidFill>
+                <a:latin typeface="Times New Roman" panose="02020603050405020304" pitchFamily="18" charset="0"/>
+              </a:rPr>
+              <a:t> </a:t>
+            </a:r>
+            <a:r>
+              <a:rPr lang="en-US" sz="1800" b="0" i="0" u="none" strike="noStrike" baseline="0" dirty="0" err="1">
+                <a:solidFill>
+                  <a:srgbClr val="000000"/>
+                </a:solidFill>
+                <a:latin typeface="Times New Roman" panose="02020603050405020304" pitchFamily="18" charset="0"/>
+              </a:rPr>
+              <a:t>penutup</a:t>
+            </a:r>
+            <a:r>
+              <a:rPr lang="en-US" sz="1800" b="0" i="0" u="none" strike="noStrike" baseline="0" dirty="0">
+                <a:solidFill>
+                  <a:srgbClr val="000000"/>
+                </a:solidFill>
+                <a:latin typeface="Times New Roman" panose="02020603050405020304" pitchFamily="18" charset="0"/>
+              </a:rPr>
+              <a:t> </a:t>
+            </a:r>
+            <a:r>
+              <a:rPr lang="en-US" sz="1800" b="0" i="0" u="none" strike="noStrike" baseline="0" dirty="0" err="1">
+                <a:solidFill>
+                  <a:srgbClr val="000000"/>
+                </a:solidFill>
+                <a:latin typeface="Times New Roman" panose="02020603050405020304" pitchFamily="18" charset="0"/>
+              </a:rPr>
+              <a:t>lahan</a:t>
+            </a:r>
+            <a:r>
+              <a:rPr lang="en-US" sz="1800" b="0" i="0" u="none" strike="noStrike" baseline="0" dirty="0">
+                <a:solidFill>
+                  <a:srgbClr val="000000"/>
+                </a:solidFill>
+                <a:latin typeface="Times New Roman" panose="02020603050405020304" pitchFamily="18" charset="0"/>
+              </a:rPr>
+              <a:t> </a:t>
+            </a:r>
+            <a:r>
+              <a:rPr lang="en-US" sz="1800" b="0" i="0" u="none" strike="noStrike" baseline="0" dirty="0" err="1">
+                <a:solidFill>
+                  <a:srgbClr val="000000"/>
+                </a:solidFill>
+                <a:latin typeface="Times New Roman" panose="02020603050405020304" pitchFamily="18" charset="0"/>
+              </a:rPr>
+              <a:t>dengan</a:t>
+            </a:r>
+            <a:r>
+              <a:rPr lang="en-US" sz="1800" b="0" i="0" u="none" strike="noStrike" baseline="0" dirty="0">
+                <a:solidFill>
+                  <a:srgbClr val="000000"/>
+                </a:solidFill>
+                <a:latin typeface="Times New Roman" panose="02020603050405020304" pitchFamily="18" charset="0"/>
+              </a:rPr>
+              <a:t> </a:t>
+            </a:r>
+            <a:r>
+              <a:rPr lang="en-US" sz="1800" b="0" i="0" u="none" strike="noStrike" baseline="0" dirty="0" err="1">
+                <a:solidFill>
+                  <a:srgbClr val="000000"/>
+                </a:solidFill>
+                <a:latin typeface="Times New Roman" panose="02020603050405020304" pitchFamily="18" charset="0"/>
+              </a:rPr>
+              <a:t>baik</a:t>
+            </a:r>
+            <a:r>
+              <a:rPr lang="en-US" sz="1800" b="0" i="0" u="none" strike="noStrike" baseline="0" dirty="0">
+                <a:solidFill>
+                  <a:srgbClr val="000000"/>
+                </a:solidFill>
+                <a:latin typeface="Times New Roman" panose="02020603050405020304" pitchFamily="18" charset="0"/>
+              </a:rPr>
+              <a:t>, </a:t>
+            </a:r>
+            <a:r>
+              <a:rPr lang="en-US" sz="1800" b="0" i="0" u="none" strike="noStrike" baseline="0" dirty="0" err="1">
+                <a:solidFill>
+                  <a:srgbClr val="000000"/>
+                </a:solidFill>
+                <a:latin typeface="Times New Roman" panose="02020603050405020304" pitchFamily="18" charset="0"/>
+              </a:rPr>
+              <a:t>yakni</a:t>
+            </a:r>
+            <a:r>
+              <a:rPr lang="en-US" sz="1800" b="0" i="0" u="none" strike="noStrike" baseline="0" dirty="0">
+                <a:solidFill>
+                  <a:srgbClr val="000000"/>
+                </a:solidFill>
+                <a:latin typeface="Times New Roman" panose="02020603050405020304" pitchFamily="18" charset="0"/>
+              </a:rPr>
+              <a:t> </a:t>
+            </a:r>
+            <a:r>
+              <a:rPr lang="en-US" sz="1800" b="0" i="0" u="none" strike="noStrike" baseline="0" dirty="0" err="1">
+                <a:solidFill>
+                  <a:srgbClr val="000000"/>
+                </a:solidFill>
+                <a:latin typeface="Times New Roman" panose="02020603050405020304" pitchFamily="18" charset="0"/>
+              </a:rPr>
+              <a:t>memiliki</a:t>
+            </a:r>
+            <a:r>
+              <a:rPr lang="en-US" sz="1800" b="0" i="0" u="none" strike="noStrike" baseline="0" dirty="0">
+                <a:solidFill>
+                  <a:srgbClr val="000000"/>
+                </a:solidFill>
+                <a:latin typeface="Times New Roman" panose="02020603050405020304" pitchFamily="18" charset="0"/>
+              </a:rPr>
+              <a:t> </a:t>
+            </a:r>
+            <a:r>
+              <a:rPr lang="en-US" sz="1800" b="0" i="0" u="none" strike="noStrike" baseline="0" dirty="0" err="1">
+                <a:solidFill>
+                  <a:srgbClr val="000000"/>
+                </a:solidFill>
+                <a:latin typeface="Times New Roman" panose="02020603050405020304" pitchFamily="18" charset="0"/>
+              </a:rPr>
+              <a:t>nilai</a:t>
+            </a:r>
+            <a:r>
+              <a:rPr lang="en-US" sz="1800" b="0" i="0" u="none" strike="noStrike" baseline="0" dirty="0">
+                <a:solidFill>
+                  <a:srgbClr val="000000"/>
+                </a:solidFill>
+                <a:latin typeface="Times New Roman" panose="02020603050405020304" pitchFamily="18" charset="0"/>
+              </a:rPr>
+              <a:t> </a:t>
+            </a:r>
+            <a:r>
+              <a:rPr lang="en-US" sz="1800" b="0" i="1" u="none" strike="noStrike" baseline="0" dirty="0">
+                <a:solidFill>
+                  <a:srgbClr val="000000"/>
+                </a:solidFill>
+                <a:latin typeface="Times New Roman" panose="02020603050405020304" pitchFamily="18" charset="0"/>
+              </a:rPr>
+              <a:t>overall accuracy </a:t>
+            </a:r>
+            <a:r>
+              <a:rPr lang="en-US" sz="1800" b="0" i="0" u="none" strike="noStrike" baseline="0" dirty="0" err="1">
+                <a:solidFill>
+                  <a:srgbClr val="000000"/>
+                </a:solidFill>
+                <a:latin typeface="Times New Roman" panose="02020603050405020304" pitchFamily="18" charset="0"/>
+              </a:rPr>
+              <a:t>lebih</a:t>
+            </a:r>
+            <a:r>
+              <a:rPr lang="en-US" sz="1800" b="0" i="0" u="none" strike="noStrike" baseline="0" dirty="0">
+                <a:solidFill>
+                  <a:srgbClr val="000000"/>
+                </a:solidFill>
+                <a:latin typeface="Times New Roman" panose="02020603050405020304" pitchFamily="18" charset="0"/>
+              </a:rPr>
+              <a:t> </a:t>
+            </a:r>
+            <a:r>
+              <a:rPr lang="en-US" sz="1800" b="0" i="0" u="none" strike="noStrike" baseline="0" dirty="0" err="1">
+                <a:solidFill>
+                  <a:srgbClr val="000000"/>
+                </a:solidFill>
+                <a:latin typeface="Times New Roman" panose="02020603050405020304" pitchFamily="18" charset="0"/>
+              </a:rPr>
+              <a:t>dari</a:t>
+            </a:r>
+            <a:r>
+              <a:rPr lang="en-US" sz="1800" b="0" i="0" u="none" strike="noStrike" baseline="0" dirty="0">
+                <a:solidFill>
+                  <a:srgbClr val="000000"/>
+                </a:solidFill>
+                <a:latin typeface="Times New Roman" panose="02020603050405020304" pitchFamily="18" charset="0"/>
+              </a:rPr>
+              <a:t> </a:t>
+            </a:r>
+            <a:r>
+              <a:rPr lang="en-US" sz="1800" b="0" i="0" u="none" strike="noStrike" baseline="0" dirty="0" err="1">
+                <a:solidFill>
+                  <a:srgbClr val="000000"/>
+                </a:solidFill>
+                <a:latin typeface="Times New Roman" panose="02020603050405020304" pitchFamily="18" charset="0"/>
+              </a:rPr>
+              <a:t>atau</a:t>
+            </a:r>
+            <a:r>
+              <a:rPr lang="en-US" sz="1800" b="0" i="0" u="none" strike="noStrike" baseline="0" dirty="0">
+                <a:solidFill>
+                  <a:srgbClr val="000000"/>
+                </a:solidFill>
+                <a:latin typeface="Times New Roman" panose="02020603050405020304" pitchFamily="18" charset="0"/>
+              </a:rPr>
+              <a:t> </a:t>
+            </a:r>
+            <a:r>
+              <a:rPr lang="en-US" sz="1800" b="0" i="0" u="none" strike="noStrike" baseline="0" dirty="0" err="1">
+                <a:solidFill>
+                  <a:srgbClr val="000000"/>
+                </a:solidFill>
+                <a:latin typeface="Times New Roman" panose="02020603050405020304" pitchFamily="18" charset="0"/>
+              </a:rPr>
+              <a:t>sama</a:t>
+            </a:r>
+            <a:r>
+              <a:rPr lang="en-US" sz="1800" b="0" i="0" u="none" strike="noStrike" baseline="0" dirty="0">
+                <a:solidFill>
+                  <a:srgbClr val="000000"/>
+                </a:solidFill>
+                <a:latin typeface="Times New Roman" panose="02020603050405020304" pitchFamily="18" charset="0"/>
+              </a:rPr>
+              <a:t> </a:t>
+            </a:r>
+            <a:r>
+              <a:rPr lang="en-US" sz="1800" b="0" i="0" u="none" strike="noStrike" baseline="0" dirty="0" err="1">
+                <a:solidFill>
+                  <a:srgbClr val="000000"/>
+                </a:solidFill>
+                <a:latin typeface="Times New Roman" panose="02020603050405020304" pitchFamily="18" charset="0"/>
+              </a:rPr>
+              <a:t>dengan</a:t>
+            </a:r>
+            <a:r>
+              <a:rPr lang="en-US" sz="1800" b="0" i="0" u="none" strike="noStrike" baseline="0" dirty="0">
+                <a:solidFill>
+                  <a:srgbClr val="000000"/>
+                </a:solidFill>
+                <a:latin typeface="Times New Roman" panose="02020603050405020304" pitchFamily="18" charset="0"/>
+              </a:rPr>
+              <a:t> 82% (</a:t>
+            </a:r>
+            <a:r>
+              <a:rPr lang="en-US" sz="1800" b="0" i="0" u="none" strike="noStrike" baseline="0" dirty="0" err="1">
+                <a:solidFill>
+                  <a:srgbClr val="000000"/>
+                </a:solidFill>
+                <a:latin typeface="Times New Roman" panose="02020603050405020304" pitchFamily="18" charset="0"/>
+              </a:rPr>
+              <a:t>delapan</a:t>
+            </a:r>
+            <a:r>
+              <a:rPr lang="en-US" sz="1800" b="0" i="0" u="none" strike="noStrike" baseline="0" dirty="0">
+                <a:solidFill>
+                  <a:srgbClr val="000000"/>
+                </a:solidFill>
+                <a:latin typeface="Times New Roman" panose="02020603050405020304" pitchFamily="18" charset="0"/>
+              </a:rPr>
+              <a:t> </a:t>
+            </a:r>
+            <a:r>
+              <a:rPr lang="en-US" sz="1800" b="0" i="0" u="none" strike="noStrike" baseline="0" dirty="0" err="1">
+                <a:solidFill>
+                  <a:srgbClr val="000000"/>
+                </a:solidFill>
+                <a:latin typeface="Times New Roman" panose="02020603050405020304" pitchFamily="18" charset="0"/>
+              </a:rPr>
+              <a:t>puluh</a:t>
+            </a:r>
+            <a:r>
+              <a:rPr lang="en-US" sz="1800" b="0" i="0" u="none" strike="noStrike" baseline="0" dirty="0">
+                <a:solidFill>
+                  <a:srgbClr val="000000"/>
+                </a:solidFill>
+                <a:latin typeface="Times New Roman" panose="02020603050405020304" pitchFamily="18" charset="0"/>
+              </a:rPr>
+              <a:t> dua </a:t>
+            </a:r>
+            <a:r>
+              <a:rPr lang="en-US" sz="1800" b="0" i="0" u="none" strike="noStrike" baseline="0" dirty="0" err="1">
+                <a:solidFill>
+                  <a:srgbClr val="000000"/>
+                </a:solidFill>
+                <a:latin typeface="Times New Roman" panose="02020603050405020304" pitchFamily="18" charset="0"/>
+              </a:rPr>
+              <a:t>persen</a:t>
+            </a:r>
+            <a:r>
+              <a:rPr lang="en-US" sz="1800" b="0" i="0" u="none" strike="noStrike" baseline="0" dirty="0">
+                <a:solidFill>
+                  <a:srgbClr val="000000"/>
+                </a:solidFill>
+                <a:latin typeface="Times New Roman" panose="02020603050405020304" pitchFamily="18" charset="0"/>
+              </a:rPr>
+              <a:t>). </a:t>
+            </a:r>
+          </a:p>
+          <a:p>
+            <a:endParaRPr lang="en-US" sz="1800" dirty="0">
+              <a:solidFill>
+                <a:srgbClr val="000000"/>
+              </a:solidFill>
+              <a:latin typeface="Times New Roman" panose="02020603050405020304" pitchFamily="18" charset="0"/>
+            </a:endParaRPr>
+          </a:p>
+          <a:p>
+            <a:pPr marL="0" indent="0">
+              <a:buNone/>
+            </a:pPr>
+            <a:r>
+              <a:rPr lang="en-US" sz="1800" b="0" i="0" u="none" strike="noStrike" baseline="0" dirty="0" err="1">
+                <a:solidFill>
+                  <a:srgbClr val="000000"/>
+                </a:solidFill>
+                <a:latin typeface="Times New Roman" panose="02020603050405020304" pitchFamily="18" charset="0"/>
+              </a:rPr>
+              <a:t>Hipotesis</a:t>
+            </a:r>
+            <a:r>
+              <a:rPr lang="en-US" sz="1800" b="0" i="0" u="none" strike="noStrike" baseline="0" dirty="0">
+                <a:solidFill>
+                  <a:srgbClr val="000000"/>
+                </a:solidFill>
+                <a:latin typeface="Times New Roman" panose="02020603050405020304" pitchFamily="18" charset="0"/>
+              </a:rPr>
+              <a:t> </a:t>
+            </a:r>
+            <a:r>
+              <a:rPr lang="en-US" sz="1800" b="0" i="0" u="none" strike="noStrike" baseline="0" dirty="0" err="1">
+                <a:solidFill>
+                  <a:srgbClr val="000000"/>
+                </a:solidFill>
+                <a:latin typeface="Times New Roman" panose="02020603050405020304" pitchFamily="18" charset="0"/>
+              </a:rPr>
+              <a:t>Alternatif</a:t>
+            </a:r>
+            <a:r>
+              <a:rPr lang="en-US" sz="1800" b="0" i="0" u="none" strike="noStrike" baseline="0" dirty="0">
+                <a:solidFill>
+                  <a:srgbClr val="000000"/>
+                </a:solidFill>
+                <a:latin typeface="Times New Roman" panose="02020603050405020304" pitchFamily="18" charset="0"/>
+              </a:rPr>
+              <a:t>]</a:t>
+            </a:r>
+          </a:p>
+          <a:p>
+            <a:r>
+              <a:rPr lang="en-US" sz="1800" b="0" i="0" u="none" strike="noStrike" baseline="0" dirty="0">
+                <a:solidFill>
+                  <a:srgbClr val="000000"/>
+                </a:solidFill>
+                <a:latin typeface="Times New Roman" panose="02020603050405020304" pitchFamily="18" charset="0"/>
+              </a:rPr>
+              <a:t>model CNN yang </a:t>
+            </a:r>
+            <a:r>
+              <a:rPr lang="en-US" sz="1800" b="0" i="0" u="none" strike="noStrike" baseline="0" dirty="0" err="1">
+                <a:solidFill>
+                  <a:srgbClr val="000000"/>
+                </a:solidFill>
+                <a:latin typeface="Times New Roman" panose="02020603050405020304" pitchFamily="18" charset="0"/>
+              </a:rPr>
+              <a:t>dibuat</a:t>
+            </a:r>
+            <a:r>
+              <a:rPr lang="en-US" sz="1800" b="0" i="0" u="none" strike="noStrike" baseline="0" dirty="0">
+                <a:solidFill>
+                  <a:srgbClr val="000000"/>
+                </a:solidFill>
+                <a:latin typeface="Times New Roman" panose="02020603050405020304" pitchFamily="18" charset="0"/>
+              </a:rPr>
+              <a:t> </a:t>
+            </a:r>
+            <a:r>
+              <a:rPr lang="en-US" sz="1800" b="0" i="0" u="none" strike="noStrike" baseline="0" dirty="0" err="1">
+                <a:solidFill>
+                  <a:srgbClr val="000000"/>
+                </a:solidFill>
+                <a:latin typeface="Times New Roman" panose="02020603050405020304" pitchFamily="18" charset="0"/>
+              </a:rPr>
+              <a:t>belum</a:t>
+            </a:r>
+            <a:r>
+              <a:rPr lang="en-US" sz="1800" b="0" i="0" u="none" strike="noStrike" baseline="0" dirty="0">
+                <a:solidFill>
+                  <a:srgbClr val="000000"/>
+                </a:solidFill>
+                <a:latin typeface="Times New Roman" panose="02020603050405020304" pitchFamily="18" charset="0"/>
+              </a:rPr>
+              <a:t> </a:t>
+            </a:r>
+            <a:r>
+              <a:rPr lang="en-US" sz="1800" b="0" i="0" u="none" strike="noStrike" baseline="0" dirty="0" err="1">
+                <a:solidFill>
+                  <a:srgbClr val="000000"/>
+                </a:solidFill>
+                <a:latin typeface="Times New Roman" panose="02020603050405020304" pitchFamily="18" charset="0"/>
+              </a:rPr>
+              <a:t>mampu</a:t>
+            </a:r>
+            <a:r>
+              <a:rPr lang="en-US" sz="1800" b="0" i="0" u="none" strike="noStrike" baseline="0" dirty="0">
+                <a:solidFill>
+                  <a:srgbClr val="000000"/>
+                </a:solidFill>
+                <a:latin typeface="Times New Roman" panose="02020603050405020304" pitchFamily="18" charset="0"/>
+              </a:rPr>
+              <a:t> </a:t>
+            </a:r>
+            <a:r>
+              <a:rPr lang="en-US" sz="1800" b="0" i="0" u="none" strike="noStrike" baseline="0" dirty="0" err="1">
+                <a:solidFill>
+                  <a:srgbClr val="000000"/>
+                </a:solidFill>
+                <a:latin typeface="Times New Roman" panose="02020603050405020304" pitchFamily="18" charset="0"/>
+              </a:rPr>
+              <a:t>melakukan</a:t>
+            </a:r>
+            <a:r>
+              <a:rPr lang="en-US" sz="1800" b="0" i="0" u="none" strike="noStrike" baseline="0" dirty="0">
+                <a:solidFill>
+                  <a:srgbClr val="000000"/>
+                </a:solidFill>
+                <a:latin typeface="Times New Roman" panose="02020603050405020304" pitchFamily="18" charset="0"/>
+              </a:rPr>
+              <a:t> proses </a:t>
+            </a:r>
+            <a:r>
+              <a:rPr lang="en-US" sz="1800" b="0" i="0" u="none" strike="noStrike" baseline="0" dirty="0" err="1">
+                <a:solidFill>
+                  <a:srgbClr val="000000"/>
+                </a:solidFill>
+                <a:latin typeface="Times New Roman" panose="02020603050405020304" pitchFamily="18" charset="0"/>
+              </a:rPr>
+              <a:t>klasifikasi</a:t>
+            </a:r>
+            <a:r>
+              <a:rPr lang="en-US" sz="1800" b="0" i="0" u="none" strike="noStrike" baseline="0" dirty="0">
+                <a:solidFill>
+                  <a:srgbClr val="000000"/>
+                </a:solidFill>
+                <a:latin typeface="Times New Roman" panose="02020603050405020304" pitchFamily="18" charset="0"/>
+              </a:rPr>
+              <a:t> </a:t>
+            </a:r>
+            <a:r>
+              <a:rPr lang="en-US" sz="1800" b="0" i="0" u="none" strike="noStrike" baseline="0" dirty="0" err="1">
+                <a:solidFill>
+                  <a:srgbClr val="000000"/>
+                </a:solidFill>
+                <a:latin typeface="Times New Roman" panose="02020603050405020304" pitchFamily="18" charset="0"/>
+              </a:rPr>
+              <a:t>dengan</a:t>
+            </a:r>
+            <a:r>
+              <a:rPr lang="en-US" sz="1800" b="0" i="0" u="none" strike="noStrike" baseline="0" dirty="0">
+                <a:solidFill>
+                  <a:srgbClr val="000000"/>
+                </a:solidFill>
+                <a:latin typeface="Times New Roman" panose="02020603050405020304" pitchFamily="18" charset="0"/>
+              </a:rPr>
+              <a:t> </a:t>
+            </a:r>
+            <a:r>
+              <a:rPr lang="en-US" sz="1800" b="0" i="0" u="none" strike="noStrike" baseline="0" dirty="0" err="1">
+                <a:solidFill>
+                  <a:srgbClr val="000000"/>
+                </a:solidFill>
+                <a:latin typeface="Times New Roman" panose="02020603050405020304" pitchFamily="18" charset="0"/>
+              </a:rPr>
+              <a:t>baik</a:t>
+            </a:r>
+            <a:r>
+              <a:rPr lang="en-US" sz="1800" b="0" i="0" u="none" strike="noStrike" baseline="0" dirty="0">
+                <a:solidFill>
+                  <a:srgbClr val="000000"/>
+                </a:solidFill>
+                <a:latin typeface="Times New Roman" panose="02020603050405020304" pitchFamily="18" charset="0"/>
+              </a:rPr>
+              <a:t> yang </a:t>
+            </a:r>
+            <a:r>
+              <a:rPr lang="en-US" sz="1800" b="0" i="0" u="none" strike="noStrike" baseline="0" dirty="0" err="1">
+                <a:solidFill>
+                  <a:srgbClr val="000000"/>
+                </a:solidFill>
+                <a:latin typeface="Times New Roman" panose="02020603050405020304" pitchFamily="18" charset="0"/>
+              </a:rPr>
+              <a:t>dinyatakan</a:t>
+            </a:r>
+            <a:r>
+              <a:rPr lang="en-US" sz="1800" b="0" i="0" u="none" strike="noStrike" baseline="0" dirty="0">
+                <a:solidFill>
+                  <a:srgbClr val="000000"/>
+                </a:solidFill>
+                <a:latin typeface="Times New Roman" panose="02020603050405020304" pitchFamily="18" charset="0"/>
+              </a:rPr>
+              <a:t> </a:t>
+            </a:r>
+            <a:r>
+              <a:rPr lang="en-US" sz="1800" b="0" i="0" u="none" strike="noStrike" baseline="0" dirty="0" err="1">
+                <a:solidFill>
+                  <a:srgbClr val="000000"/>
+                </a:solidFill>
+                <a:latin typeface="Times New Roman" panose="02020603050405020304" pitchFamily="18" charset="0"/>
+              </a:rPr>
+              <a:t>dengan</a:t>
+            </a:r>
+            <a:r>
+              <a:rPr lang="en-US" sz="1800" b="0" i="0" u="none" strike="noStrike" baseline="0" dirty="0">
+                <a:solidFill>
+                  <a:srgbClr val="000000"/>
+                </a:solidFill>
+                <a:latin typeface="Times New Roman" panose="02020603050405020304" pitchFamily="18" charset="0"/>
+              </a:rPr>
+              <a:t> </a:t>
+            </a:r>
+            <a:r>
+              <a:rPr lang="en-US" sz="1800" b="0" i="0" u="none" strike="noStrike" baseline="0" dirty="0" err="1">
+                <a:solidFill>
+                  <a:srgbClr val="000000"/>
+                </a:solidFill>
+                <a:latin typeface="Times New Roman" panose="02020603050405020304" pitchFamily="18" charset="0"/>
+              </a:rPr>
+              <a:t>nilai</a:t>
+            </a:r>
+            <a:r>
+              <a:rPr lang="en-US" sz="1800" b="0" i="0" u="none" strike="noStrike" baseline="0" dirty="0">
+                <a:solidFill>
+                  <a:srgbClr val="000000"/>
+                </a:solidFill>
+                <a:latin typeface="Times New Roman" panose="02020603050405020304" pitchFamily="18" charset="0"/>
+              </a:rPr>
+              <a:t> </a:t>
+            </a:r>
+            <a:r>
+              <a:rPr lang="en-US" sz="1800" b="0" i="1" u="none" strike="noStrike" baseline="0" dirty="0">
+                <a:solidFill>
+                  <a:srgbClr val="000000"/>
+                </a:solidFill>
+                <a:latin typeface="Times New Roman" panose="02020603050405020304" pitchFamily="18" charset="0"/>
+              </a:rPr>
+              <a:t>overall accuracy </a:t>
+            </a:r>
+            <a:r>
+              <a:rPr lang="en-US" sz="1800" b="0" i="0" u="none" strike="noStrike" baseline="0" dirty="0" err="1">
+                <a:solidFill>
+                  <a:srgbClr val="000000"/>
+                </a:solidFill>
+                <a:latin typeface="Times New Roman" panose="02020603050405020304" pitchFamily="18" charset="0"/>
+              </a:rPr>
+              <a:t>kurang</a:t>
+            </a:r>
+            <a:r>
+              <a:rPr lang="en-US" sz="1800" b="0" i="0" u="none" strike="noStrike" baseline="0" dirty="0">
+                <a:solidFill>
+                  <a:srgbClr val="000000"/>
+                </a:solidFill>
+                <a:latin typeface="Times New Roman" panose="02020603050405020304" pitchFamily="18" charset="0"/>
+              </a:rPr>
+              <a:t> </a:t>
+            </a:r>
+            <a:r>
+              <a:rPr lang="en-US" sz="1800" b="0" i="0" u="none" strike="noStrike" baseline="0" dirty="0" err="1">
+                <a:solidFill>
+                  <a:srgbClr val="000000"/>
+                </a:solidFill>
+                <a:latin typeface="Times New Roman" panose="02020603050405020304" pitchFamily="18" charset="0"/>
+              </a:rPr>
+              <a:t>dari</a:t>
+            </a:r>
+            <a:r>
+              <a:rPr lang="en-US" sz="1800" b="0" i="0" u="none" strike="noStrike" baseline="0" dirty="0">
+                <a:solidFill>
+                  <a:srgbClr val="000000"/>
+                </a:solidFill>
+                <a:latin typeface="Times New Roman" panose="02020603050405020304" pitchFamily="18" charset="0"/>
+              </a:rPr>
+              <a:t> 82%.</a:t>
+            </a:r>
+          </a:p>
+          <a:p>
+            <a:endParaRPr lang="en-US" dirty="0"/>
+          </a:p>
+        </p:txBody>
+      </p:sp>
+    </p:spTree>
+    <p:extLst>
+      <p:ext uri="{BB962C8B-B14F-4D97-AF65-F5344CB8AC3E}">
+        <p14:creationId xmlns:p14="http://schemas.microsoft.com/office/powerpoint/2010/main" val="3062467212"/>
+      </p:ext>
+    </p:extLst>
+  </p:cSld>
+  <p:clrMapOvr>
+    <a:masterClrMapping/>
+  </p:clrMapOvr>
+</p:sld>
+</file>
+
+<file path=ppt/slides/slide11.xml><?xml version="1.0" encoding="utf-8"?>
+<p:sld xmlns:a="http://schemas.openxmlformats.org/drawingml/2006/main" xmlns:r="http://schemas.openxmlformats.org/officeDocument/2006/relationships" xmlns:p="http://schemas.openxmlformats.org/presentationml/2006/main">
+  <p:cSld>
+    <p:spTree>
+      <p:nvGrpSpPr>
+        <p:cNvPr id="1" name=""/>
+        <p:cNvGrpSpPr/>
+        <p:nvPr/>
+      </p:nvGrpSpPr>
+      <p:grpSpPr>
+        <a:xfrm>
+          <a:off x="0" y="0"/>
+          <a:ext cx="0" cy="0"/>
+          <a:chOff x="0" y="0"/>
+          <a:chExt cx="0" cy="0"/>
+        </a:xfrm>
+      </p:grpSpPr>
+      <p:sp>
+        <p:nvSpPr>
+          <p:cNvPr id="2" name="Title 1">
+            <a:extLst>
+              <a:ext uri="{FF2B5EF4-FFF2-40B4-BE49-F238E27FC236}">
+                <a16:creationId xmlns:a16="http://schemas.microsoft.com/office/drawing/2014/main" id="{66542E6E-AD50-63D0-F271-E19B63CE185A}"/>
+              </a:ext>
+            </a:extLst>
+          </p:cNvPr>
+          <p:cNvSpPr>
+            <a:spLocks noGrp="1"/>
+          </p:cNvSpPr>
+          <p:nvPr>
+            <p:ph type="title"/>
+          </p:nvPr>
+        </p:nvSpPr>
+        <p:spPr>
+          <a:xfrm>
+            <a:off x="838200" y="2766218"/>
+            <a:ext cx="10515600" cy="1325563"/>
+          </a:xfrm>
+        </p:spPr>
+        <p:txBody>
+          <a:bodyPr/>
+          <a:lstStyle/>
+          <a:p>
+            <a:pPr algn="ctr"/>
+            <a:r>
+              <a:rPr lang="en-US" dirty="0" err="1"/>
+              <a:t>Landasan</a:t>
+            </a:r>
+            <a:r>
+              <a:rPr lang="en-US" dirty="0"/>
+              <a:t> </a:t>
+            </a:r>
+            <a:r>
+              <a:rPr lang="en-US" dirty="0" err="1"/>
+              <a:t>Teori</a:t>
+            </a:r>
+            <a:endParaRPr lang="en-US" dirty="0"/>
+          </a:p>
+        </p:txBody>
+      </p:sp>
+    </p:spTree>
+    <p:extLst>
+      <p:ext uri="{BB962C8B-B14F-4D97-AF65-F5344CB8AC3E}">
+        <p14:creationId xmlns:p14="http://schemas.microsoft.com/office/powerpoint/2010/main" val="2073891947"/>
+      </p:ext>
+    </p:extLst>
+  </p:cSld>
+  <p:clrMapOvr>
+    <a:masterClrMapping/>
+  </p:clrMapOvr>
+</p:sld>
+</file>
+
+<file path=ppt/slides/slide12.xml><?xml version="1.0" encoding="utf-8"?>
+<p:sld xmlns:a="http://schemas.openxmlformats.org/drawingml/2006/main" xmlns:r="http://schemas.openxmlformats.org/officeDocument/2006/relationships" xmlns:p="http://schemas.openxmlformats.org/presentationml/2006/main">
+  <p:cSld>
+    <p:spTree>
+      <p:nvGrpSpPr>
+        <p:cNvPr id="1" name=""/>
+        <p:cNvGrpSpPr/>
+        <p:nvPr/>
+      </p:nvGrpSpPr>
+      <p:grpSpPr>
+        <a:xfrm>
+          <a:off x="0" y="0"/>
+          <a:ext cx="0" cy="0"/>
+          <a:chOff x="0" y="0"/>
+          <a:chExt cx="0" cy="0"/>
+        </a:xfrm>
+      </p:grpSpPr>
+      <p:sp>
+        <p:nvSpPr>
+          <p:cNvPr id="2" name="Title 1">
+            <a:extLst>
+              <a:ext uri="{FF2B5EF4-FFF2-40B4-BE49-F238E27FC236}">
+                <a16:creationId xmlns:a16="http://schemas.microsoft.com/office/drawing/2014/main" id="{1808278E-9361-26B3-8B34-28309B6C96F5}"/>
+              </a:ext>
+            </a:extLst>
+          </p:cNvPr>
+          <p:cNvSpPr>
+            <a:spLocks noGrp="1"/>
+          </p:cNvSpPr>
+          <p:nvPr>
+            <p:ph type="title"/>
+          </p:nvPr>
+        </p:nvSpPr>
+        <p:spPr/>
+        <p:txBody>
+          <a:bodyPr/>
+          <a:lstStyle/>
+          <a:p>
+            <a:endParaRPr lang="en-US"/>
+          </a:p>
+        </p:txBody>
+      </p:sp>
+      <p:sp>
+        <p:nvSpPr>
+          <p:cNvPr id="3" name="Content Placeholder 2">
+            <a:extLst>
+              <a:ext uri="{FF2B5EF4-FFF2-40B4-BE49-F238E27FC236}">
+                <a16:creationId xmlns:a16="http://schemas.microsoft.com/office/drawing/2014/main" id="{AC262619-9D0C-EB97-D0D0-2199BB7619C8}"/>
+              </a:ext>
+            </a:extLst>
+          </p:cNvPr>
+          <p:cNvSpPr>
+            <a:spLocks noGrp="1"/>
+          </p:cNvSpPr>
+          <p:nvPr>
+            <p:ph idx="1"/>
+          </p:nvPr>
+        </p:nvSpPr>
+        <p:spPr/>
+        <p:txBody>
+          <a:bodyPr/>
+          <a:lstStyle/>
+          <a:p>
+            <a:endParaRPr lang="en-US"/>
+          </a:p>
+        </p:txBody>
+      </p:sp>
+    </p:spTree>
+    <p:extLst>
+      <p:ext uri="{BB962C8B-B14F-4D97-AF65-F5344CB8AC3E}">
+        <p14:creationId xmlns:p14="http://schemas.microsoft.com/office/powerpoint/2010/main" val="193736623"/>
+      </p:ext>
+    </p:extLst>
+  </p:cSld>
+  <p:clrMapOvr>
+    <a:masterClrMapping/>
+  </p:clrMapOvr>
+</p:sld>
+</file>
+
 <file path=ppt/slides/slide2.xml><?xml version="1.0" encoding="utf-8"?>
+<p:sld xmlns:a="http://schemas.openxmlformats.org/drawingml/2006/main" xmlns:r="http://schemas.openxmlformats.org/officeDocument/2006/relationships" xmlns:p="http://schemas.openxmlformats.org/presentationml/2006/main">
+  <p:cSld>
+    <p:spTree>
+      <p:nvGrpSpPr>
+        <p:cNvPr id="1" name=""/>
+        <p:cNvGrpSpPr/>
+        <p:nvPr/>
+      </p:nvGrpSpPr>
+      <p:grpSpPr>
+        <a:xfrm>
+          <a:off x="0" y="0"/>
+          <a:ext cx="0" cy="0"/>
+          <a:chOff x="0" y="0"/>
+          <a:chExt cx="0" cy="0"/>
+        </a:xfrm>
+      </p:grpSpPr>
+      <p:sp>
+        <p:nvSpPr>
+          <p:cNvPr id="2" name="Title 1">
+            <a:extLst>
+              <a:ext uri="{FF2B5EF4-FFF2-40B4-BE49-F238E27FC236}">
+                <a16:creationId xmlns:a16="http://schemas.microsoft.com/office/drawing/2014/main" id="{66542E6E-AD50-63D0-F271-E19B63CE185A}"/>
+              </a:ext>
+            </a:extLst>
+          </p:cNvPr>
+          <p:cNvSpPr>
+            <a:spLocks noGrp="1"/>
+          </p:cNvSpPr>
+          <p:nvPr>
+            <p:ph type="title"/>
+          </p:nvPr>
+        </p:nvSpPr>
+        <p:spPr>
+          <a:xfrm>
+            <a:off x="838200" y="2766218"/>
+            <a:ext cx="10515600" cy="1325563"/>
+          </a:xfrm>
+        </p:spPr>
+        <p:txBody>
+          <a:bodyPr/>
+          <a:lstStyle/>
+          <a:p>
+            <a:pPr algn="ctr"/>
+            <a:r>
+              <a:rPr lang="en-US" dirty="0" err="1"/>
+              <a:t>Pendahuluan</a:t>
+            </a:r>
+            <a:endParaRPr lang="en-US" dirty="0"/>
+          </a:p>
+        </p:txBody>
+      </p:sp>
+    </p:spTree>
+    <p:extLst>
+      <p:ext uri="{BB962C8B-B14F-4D97-AF65-F5344CB8AC3E}">
+        <p14:creationId xmlns:p14="http://schemas.microsoft.com/office/powerpoint/2010/main" val="3426181276"/>
+      </p:ext>
+    </p:extLst>
+  </p:cSld>
+  <p:clrMapOvr>
+    <a:masterClrMapping/>
+  </p:clrMapOvr>
+</p:sld>
+</file>
+
+<file path=ppt/slides/slide3.xml><?xml version="1.0" encoding="utf-8"?>
 <p:sld xmlns:a="http://schemas.openxmlformats.org/drawingml/2006/main" xmlns:r="http://schemas.openxmlformats.org/officeDocument/2006/relationships" xmlns:p="http://schemas.openxmlformats.org/presentationml/2006/main">
   <p:cSld>
     <p:spTree>
@@ -4033,7 +5282,7 @@
 </p:sld>
 </file>
 
-<file path=ppt/slides/slide3.xml><?xml version="1.0" encoding="utf-8"?>
+<file path=ppt/slides/slide4.xml><?xml version="1.0" encoding="utf-8"?>
 <p:sld xmlns:a="http://schemas.openxmlformats.org/drawingml/2006/main" xmlns:r="http://schemas.openxmlformats.org/officeDocument/2006/relationships" xmlns:p="http://schemas.openxmlformats.org/presentationml/2006/main">
   <p:cSld>
     <p:spTree>
@@ -4560,7 +5809,7 @@
 </p:sld>
 </file>
 
-<file path=ppt/slides/slide4.xml><?xml version="1.0" encoding="utf-8"?>
+<file path=ppt/slides/slide5.xml><?xml version="1.0" encoding="utf-8"?>
 <p:sld xmlns:a="http://schemas.openxmlformats.org/drawingml/2006/main" xmlns:r="http://schemas.openxmlformats.org/officeDocument/2006/relationships" xmlns:p="http://schemas.openxmlformats.org/presentationml/2006/main">
   <p:cSld>
     <p:spTree>
@@ -4944,7 +6193,7 @@
 </p:sld>
 </file>
 
-<file path=ppt/slides/slide5.xml><?xml version="1.0" encoding="utf-8"?>
+<file path=ppt/slides/slide6.xml><?xml version="1.0" encoding="utf-8"?>
 <p:sld xmlns:a="http://schemas.openxmlformats.org/drawingml/2006/main" xmlns:r="http://schemas.openxmlformats.org/officeDocument/2006/relationships" xmlns:p="http://schemas.openxmlformats.org/presentationml/2006/main">
   <p:cSld>
     <p:spTree>
@@ -5401,7 +6650,7 @@
 </p:sld>
 </file>
 
-<file path=ppt/slides/slide6.xml><?xml version="1.0" encoding="utf-8"?>
+<file path=ppt/slides/slide7.xml><?xml version="1.0" encoding="utf-8"?>
 <p:sld xmlns:a="http://schemas.openxmlformats.org/drawingml/2006/main" xmlns:r="http://schemas.openxmlformats.org/officeDocument/2006/relationships" xmlns:p="http://schemas.openxmlformats.org/presentationml/2006/main">
   <p:cSld>
     <p:spTree>
@@ -5439,7 +6688,19 @@
           <a:bodyPr/>
           <a:lstStyle/>
           <a:p>
-            <a:endParaRPr lang="en-US"/>
+            <a:r>
+              <a:rPr lang="en-US" dirty="0" err="1"/>
+              <a:t>Pertanyaan</a:t>
+            </a:r>
+            <a:r>
+              <a:rPr lang="en-US" dirty="0"/>
+              <a:t> </a:t>
+            </a:r>
+            <a:r>
+              <a:rPr lang="en-US" dirty="0" err="1"/>
+              <a:t>Penelitian</a:t>
+            </a:r>
+            <a:endParaRPr lang="en-US" dirty="0"/>
           </a:p>
         </p:txBody>
       </p:sp>
@@ -5461,10 +6722,1440 @@
         </p:nvSpPr>
         <p:spPr/>
         <p:txBody>
-          <a:bodyPr/>
+          <a:bodyPr>
+            <a:normAutofit/>
+          </a:bodyPr>
           <a:lstStyle/>
           <a:p>
-            <a:endParaRPr lang="en-US"/>
+            <a:pPr algn="l"/>
+            <a:endParaRPr lang="en-US" sz="1800" b="0" i="0" u="none" strike="noStrike" baseline="0" dirty="0">
+              <a:solidFill>
+                <a:srgbClr val="000000"/>
+              </a:solidFill>
+              <a:latin typeface="Times New Roman" panose="02020603050405020304" pitchFamily="18" charset="0"/>
+            </a:endParaRPr>
+          </a:p>
+          <a:p>
+            <a:pPr marL="342900" indent="-342900">
+              <a:buFont typeface="+mj-lt"/>
+              <a:buAutoNum type="arabicPeriod"/>
+            </a:pPr>
+            <a:r>
+              <a:rPr lang="en-US" sz="1800" b="0" i="0" u="none" strike="noStrike" baseline="0" dirty="0" err="1">
+                <a:solidFill>
+                  <a:srgbClr val="000000"/>
+                </a:solidFill>
+                <a:latin typeface="Times New Roman" panose="02020603050405020304" pitchFamily="18" charset="0"/>
+              </a:rPr>
+              <a:t>Apa</a:t>
+            </a:r>
+            <a:r>
+              <a:rPr lang="en-US" sz="1800" b="0" i="0" u="none" strike="noStrike" baseline="0" dirty="0">
+                <a:solidFill>
+                  <a:srgbClr val="000000"/>
+                </a:solidFill>
+                <a:latin typeface="Times New Roman" panose="02020603050405020304" pitchFamily="18" charset="0"/>
+              </a:rPr>
+              <a:t> </a:t>
+            </a:r>
+            <a:r>
+              <a:rPr lang="en-US" sz="1800" b="0" i="0" u="none" strike="noStrike" baseline="0" dirty="0" err="1">
+                <a:solidFill>
+                  <a:srgbClr val="000000"/>
+                </a:solidFill>
+                <a:latin typeface="Times New Roman" panose="02020603050405020304" pitchFamily="18" charset="0"/>
+              </a:rPr>
+              <a:t>saja</a:t>
+            </a:r>
+            <a:r>
+              <a:rPr lang="en-US" sz="1800" b="0" i="0" u="none" strike="noStrike" baseline="0" dirty="0">
+                <a:solidFill>
+                  <a:srgbClr val="000000"/>
+                </a:solidFill>
+                <a:latin typeface="Times New Roman" panose="02020603050405020304" pitchFamily="18" charset="0"/>
+              </a:rPr>
+              <a:t> yang </a:t>
+            </a:r>
+            <a:r>
+              <a:rPr lang="en-US" sz="1800" b="0" i="0" u="none" strike="noStrike" baseline="0" dirty="0" err="1">
+                <a:solidFill>
+                  <a:srgbClr val="000000"/>
+                </a:solidFill>
+                <a:latin typeface="Times New Roman" panose="02020603050405020304" pitchFamily="18" charset="0"/>
+              </a:rPr>
+              <a:t>diperlukan</a:t>
+            </a:r>
+            <a:r>
+              <a:rPr lang="en-US" sz="1800" b="0" i="0" u="none" strike="noStrike" baseline="0" dirty="0">
+                <a:solidFill>
+                  <a:srgbClr val="000000"/>
+                </a:solidFill>
+                <a:latin typeface="Times New Roman" panose="02020603050405020304" pitchFamily="18" charset="0"/>
+              </a:rPr>
+              <a:t> </a:t>
+            </a:r>
+            <a:r>
+              <a:rPr lang="en-US" sz="1800" b="0" i="0" u="none" strike="noStrike" baseline="0" dirty="0" err="1">
+                <a:solidFill>
+                  <a:srgbClr val="000000"/>
+                </a:solidFill>
+                <a:latin typeface="Times New Roman" panose="02020603050405020304" pitchFamily="18" charset="0"/>
+              </a:rPr>
+              <a:t>untuk</a:t>
+            </a:r>
+            <a:r>
+              <a:rPr lang="en-US" sz="1800" b="0" i="0" u="none" strike="noStrike" baseline="0" dirty="0">
+                <a:solidFill>
+                  <a:srgbClr val="000000"/>
+                </a:solidFill>
+                <a:latin typeface="Times New Roman" panose="02020603050405020304" pitchFamily="18" charset="0"/>
+              </a:rPr>
+              <a:t> </a:t>
+            </a:r>
+            <a:r>
+              <a:rPr lang="en-US" sz="1800" b="0" i="0" u="none" strike="noStrike" baseline="0" dirty="0" err="1">
+                <a:solidFill>
+                  <a:srgbClr val="000000"/>
+                </a:solidFill>
+                <a:latin typeface="Times New Roman" panose="02020603050405020304" pitchFamily="18" charset="0"/>
+              </a:rPr>
+              <a:t>membangun</a:t>
+            </a:r>
+            <a:r>
+              <a:rPr lang="en-US" sz="1800" b="0" i="0" u="none" strike="noStrike" baseline="0" dirty="0">
+                <a:solidFill>
+                  <a:srgbClr val="000000"/>
+                </a:solidFill>
+                <a:latin typeface="Times New Roman" panose="02020603050405020304" pitchFamily="18" charset="0"/>
+              </a:rPr>
+              <a:t> </a:t>
+            </a:r>
+            <a:r>
+              <a:rPr lang="en-US" sz="1800" b="0" i="0" u="none" strike="noStrike" baseline="0" dirty="0" err="1">
+                <a:solidFill>
+                  <a:srgbClr val="000000"/>
+                </a:solidFill>
+                <a:latin typeface="Times New Roman" panose="02020603050405020304" pitchFamily="18" charset="0"/>
+              </a:rPr>
+              <a:t>atau</a:t>
+            </a:r>
+            <a:r>
+              <a:rPr lang="en-US" sz="1800" b="0" i="0" u="none" strike="noStrike" baseline="0" dirty="0">
+                <a:solidFill>
+                  <a:srgbClr val="000000"/>
+                </a:solidFill>
+                <a:latin typeface="Times New Roman" panose="02020603050405020304" pitchFamily="18" charset="0"/>
+              </a:rPr>
+              <a:t> </a:t>
+            </a:r>
+            <a:r>
+              <a:rPr lang="en-US" sz="1800" b="0" i="0" u="none" strike="noStrike" baseline="0" dirty="0" err="1">
+                <a:solidFill>
+                  <a:srgbClr val="000000"/>
+                </a:solidFill>
+                <a:latin typeface="Times New Roman" panose="02020603050405020304" pitchFamily="18" charset="0"/>
+              </a:rPr>
+              <a:t>menyusun</a:t>
+            </a:r>
+            <a:r>
+              <a:rPr lang="en-US" sz="1800" b="0" i="0" u="none" strike="noStrike" baseline="0" dirty="0">
+                <a:solidFill>
+                  <a:srgbClr val="000000"/>
+                </a:solidFill>
+                <a:latin typeface="Times New Roman" panose="02020603050405020304" pitchFamily="18" charset="0"/>
+              </a:rPr>
+              <a:t> </a:t>
+            </a:r>
+            <a:r>
+              <a:rPr lang="en-US" sz="1800" b="0" i="0" u="none" strike="noStrike" baseline="0" dirty="0" err="1">
+                <a:solidFill>
+                  <a:srgbClr val="000000"/>
+                </a:solidFill>
+                <a:latin typeface="Times New Roman" panose="02020603050405020304" pitchFamily="18" charset="0"/>
+              </a:rPr>
+              <a:t>sebuah</a:t>
+            </a:r>
+            <a:r>
+              <a:rPr lang="en-US" sz="1800" b="0" i="0" u="none" strike="noStrike" baseline="0" dirty="0">
+                <a:solidFill>
+                  <a:srgbClr val="000000"/>
+                </a:solidFill>
+                <a:latin typeface="Times New Roman" panose="02020603050405020304" pitchFamily="18" charset="0"/>
+              </a:rPr>
+              <a:t> model </a:t>
+            </a:r>
+            <a:r>
+              <a:rPr lang="en-US" sz="1800" b="0" i="1" u="none" strike="noStrike" baseline="0" dirty="0">
+                <a:solidFill>
+                  <a:srgbClr val="000000"/>
+                </a:solidFill>
+                <a:latin typeface="Times New Roman" panose="02020603050405020304" pitchFamily="18" charset="0"/>
+              </a:rPr>
+              <a:t>deep learning </a:t>
+            </a:r>
+            <a:r>
+              <a:rPr lang="en-US" sz="1800" b="0" i="0" u="none" strike="noStrike" baseline="0" dirty="0" err="1">
+                <a:solidFill>
+                  <a:srgbClr val="000000"/>
+                </a:solidFill>
+                <a:latin typeface="Times New Roman" panose="02020603050405020304" pitchFamily="18" charset="0"/>
+              </a:rPr>
+              <a:t>untuk</a:t>
+            </a:r>
+            <a:r>
+              <a:rPr lang="en-US" sz="1800" b="0" i="0" u="none" strike="noStrike" baseline="0" dirty="0">
+                <a:solidFill>
+                  <a:srgbClr val="000000"/>
+                </a:solidFill>
+                <a:latin typeface="Times New Roman" panose="02020603050405020304" pitchFamily="18" charset="0"/>
+              </a:rPr>
+              <a:t> </a:t>
+            </a:r>
+            <a:r>
+              <a:rPr lang="en-US" sz="1800" b="0" i="0" u="none" strike="noStrike" baseline="0" dirty="0" err="1">
+                <a:solidFill>
+                  <a:srgbClr val="000000"/>
+                </a:solidFill>
+                <a:latin typeface="Times New Roman" panose="02020603050405020304" pitchFamily="18" charset="0"/>
+              </a:rPr>
+              <a:t>kasus</a:t>
+            </a:r>
+            <a:r>
+              <a:rPr lang="en-US" sz="1800" b="0" i="0" u="none" strike="noStrike" baseline="0" dirty="0">
+                <a:solidFill>
+                  <a:srgbClr val="000000"/>
+                </a:solidFill>
+                <a:latin typeface="Times New Roman" panose="02020603050405020304" pitchFamily="18" charset="0"/>
+              </a:rPr>
+              <a:t> </a:t>
+            </a:r>
+            <a:r>
+              <a:rPr lang="en-US" sz="1800" b="0" i="0" u="none" strike="noStrike" baseline="0" dirty="0" err="1">
+                <a:solidFill>
+                  <a:srgbClr val="000000"/>
+                </a:solidFill>
+                <a:latin typeface="Times New Roman" panose="02020603050405020304" pitchFamily="18" charset="0"/>
+              </a:rPr>
+              <a:t>klasifikasi</a:t>
+            </a:r>
+            <a:r>
+              <a:rPr lang="en-US" sz="1800" b="0" i="0" u="none" strike="noStrike" baseline="0" dirty="0">
+                <a:solidFill>
+                  <a:srgbClr val="000000"/>
+                </a:solidFill>
+                <a:latin typeface="Times New Roman" panose="02020603050405020304" pitchFamily="18" charset="0"/>
+              </a:rPr>
+              <a:t> </a:t>
+            </a:r>
+            <a:r>
+              <a:rPr lang="en-US" sz="1800" b="0" i="0" u="none" strike="noStrike" baseline="0" dirty="0" err="1">
+                <a:solidFill>
+                  <a:srgbClr val="000000"/>
+                </a:solidFill>
+                <a:latin typeface="Times New Roman" panose="02020603050405020304" pitchFamily="18" charset="0"/>
+              </a:rPr>
+              <a:t>dengan</a:t>
+            </a:r>
+            <a:r>
+              <a:rPr lang="en-US" sz="1800" b="0" i="0" u="none" strike="noStrike" baseline="0" dirty="0">
+                <a:solidFill>
+                  <a:srgbClr val="000000"/>
+                </a:solidFill>
+                <a:latin typeface="Times New Roman" panose="02020603050405020304" pitchFamily="18" charset="0"/>
+              </a:rPr>
+              <a:t> input data </a:t>
+            </a:r>
+            <a:r>
+              <a:rPr lang="en-US" sz="1800" b="0" i="0" u="none" strike="noStrike" baseline="0" dirty="0" err="1">
+                <a:solidFill>
+                  <a:srgbClr val="000000"/>
+                </a:solidFill>
+                <a:latin typeface="Times New Roman" panose="02020603050405020304" pitchFamily="18" charset="0"/>
+              </a:rPr>
+              <a:t>foto</a:t>
+            </a:r>
+            <a:r>
+              <a:rPr lang="en-US" sz="1800" b="0" i="0" u="none" strike="noStrike" baseline="0" dirty="0">
+                <a:solidFill>
+                  <a:srgbClr val="000000"/>
+                </a:solidFill>
+                <a:latin typeface="Times New Roman" panose="02020603050405020304" pitchFamily="18" charset="0"/>
+              </a:rPr>
+              <a:t> </a:t>
+            </a:r>
+            <a:r>
+              <a:rPr lang="en-US" sz="1800" b="0" i="0" u="none" strike="noStrike" baseline="0" dirty="0" err="1">
+                <a:solidFill>
+                  <a:srgbClr val="000000"/>
+                </a:solidFill>
+                <a:latin typeface="Times New Roman" panose="02020603050405020304" pitchFamily="18" charset="0"/>
+              </a:rPr>
+              <a:t>udara</a:t>
+            </a:r>
+            <a:r>
+              <a:rPr lang="en-US" sz="1800" b="0" i="0" u="none" strike="noStrike" baseline="0" dirty="0">
+                <a:solidFill>
+                  <a:srgbClr val="000000"/>
+                </a:solidFill>
+                <a:latin typeface="Times New Roman" panose="02020603050405020304" pitchFamily="18" charset="0"/>
+              </a:rPr>
+              <a:t> ? </a:t>
+            </a:r>
+          </a:p>
+          <a:p>
+            <a:pPr marL="342900" indent="-342900">
+              <a:buFont typeface="+mj-lt"/>
+              <a:buAutoNum type="arabicPeriod"/>
+            </a:pPr>
+            <a:r>
+              <a:rPr lang="en-US" sz="1800" b="0" i="0" u="none" strike="noStrike" baseline="0" dirty="0" err="1">
+                <a:solidFill>
+                  <a:srgbClr val="000000"/>
+                </a:solidFill>
+                <a:latin typeface="Times New Roman" panose="02020603050405020304" pitchFamily="18" charset="0"/>
+              </a:rPr>
+              <a:t>Bagaimana</a:t>
+            </a:r>
+            <a:r>
+              <a:rPr lang="en-US" sz="1800" b="0" i="0" u="none" strike="noStrike" baseline="0" dirty="0">
+                <a:solidFill>
+                  <a:srgbClr val="000000"/>
+                </a:solidFill>
+                <a:latin typeface="Times New Roman" panose="02020603050405020304" pitchFamily="18" charset="0"/>
+              </a:rPr>
+              <a:t> </a:t>
+            </a:r>
+            <a:r>
+              <a:rPr lang="en-US" sz="1800" b="0" i="0" u="none" strike="noStrike" baseline="0" dirty="0" err="1">
+                <a:solidFill>
+                  <a:srgbClr val="000000"/>
+                </a:solidFill>
+                <a:latin typeface="Times New Roman" panose="02020603050405020304" pitchFamily="18" charset="0"/>
+              </a:rPr>
+              <a:t>cara</a:t>
+            </a:r>
+            <a:r>
+              <a:rPr lang="en-US" sz="1800" b="0" i="0" u="none" strike="noStrike" baseline="0" dirty="0">
+                <a:solidFill>
+                  <a:srgbClr val="000000"/>
+                </a:solidFill>
+                <a:latin typeface="Times New Roman" panose="02020603050405020304" pitchFamily="18" charset="0"/>
+              </a:rPr>
+              <a:t> </a:t>
+            </a:r>
+            <a:r>
+              <a:rPr lang="en-US" sz="1800" b="0" i="0" u="none" strike="noStrike" baseline="0" dirty="0" err="1">
+                <a:solidFill>
+                  <a:srgbClr val="000000"/>
+                </a:solidFill>
+                <a:latin typeface="Times New Roman" panose="02020603050405020304" pitchFamily="18" charset="0"/>
+              </a:rPr>
+              <a:t>melakukan</a:t>
+            </a:r>
+            <a:r>
+              <a:rPr lang="en-US" sz="1800" b="0" i="0" u="none" strike="noStrike" baseline="0" dirty="0">
+                <a:solidFill>
+                  <a:srgbClr val="000000"/>
+                </a:solidFill>
+                <a:latin typeface="Times New Roman" panose="02020603050405020304" pitchFamily="18" charset="0"/>
+              </a:rPr>
+              <a:t> </a:t>
+            </a:r>
+            <a:r>
+              <a:rPr lang="en-US" sz="1800" b="0" i="0" u="none" strike="noStrike" baseline="0" dirty="0" err="1">
+                <a:solidFill>
+                  <a:srgbClr val="000000"/>
+                </a:solidFill>
+                <a:latin typeface="Times New Roman" panose="02020603050405020304" pitchFamily="18" charset="0"/>
+              </a:rPr>
+              <a:t>optimalisasi</a:t>
+            </a:r>
+            <a:r>
+              <a:rPr lang="en-US" sz="1800" b="0" i="0" u="none" strike="noStrike" baseline="0" dirty="0">
+                <a:solidFill>
+                  <a:srgbClr val="000000"/>
+                </a:solidFill>
+                <a:latin typeface="Times New Roman" panose="02020603050405020304" pitchFamily="18" charset="0"/>
+              </a:rPr>
+              <a:t> pada model agar </a:t>
+            </a:r>
+            <a:r>
+              <a:rPr lang="en-US" sz="1800" b="0" i="0" u="none" strike="noStrike" baseline="0" dirty="0" err="1">
+                <a:solidFill>
+                  <a:srgbClr val="000000"/>
+                </a:solidFill>
+                <a:latin typeface="Times New Roman" panose="02020603050405020304" pitchFamily="18" charset="0"/>
+              </a:rPr>
+              <a:t>hasil</a:t>
+            </a:r>
+            <a:r>
+              <a:rPr lang="en-US" sz="1800" b="0" i="0" u="none" strike="noStrike" baseline="0" dirty="0">
+                <a:solidFill>
+                  <a:srgbClr val="000000"/>
+                </a:solidFill>
+                <a:latin typeface="Times New Roman" panose="02020603050405020304" pitchFamily="18" charset="0"/>
+              </a:rPr>
+              <a:t> yang </a:t>
+            </a:r>
+            <a:r>
+              <a:rPr lang="en-US" sz="1800" b="0" i="0" u="none" strike="noStrike" baseline="0" dirty="0" err="1">
+                <a:solidFill>
+                  <a:srgbClr val="000000"/>
+                </a:solidFill>
+                <a:latin typeface="Times New Roman" panose="02020603050405020304" pitchFamily="18" charset="0"/>
+              </a:rPr>
+              <a:t>diperoleh</a:t>
+            </a:r>
+            <a:r>
+              <a:rPr lang="en-US" sz="1800" b="0" i="0" u="none" strike="noStrike" baseline="0" dirty="0">
+                <a:solidFill>
+                  <a:srgbClr val="000000"/>
+                </a:solidFill>
+                <a:latin typeface="Times New Roman" panose="02020603050405020304" pitchFamily="18" charset="0"/>
+              </a:rPr>
+              <a:t> </a:t>
+            </a:r>
+            <a:r>
+              <a:rPr lang="en-US" sz="1800" b="0" i="0" u="none" strike="noStrike" baseline="0" dirty="0" err="1">
+                <a:solidFill>
+                  <a:srgbClr val="000000"/>
+                </a:solidFill>
+                <a:latin typeface="Times New Roman" panose="02020603050405020304" pitchFamily="18" charset="0"/>
+              </a:rPr>
+              <a:t>maksimal</a:t>
+            </a:r>
+            <a:r>
+              <a:rPr lang="en-US" sz="1800" b="0" i="0" u="none" strike="noStrike" baseline="0" dirty="0">
+                <a:solidFill>
+                  <a:srgbClr val="000000"/>
+                </a:solidFill>
+                <a:latin typeface="Times New Roman" panose="02020603050405020304" pitchFamily="18" charset="0"/>
+              </a:rPr>
+              <a:t> ? </a:t>
+            </a:r>
+          </a:p>
+          <a:p>
+            <a:pPr marL="342900" indent="-342900">
+              <a:buFont typeface="+mj-lt"/>
+              <a:buAutoNum type="arabicPeriod"/>
+            </a:pPr>
+            <a:r>
+              <a:rPr lang="en-US" sz="1800" b="0" i="0" u="none" strike="noStrike" baseline="0" dirty="0" err="1">
+                <a:solidFill>
+                  <a:srgbClr val="000000"/>
+                </a:solidFill>
+                <a:latin typeface="Times New Roman" panose="02020603050405020304" pitchFamily="18" charset="0"/>
+              </a:rPr>
+              <a:t>Mengapa</a:t>
+            </a:r>
+            <a:r>
+              <a:rPr lang="en-US" sz="1800" b="0" i="0" u="none" strike="noStrike" baseline="0" dirty="0">
+                <a:solidFill>
+                  <a:srgbClr val="000000"/>
+                </a:solidFill>
+                <a:latin typeface="Times New Roman" panose="02020603050405020304" pitchFamily="18" charset="0"/>
+              </a:rPr>
+              <a:t> </a:t>
+            </a:r>
+            <a:r>
+              <a:rPr lang="en-US" sz="1800" b="0" i="0" u="none" strike="noStrike" baseline="0" dirty="0" err="1">
+                <a:solidFill>
+                  <a:srgbClr val="000000"/>
+                </a:solidFill>
+                <a:latin typeface="Times New Roman" panose="02020603050405020304" pitchFamily="18" charset="0"/>
+              </a:rPr>
+              <a:t>pengujian</a:t>
+            </a:r>
+            <a:r>
+              <a:rPr lang="en-US" sz="1800" b="0" i="0" u="none" strike="noStrike" baseline="0" dirty="0">
+                <a:solidFill>
+                  <a:srgbClr val="000000"/>
+                </a:solidFill>
+                <a:latin typeface="Times New Roman" panose="02020603050405020304" pitchFamily="18" charset="0"/>
+              </a:rPr>
+              <a:t> model </a:t>
+            </a:r>
+            <a:r>
+              <a:rPr lang="en-US" sz="1800" b="0" i="0" u="none" strike="noStrike" baseline="0" dirty="0" err="1">
+                <a:solidFill>
+                  <a:srgbClr val="000000"/>
+                </a:solidFill>
+                <a:latin typeface="Times New Roman" panose="02020603050405020304" pitchFamily="18" charset="0"/>
+              </a:rPr>
+              <a:t>klasifiksi</a:t>
+            </a:r>
+            <a:r>
+              <a:rPr lang="en-US" sz="1800" b="0" i="0" u="none" strike="noStrike" baseline="0" dirty="0">
+                <a:solidFill>
+                  <a:srgbClr val="000000"/>
+                </a:solidFill>
+                <a:latin typeface="Times New Roman" panose="02020603050405020304" pitchFamily="18" charset="0"/>
+              </a:rPr>
+              <a:t> </a:t>
+            </a:r>
+            <a:r>
+              <a:rPr lang="en-US" sz="1800" b="0" i="0" u="none" strike="noStrike" baseline="0" dirty="0" err="1">
+                <a:solidFill>
+                  <a:srgbClr val="000000"/>
+                </a:solidFill>
+                <a:latin typeface="Times New Roman" panose="02020603050405020304" pitchFamily="18" charset="0"/>
+              </a:rPr>
+              <a:t>dilakukan</a:t>
+            </a:r>
+            <a:r>
+              <a:rPr lang="en-US" sz="1800" b="0" i="0" u="none" strike="noStrike" baseline="0" dirty="0">
+                <a:solidFill>
+                  <a:srgbClr val="000000"/>
+                </a:solidFill>
+                <a:latin typeface="Times New Roman" panose="02020603050405020304" pitchFamily="18" charset="0"/>
+              </a:rPr>
+              <a:t> </a:t>
+            </a:r>
+            <a:r>
+              <a:rPr lang="en-US" sz="1800" b="0" i="0" u="none" strike="noStrike" baseline="0" dirty="0" err="1">
+                <a:solidFill>
+                  <a:srgbClr val="000000"/>
+                </a:solidFill>
+                <a:latin typeface="Times New Roman" panose="02020603050405020304" pitchFamily="18" charset="0"/>
+              </a:rPr>
+              <a:t>dengan</a:t>
+            </a:r>
+            <a:r>
+              <a:rPr lang="en-US" sz="1800" b="0" i="0" u="none" strike="noStrike" baseline="0" dirty="0">
+                <a:solidFill>
+                  <a:srgbClr val="000000"/>
+                </a:solidFill>
+                <a:latin typeface="Times New Roman" panose="02020603050405020304" pitchFamily="18" charset="0"/>
+              </a:rPr>
+              <a:t> </a:t>
+            </a:r>
+            <a:r>
+              <a:rPr lang="en-US" sz="1800" b="0" i="0" u="none" strike="noStrike" baseline="0" dirty="0" err="1">
+                <a:solidFill>
+                  <a:srgbClr val="000000"/>
+                </a:solidFill>
+                <a:latin typeface="Times New Roman" panose="02020603050405020304" pitchFamily="18" charset="0"/>
+              </a:rPr>
+              <a:t>menggunakan</a:t>
+            </a:r>
+            <a:r>
+              <a:rPr lang="en-US" sz="1800" b="0" i="0" u="none" strike="noStrike" baseline="0" dirty="0">
+                <a:solidFill>
+                  <a:srgbClr val="000000"/>
+                </a:solidFill>
+                <a:latin typeface="Times New Roman" panose="02020603050405020304" pitchFamily="18" charset="0"/>
+              </a:rPr>
+              <a:t> 6 </a:t>
+            </a:r>
+            <a:r>
+              <a:rPr lang="en-US" sz="1800" b="0" i="0" u="none" strike="noStrike" baseline="0" dirty="0" err="1">
+                <a:solidFill>
+                  <a:srgbClr val="000000"/>
+                </a:solidFill>
+                <a:latin typeface="Times New Roman" panose="02020603050405020304" pitchFamily="18" charset="0"/>
+              </a:rPr>
+              <a:t>kelas</a:t>
+            </a:r>
+            <a:r>
+              <a:rPr lang="en-US" sz="1800" b="0" i="0" u="none" strike="noStrike" baseline="0" dirty="0">
+                <a:solidFill>
+                  <a:srgbClr val="000000"/>
+                </a:solidFill>
+                <a:latin typeface="Times New Roman" panose="02020603050405020304" pitchFamily="18" charset="0"/>
+              </a:rPr>
+              <a:t> </a:t>
+            </a:r>
+            <a:r>
+              <a:rPr lang="en-US" sz="1800" b="0" i="0" u="none" strike="noStrike" baseline="0" dirty="0" err="1">
+                <a:solidFill>
+                  <a:srgbClr val="000000"/>
+                </a:solidFill>
+                <a:latin typeface="Times New Roman" panose="02020603050405020304" pitchFamily="18" charset="0"/>
+              </a:rPr>
+              <a:t>penutup</a:t>
+            </a:r>
+            <a:r>
+              <a:rPr lang="en-US" sz="1800" b="0" i="0" u="none" strike="noStrike" baseline="0" dirty="0">
+                <a:solidFill>
+                  <a:srgbClr val="000000"/>
+                </a:solidFill>
+                <a:latin typeface="Times New Roman" panose="02020603050405020304" pitchFamily="18" charset="0"/>
+              </a:rPr>
+              <a:t> </a:t>
+            </a:r>
+            <a:r>
+              <a:rPr lang="en-US" sz="1800" b="0" i="0" u="none" strike="noStrike" baseline="0" dirty="0" err="1">
+                <a:solidFill>
+                  <a:srgbClr val="000000"/>
+                </a:solidFill>
+                <a:latin typeface="Times New Roman" panose="02020603050405020304" pitchFamily="18" charset="0"/>
+              </a:rPr>
+              <a:t>lahan</a:t>
+            </a:r>
+            <a:r>
+              <a:rPr lang="en-US" sz="1800" b="0" i="0" u="none" strike="noStrike" baseline="0" dirty="0">
+                <a:solidFill>
+                  <a:srgbClr val="000000"/>
+                </a:solidFill>
+                <a:latin typeface="Times New Roman" panose="02020603050405020304" pitchFamily="18" charset="0"/>
+              </a:rPr>
+              <a:t> ? Dan </a:t>
+            </a:r>
+            <a:r>
+              <a:rPr lang="en-US" sz="1800" b="0" i="0" u="none" strike="noStrike" baseline="0" dirty="0" err="1">
+                <a:solidFill>
+                  <a:srgbClr val="000000"/>
+                </a:solidFill>
+                <a:latin typeface="Times New Roman" panose="02020603050405020304" pitchFamily="18" charset="0"/>
+              </a:rPr>
+              <a:t>mengapa</a:t>
+            </a:r>
+            <a:r>
+              <a:rPr lang="en-US" sz="1800" b="0" i="0" u="none" strike="noStrike" baseline="0" dirty="0">
+                <a:solidFill>
+                  <a:srgbClr val="000000"/>
+                </a:solidFill>
+                <a:latin typeface="Times New Roman" panose="02020603050405020304" pitchFamily="18" charset="0"/>
+              </a:rPr>
+              <a:t> </a:t>
+            </a:r>
+            <a:r>
+              <a:rPr lang="en-US" sz="1800" b="0" i="0" u="none" strike="noStrike" baseline="0" dirty="0" err="1">
+                <a:solidFill>
+                  <a:srgbClr val="000000"/>
+                </a:solidFill>
+                <a:latin typeface="Times New Roman" panose="02020603050405020304" pitchFamily="18" charset="0"/>
+              </a:rPr>
+              <a:t>kelas</a:t>
+            </a:r>
+            <a:r>
+              <a:rPr lang="en-US" sz="1800" b="0" i="0" u="none" strike="noStrike" baseline="0" dirty="0">
+                <a:solidFill>
+                  <a:srgbClr val="000000"/>
+                </a:solidFill>
+                <a:latin typeface="Times New Roman" panose="02020603050405020304" pitchFamily="18" charset="0"/>
+              </a:rPr>
+              <a:t> yang </a:t>
+            </a:r>
+            <a:r>
+              <a:rPr lang="en-US" sz="1800" b="0" i="0" u="none" strike="noStrike" baseline="0" dirty="0" err="1">
+                <a:solidFill>
+                  <a:srgbClr val="000000"/>
+                </a:solidFill>
+                <a:latin typeface="Times New Roman" panose="02020603050405020304" pitchFamily="18" charset="0"/>
+              </a:rPr>
+              <a:t>digunakan</a:t>
+            </a:r>
+            <a:r>
+              <a:rPr lang="en-US" sz="1800" b="0" i="0" u="none" strike="noStrike" baseline="0" dirty="0">
+                <a:solidFill>
+                  <a:srgbClr val="000000"/>
+                </a:solidFill>
+                <a:latin typeface="Times New Roman" panose="02020603050405020304" pitchFamily="18" charset="0"/>
+              </a:rPr>
+              <a:t> </a:t>
+            </a:r>
+            <a:r>
+              <a:rPr lang="en-US" sz="1800" b="0" i="0" u="none" strike="noStrike" baseline="0" dirty="0" err="1">
+                <a:solidFill>
+                  <a:srgbClr val="000000"/>
+                </a:solidFill>
+                <a:latin typeface="Times New Roman" panose="02020603050405020304" pitchFamily="18" charset="0"/>
+              </a:rPr>
+              <a:t>adalah</a:t>
+            </a:r>
+            <a:r>
+              <a:rPr lang="en-US" sz="1800" b="0" i="0" u="none" strike="noStrike" baseline="0" dirty="0">
+                <a:solidFill>
+                  <a:srgbClr val="000000"/>
+                </a:solidFill>
+                <a:latin typeface="Times New Roman" panose="02020603050405020304" pitchFamily="18" charset="0"/>
+              </a:rPr>
+              <a:t> </a:t>
+            </a:r>
+            <a:r>
+              <a:rPr lang="en-US" sz="1800" b="0" i="0" u="none" strike="noStrike" baseline="0" dirty="0" err="1">
+                <a:solidFill>
+                  <a:srgbClr val="000000"/>
+                </a:solidFill>
+                <a:latin typeface="Times New Roman" panose="02020603050405020304" pitchFamily="18" charset="0"/>
+              </a:rPr>
+              <a:t>bangunan</a:t>
+            </a:r>
+            <a:r>
+              <a:rPr lang="en-US" sz="1800" b="0" i="0" u="none" strike="noStrike" baseline="0" dirty="0">
+                <a:solidFill>
+                  <a:srgbClr val="000000"/>
+                </a:solidFill>
+                <a:latin typeface="Times New Roman" panose="02020603050405020304" pitchFamily="18" charset="0"/>
+              </a:rPr>
+              <a:t>, </a:t>
+            </a:r>
+            <a:r>
+              <a:rPr lang="en-US" sz="1800" b="0" i="0" u="none" strike="noStrike" baseline="0" dirty="0" err="1">
+                <a:solidFill>
+                  <a:srgbClr val="000000"/>
+                </a:solidFill>
+                <a:latin typeface="Times New Roman" panose="02020603050405020304" pitchFamily="18" charset="0"/>
+              </a:rPr>
+              <a:t>jalan</a:t>
+            </a:r>
+            <a:r>
+              <a:rPr lang="en-US" sz="1800" b="0" i="0" u="none" strike="noStrike" baseline="0" dirty="0">
+                <a:solidFill>
+                  <a:srgbClr val="000000"/>
+                </a:solidFill>
+                <a:latin typeface="Times New Roman" panose="02020603050405020304" pitchFamily="18" charset="0"/>
+              </a:rPr>
+              <a:t>, sawah, </a:t>
+            </a:r>
+            <a:r>
+              <a:rPr lang="en-US" sz="1800" b="0" i="0" u="none" strike="noStrike" baseline="0" dirty="0" err="1">
+                <a:solidFill>
+                  <a:srgbClr val="000000"/>
+                </a:solidFill>
+                <a:latin typeface="Times New Roman" panose="02020603050405020304" pitchFamily="18" charset="0"/>
+              </a:rPr>
+              <a:t>sungai</a:t>
+            </a:r>
+            <a:r>
+              <a:rPr lang="en-US" sz="1800" b="0" i="0" u="none" strike="noStrike" baseline="0" dirty="0">
+                <a:solidFill>
+                  <a:srgbClr val="000000"/>
+                </a:solidFill>
+                <a:latin typeface="Times New Roman" panose="02020603050405020304" pitchFamily="18" charset="0"/>
+              </a:rPr>
+              <a:t>, </a:t>
+            </a:r>
+            <a:r>
+              <a:rPr lang="en-US" sz="1800" b="0" i="0" u="none" strike="noStrike" baseline="0" dirty="0" err="1">
+                <a:solidFill>
+                  <a:srgbClr val="000000"/>
+                </a:solidFill>
+                <a:latin typeface="Times New Roman" panose="02020603050405020304" pitchFamily="18" charset="0"/>
+              </a:rPr>
+              <a:t>pepohonan</a:t>
+            </a:r>
+            <a:r>
+              <a:rPr lang="en-US" sz="1800" b="0" i="0" u="none" strike="noStrike" baseline="0" dirty="0">
+                <a:solidFill>
+                  <a:srgbClr val="000000"/>
+                </a:solidFill>
+                <a:latin typeface="Times New Roman" panose="02020603050405020304" pitchFamily="18" charset="0"/>
+              </a:rPr>
+              <a:t> dan </a:t>
+            </a:r>
+            <a:r>
+              <a:rPr lang="en-US" sz="1800" b="0" i="0" u="none" strike="noStrike" baseline="0" dirty="0" err="1">
+                <a:solidFill>
+                  <a:srgbClr val="000000"/>
+                </a:solidFill>
+                <a:latin typeface="Times New Roman" panose="02020603050405020304" pitchFamily="18" charset="0"/>
+              </a:rPr>
+              <a:t>ruang</a:t>
+            </a:r>
+            <a:r>
+              <a:rPr lang="en-US" sz="1800" b="0" i="0" u="none" strike="noStrike" baseline="0" dirty="0">
+                <a:solidFill>
+                  <a:srgbClr val="000000"/>
+                </a:solidFill>
+                <a:latin typeface="Times New Roman" panose="02020603050405020304" pitchFamily="18" charset="0"/>
+              </a:rPr>
+              <a:t> </a:t>
+            </a:r>
+            <a:r>
+              <a:rPr lang="en-US" sz="1800" b="0" i="0" u="none" strike="noStrike" baseline="0" dirty="0" err="1">
+                <a:solidFill>
+                  <a:srgbClr val="000000"/>
+                </a:solidFill>
+                <a:latin typeface="Times New Roman" panose="02020603050405020304" pitchFamily="18" charset="0"/>
+              </a:rPr>
+              <a:t>terbuka</a:t>
+            </a:r>
+            <a:r>
+              <a:rPr lang="en-US" sz="1800" b="0" i="0" u="none" strike="noStrike" baseline="0" dirty="0">
+                <a:solidFill>
+                  <a:srgbClr val="000000"/>
+                </a:solidFill>
+                <a:latin typeface="Times New Roman" panose="02020603050405020304" pitchFamily="18" charset="0"/>
+              </a:rPr>
+              <a:t> </a:t>
+            </a:r>
+            <a:r>
+              <a:rPr lang="en-US" sz="1800" b="0" i="0" u="none" strike="noStrike" baseline="0" dirty="0" err="1">
+                <a:solidFill>
+                  <a:srgbClr val="000000"/>
+                </a:solidFill>
+                <a:latin typeface="Times New Roman" panose="02020603050405020304" pitchFamily="18" charset="0"/>
+              </a:rPr>
+              <a:t>hijau</a:t>
+            </a:r>
+            <a:r>
+              <a:rPr lang="en-US" sz="1800" b="0" i="0" u="none" strike="noStrike" baseline="0" dirty="0">
+                <a:solidFill>
+                  <a:srgbClr val="000000"/>
+                </a:solidFill>
+                <a:latin typeface="Times New Roman" panose="02020603050405020304" pitchFamily="18" charset="0"/>
+              </a:rPr>
+              <a:t> ? </a:t>
+            </a:r>
+          </a:p>
+          <a:p>
+            <a:pPr marL="342900" indent="-342900">
+              <a:buFont typeface="+mj-lt"/>
+              <a:buAutoNum type="arabicPeriod"/>
+            </a:pPr>
+            <a:r>
+              <a:rPr lang="en-US" sz="1800" b="0" i="0" u="none" strike="noStrike" baseline="0" dirty="0" err="1">
+                <a:solidFill>
+                  <a:srgbClr val="000000"/>
+                </a:solidFill>
+                <a:latin typeface="Times New Roman" panose="02020603050405020304" pitchFamily="18" charset="0"/>
+              </a:rPr>
+              <a:t>Bagaimana</a:t>
+            </a:r>
+            <a:r>
+              <a:rPr lang="en-US" sz="1800" b="0" i="0" u="none" strike="noStrike" baseline="0" dirty="0">
+                <a:solidFill>
+                  <a:srgbClr val="000000"/>
+                </a:solidFill>
+                <a:latin typeface="Times New Roman" panose="02020603050405020304" pitchFamily="18" charset="0"/>
+              </a:rPr>
+              <a:t> proses </a:t>
+            </a:r>
+            <a:r>
+              <a:rPr lang="en-US" sz="1800" b="0" i="0" u="none" strike="noStrike" baseline="0" dirty="0" err="1">
+                <a:solidFill>
+                  <a:srgbClr val="000000"/>
+                </a:solidFill>
+                <a:latin typeface="Times New Roman" panose="02020603050405020304" pitchFamily="18" charset="0"/>
+              </a:rPr>
+              <a:t>alur</a:t>
+            </a:r>
+            <a:r>
+              <a:rPr lang="en-US" sz="1800" b="0" i="0" u="none" strike="noStrike" baseline="0" dirty="0">
+                <a:solidFill>
+                  <a:srgbClr val="000000"/>
+                </a:solidFill>
+                <a:latin typeface="Times New Roman" panose="02020603050405020304" pitchFamily="18" charset="0"/>
+              </a:rPr>
+              <a:t> </a:t>
+            </a:r>
+            <a:r>
+              <a:rPr lang="en-US" sz="1800" b="0" i="0" u="none" strike="noStrike" baseline="0" dirty="0" err="1">
+                <a:solidFill>
+                  <a:srgbClr val="000000"/>
+                </a:solidFill>
+                <a:latin typeface="Times New Roman" panose="02020603050405020304" pitchFamily="18" charset="0"/>
+              </a:rPr>
+              <a:t>pengolahan</a:t>
+            </a:r>
+            <a:r>
+              <a:rPr lang="en-US" sz="1800" b="0" i="0" u="none" strike="noStrike" baseline="0" dirty="0">
+                <a:solidFill>
+                  <a:srgbClr val="000000"/>
+                </a:solidFill>
+                <a:latin typeface="Times New Roman" panose="02020603050405020304" pitchFamily="18" charset="0"/>
+              </a:rPr>
+              <a:t> </a:t>
+            </a:r>
+            <a:r>
+              <a:rPr lang="en-US" sz="1800" b="0" i="0" u="none" strike="noStrike" baseline="0" dirty="0" err="1">
+                <a:solidFill>
+                  <a:srgbClr val="000000"/>
+                </a:solidFill>
+                <a:latin typeface="Times New Roman" panose="02020603050405020304" pitchFamily="18" charset="0"/>
+              </a:rPr>
+              <a:t>dari</a:t>
+            </a:r>
+            <a:r>
+              <a:rPr lang="en-US" sz="1800" b="0" i="0" u="none" strike="noStrike" baseline="0" dirty="0">
+                <a:solidFill>
+                  <a:srgbClr val="000000"/>
+                </a:solidFill>
+                <a:latin typeface="Times New Roman" panose="02020603050405020304" pitchFamily="18" charset="0"/>
+              </a:rPr>
+              <a:t> </a:t>
+            </a:r>
+            <a:r>
+              <a:rPr lang="en-US" sz="1800" b="0" i="0" u="none" strike="noStrike" baseline="0" dirty="0" err="1">
+                <a:solidFill>
+                  <a:srgbClr val="000000"/>
+                </a:solidFill>
+                <a:latin typeface="Times New Roman" panose="02020603050405020304" pitchFamily="18" charset="0"/>
+              </a:rPr>
+              <a:t>foto</a:t>
+            </a:r>
+            <a:r>
+              <a:rPr lang="en-US" sz="1800" b="0" i="0" u="none" strike="noStrike" baseline="0" dirty="0">
+                <a:solidFill>
+                  <a:srgbClr val="000000"/>
+                </a:solidFill>
+                <a:latin typeface="Times New Roman" panose="02020603050405020304" pitchFamily="18" charset="0"/>
+              </a:rPr>
+              <a:t> </a:t>
+            </a:r>
+            <a:r>
+              <a:rPr lang="en-US" sz="1800" b="0" i="0" u="none" strike="noStrike" baseline="0" dirty="0" err="1">
+                <a:solidFill>
+                  <a:srgbClr val="000000"/>
+                </a:solidFill>
+                <a:latin typeface="Times New Roman" panose="02020603050405020304" pitchFamily="18" charset="0"/>
+              </a:rPr>
+              <a:t>udara</a:t>
+            </a:r>
+            <a:r>
+              <a:rPr lang="en-US" sz="1800" b="0" i="0" u="none" strike="noStrike" baseline="0" dirty="0">
+                <a:solidFill>
+                  <a:srgbClr val="000000"/>
+                </a:solidFill>
+                <a:latin typeface="Times New Roman" panose="02020603050405020304" pitchFamily="18" charset="0"/>
+              </a:rPr>
+              <a:t> </a:t>
+            </a:r>
+            <a:r>
+              <a:rPr lang="en-US" sz="1800" b="0" i="0" u="none" strike="noStrike" baseline="0" dirty="0" err="1">
+                <a:solidFill>
+                  <a:srgbClr val="000000"/>
+                </a:solidFill>
+                <a:latin typeface="Times New Roman" panose="02020603050405020304" pitchFamily="18" charset="0"/>
+              </a:rPr>
+              <a:t>hingga</a:t>
+            </a:r>
+            <a:r>
+              <a:rPr lang="en-US" sz="1800" b="0" i="0" u="none" strike="noStrike" baseline="0" dirty="0">
+                <a:solidFill>
+                  <a:srgbClr val="000000"/>
+                </a:solidFill>
+                <a:latin typeface="Times New Roman" panose="02020603050405020304" pitchFamily="18" charset="0"/>
+              </a:rPr>
+              <a:t> </a:t>
+            </a:r>
+            <a:r>
+              <a:rPr lang="en-US" sz="1800" b="0" i="0" u="none" strike="noStrike" baseline="0" dirty="0" err="1">
+                <a:solidFill>
+                  <a:srgbClr val="000000"/>
+                </a:solidFill>
+                <a:latin typeface="Times New Roman" panose="02020603050405020304" pitchFamily="18" charset="0"/>
+              </a:rPr>
+              <a:t>dihasilkan</a:t>
+            </a:r>
+            <a:r>
+              <a:rPr lang="en-US" sz="1800" b="0" i="0" u="none" strike="noStrike" baseline="0" dirty="0">
+                <a:solidFill>
+                  <a:srgbClr val="000000"/>
+                </a:solidFill>
+                <a:latin typeface="Times New Roman" panose="02020603050405020304" pitchFamily="18" charset="0"/>
+              </a:rPr>
+              <a:t> </a:t>
+            </a:r>
+            <a:r>
+              <a:rPr lang="en-US" sz="1800" b="0" i="0" u="none" strike="noStrike" baseline="0" dirty="0" err="1">
+                <a:solidFill>
+                  <a:srgbClr val="000000"/>
+                </a:solidFill>
+                <a:latin typeface="Times New Roman" panose="02020603050405020304" pitchFamily="18" charset="0"/>
+              </a:rPr>
+              <a:t>informasi</a:t>
+            </a:r>
+            <a:r>
+              <a:rPr lang="en-US" sz="1800" b="0" i="0" u="none" strike="noStrike" baseline="0" dirty="0">
+                <a:solidFill>
+                  <a:srgbClr val="000000"/>
+                </a:solidFill>
+                <a:latin typeface="Times New Roman" panose="02020603050405020304" pitchFamily="18" charset="0"/>
+              </a:rPr>
+              <a:t> </a:t>
+            </a:r>
+            <a:r>
+              <a:rPr lang="en-US" sz="1800" b="0" i="0" u="none" strike="noStrike" baseline="0" dirty="0" err="1">
+                <a:solidFill>
+                  <a:srgbClr val="000000"/>
+                </a:solidFill>
+                <a:latin typeface="Times New Roman" panose="02020603050405020304" pitchFamily="18" charset="0"/>
+              </a:rPr>
+              <a:t>penutup</a:t>
+            </a:r>
+            <a:r>
+              <a:rPr lang="en-US" sz="1800" b="0" i="0" u="none" strike="noStrike" baseline="0" dirty="0">
+                <a:solidFill>
+                  <a:srgbClr val="000000"/>
+                </a:solidFill>
+                <a:latin typeface="Times New Roman" panose="02020603050405020304" pitchFamily="18" charset="0"/>
+              </a:rPr>
+              <a:t> </a:t>
+            </a:r>
+            <a:r>
+              <a:rPr lang="en-US" sz="1800" b="0" i="0" u="none" strike="noStrike" baseline="0" dirty="0" err="1">
+                <a:solidFill>
+                  <a:srgbClr val="000000"/>
+                </a:solidFill>
+                <a:latin typeface="Times New Roman" panose="02020603050405020304" pitchFamily="18" charset="0"/>
+              </a:rPr>
+              <a:t>lahan</a:t>
+            </a:r>
+            <a:r>
+              <a:rPr lang="en-US" sz="1800" b="0" i="0" u="none" strike="noStrike" baseline="0" dirty="0">
+                <a:solidFill>
+                  <a:srgbClr val="000000"/>
+                </a:solidFill>
+                <a:latin typeface="Times New Roman" panose="02020603050405020304" pitchFamily="18" charset="0"/>
+              </a:rPr>
+              <a:t> ? </a:t>
+            </a:r>
+          </a:p>
+          <a:p>
+            <a:pPr marL="342900" indent="-342900">
+              <a:buFont typeface="+mj-lt"/>
+              <a:buAutoNum type="arabicPeriod"/>
+            </a:pPr>
+            <a:r>
+              <a:rPr lang="en-US" sz="1800" b="0" i="0" u="none" strike="noStrike" baseline="0" dirty="0" err="1">
+                <a:solidFill>
+                  <a:srgbClr val="000000"/>
+                </a:solidFill>
+                <a:latin typeface="Times New Roman" panose="02020603050405020304" pitchFamily="18" charset="0"/>
+              </a:rPr>
+              <a:t>Bagaimana</a:t>
+            </a:r>
+            <a:r>
+              <a:rPr lang="en-US" sz="1800" b="0" i="0" u="none" strike="noStrike" baseline="0" dirty="0">
+                <a:solidFill>
+                  <a:srgbClr val="000000"/>
+                </a:solidFill>
+                <a:latin typeface="Times New Roman" panose="02020603050405020304" pitchFamily="18" charset="0"/>
+              </a:rPr>
+              <a:t> </a:t>
+            </a:r>
+            <a:r>
+              <a:rPr lang="en-US" sz="1800" b="0" i="0" u="none" strike="noStrike" baseline="0" dirty="0" err="1">
+                <a:solidFill>
+                  <a:srgbClr val="000000"/>
+                </a:solidFill>
+                <a:latin typeface="Times New Roman" panose="02020603050405020304" pitchFamily="18" charset="0"/>
+              </a:rPr>
+              <a:t>karakteristik</a:t>
+            </a:r>
+            <a:r>
+              <a:rPr lang="en-US" sz="1800" b="0" i="0" u="none" strike="noStrike" baseline="0" dirty="0">
+                <a:solidFill>
+                  <a:srgbClr val="000000"/>
+                </a:solidFill>
+                <a:latin typeface="Times New Roman" panose="02020603050405020304" pitchFamily="18" charset="0"/>
+              </a:rPr>
+              <a:t> data </a:t>
+            </a:r>
+            <a:r>
+              <a:rPr lang="en-US" sz="1800" b="0" i="0" u="none" strike="noStrike" baseline="0" dirty="0" err="1">
+                <a:solidFill>
+                  <a:srgbClr val="000000"/>
+                </a:solidFill>
+                <a:latin typeface="Times New Roman" panose="02020603050405020304" pitchFamily="18" charset="0"/>
+              </a:rPr>
+              <a:t>foto</a:t>
+            </a:r>
+            <a:r>
+              <a:rPr lang="en-US" sz="1800" b="0" i="0" u="none" strike="noStrike" baseline="0" dirty="0">
+                <a:solidFill>
+                  <a:srgbClr val="000000"/>
+                </a:solidFill>
+                <a:latin typeface="Times New Roman" panose="02020603050405020304" pitchFamily="18" charset="0"/>
+              </a:rPr>
+              <a:t> </a:t>
+            </a:r>
+            <a:r>
+              <a:rPr lang="en-US" sz="1800" b="0" i="0" u="none" strike="noStrike" baseline="0" dirty="0" err="1">
+                <a:solidFill>
+                  <a:srgbClr val="000000"/>
+                </a:solidFill>
+                <a:latin typeface="Times New Roman" panose="02020603050405020304" pitchFamily="18" charset="0"/>
+              </a:rPr>
+              <a:t>udara</a:t>
+            </a:r>
+            <a:r>
+              <a:rPr lang="en-US" sz="1800" b="0" i="0" u="none" strike="noStrike" baseline="0" dirty="0">
+                <a:solidFill>
+                  <a:srgbClr val="000000"/>
+                </a:solidFill>
+                <a:latin typeface="Times New Roman" panose="02020603050405020304" pitchFamily="18" charset="0"/>
+              </a:rPr>
+              <a:t> yang </a:t>
+            </a:r>
+            <a:r>
+              <a:rPr lang="en-US" sz="1800" b="0" i="0" u="none" strike="noStrike" baseline="0" dirty="0" err="1">
+                <a:solidFill>
+                  <a:srgbClr val="000000"/>
+                </a:solidFill>
+                <a:latin typeface="Times New Roman" panose="02020603050405020304" pitchFamily="18" charset="0"/>
+              </a:rPr>
+              <a:t>dibutuhkan</a:t>
+            </a:r>
+            <a:r>
+              <a:rPr lang="en-US" sz="1800" b="0" i="0" u="none" strike="noStrike" baseline="0" dirty="0">
+                <a:solidFill>
+                  <a:srgbClr val="000000"/>
+                </a:solidFill>
+                <a:latin typeface="Times New Roman" panose="02020603050405020304" pitchFamily="18" charset="0"/>
+              </a:rPr>
+              <a:t> ? </a:t>
+            </a:r>
+          </a:p>
+          <a:p>
+            <a:pPr marL="342900" indent="-342900">
+              <a:buFont typeface="+mj-lt"/>
+              <a:buAutoNum type="arabicPeriod"/>
+            </a:pPr>
+            <a:r>
+              <a:rPr lang="en-US" sz="1800" b="0" i="0" u="none" strike="noStrike" baseline="0" dirty="0" err="1">
+                <a:solidFill>
+                  <a:srgbClr val="000000"/>
+                </a:solidFill>
+                <a:latin typeface="Times New Roman" panose="02020603050405020304" pitchFamily="18" charset="0"/>
+              </a:rPr>
+              <a:t>Bagaimana</a:t>
+            </a:r>
+            <a:r>
+              <a:rPr lang="en-US" sz="1800" b="0" i="0" u="none" strike="noStrike" baseline="0" dirty="0">
+                <a:solidFill>
+                  <a:srgbClr val="000000"/>
+                </a:solidFill>
+                <a:latin typeface="Times New Roman" panose="02020603050405020304" pitchFamily="18" charset="0"/>
+              </a:rPr>
+              <a:t> </a:t>
+            </a:r>
+            <a:r>
+              <a:rPr lang="en-US" sz="1800" b="0" i="0" u="none" strike="noStrike" baseline="0" dirty="0" err="1">
+                <a:solidFill>
+                  <a:srgbClr val="000000"/>
+                </a:solidFill>
+                <a:latin typeface="Times New Roman" panose="02020603050405020304" pitchFamily="18" charset="0"/>
+              </a:rPr>
+              <a:t>karakteristik</a:t>
+            </a:r>
+            <a:r>
+              <a:rPr lang="en-US" sz="1800" b="0" i="0" u="none" strike="noStrike" baseline="0" dirty="0">
+                <a:solidFill>
+                  <a:srgbClr val="000000"/>
+                </a:solidFill>
+                <a:latin typeface="Times New Roman" panose="02020603050405020304" pitchFamily="18" charset="0"/>
+              </a:rPr>
+              <a:t> </a:t>
+            </a:r>
+            <a:r>
+              <a:rPr lang="en-US" sz="1800" b="0" i="1" u="none" strike="noStrike" baseline="0" dirty="0">
+                <a:solidFill>
+                  <a:srgbClr val="000000"/>
+                </a:solidFill>
+                <a:latin typeface="Times New Roman" panose="02020603050405020304" pitchFamily="18" charset="0"/>
+              </a:rPr>
+              <a:t>sample </a:t>
+            </a:r>
+            <a:r>
+              <a:rPr lang="en-US" sz="1800" b="0" i="0" u="none" strike="noStrike" baseline="0" dirty="0">
+                <a:solidFill>
+                  <a:srgbClr val="000000"/>
+                </a:solidFill>
+                <a:latin typeface="Times New Roman" panose="02020603050405020304" pitchFamily="18" charset="0"/>
+              </a:rPr>
+              <a:t>area uji yang </a:t>
+            </a:r>
+            <a:r>
+              <a:rPr lang="en-US" sz="1800" b="0" i="0" u="none" strike="noStrike" baseline="0" dirty="0" err="1">
+                <a:solidFill>
+                  <a:srgbClr val="000000"/>
+                </a:solidFill>
+                <a:latin typeface="Times New Roman" panose="02020603050405020304" pitchFamily="18" charset="0"/>
+              </a:rPr>
+              <a:t>akan</a:t>
+            </a:r>
+            <a:r>
+              <a:rPr lang="en-US" sz="1800" b="0" i="0" u="none" strike="noStrike" baseline="0" dirty="0">
+                <a:solidFill>
+                  <a:srgbClr val="000000"/>
+                </a:solidFill>
+                <a:latin typeface="Times New Roman" panose="02020603050405020304" pitchFamily="18" charset="0"/>
+              </a:rPr>
+              <a:t> </a:t>
+            </a:r>
+            <a:r>
+              <a:rPr lang="en-US" sz="1800" b="0" i="0" u="none" strike="noStrike" baseline="0" dirty="0" err="1">
+                <a:solidFill>
+                  <a:srgbClr val="000000"/>
+                </a:solidFill>
+                <a:latin typeface="Times New Roman" panose="02020603050405020304" pitchFamily="18" charset="0"/>
+              </a:rPr>
+              <a:t>digunakan</a:t>
+            </a:r>
+            <a:r>
+              <a:rPr lang="en-US" sz="1800" b="0" i="0" u="none" strike="noStrike" baseline="0" dirty="0">
+                <a:solidFill>
+                  <a:srgbClr val="000000"/>
+                </a:solidFill>
+                <a:latin typeface="Times New Roman" panose="02020603050405020304" pitchFamily="18" charset="0"/>
+              </a:rPr>
+              <a:t> ? </a:t>
+            </a:r>
+          </a:p>
+          <a:p>
+            <a:pPr marL="342900" indent="-342900">
+              <a:buFont typeface="+mj-lt"/>
+              <a:buAutoNum type="arabicPeriod"/>
+            </a:pPr>
+            <a:r>
+              <a:rPr lang="en-US" sz="1800" b="0" i="0" u="none" strike="noStrike" baseline="0" dirty="0" err="1">
+                <a:solidFill>
+                  <a:srgbClr val="000000"/>
+                </a:solidFill>
+                <a:latin typeface="Times New Roman" panose="02020603050405020304" pitchFamily="18" charset="0"/>
+              </a:rPr>
+              <a:t>Bagaimana</a:t>
+            </a:r>
+            <a:r>
+              <a:rPr lang="en-US" sz="1800" b="0" i="0" u="none" strike="noStrike" baseline="0" dirty="0">
+                <a:solidFill>
+                  <a:srgbClr val="000000"/>
+                </a:solidFill>
+                <a:latin typeface="Times New Roman" panose="02020603050405020304" pitchFamily="18" charset="0"/>
+              </a:rPr>
+              <a:t> </a:t>
+            </a:r>
+            <a:r>
+              <a:rPr lang="en-US" sz="1800" b="0" i="0" u="none" strike="noStrike" baseline="0" dirty="0" err="1">
+                <a:solidFill>
+                  <a:srgbClr val="000000"/>
+                </a:solidFill>
+                <a:latin typeface="Times New Roman" panose="02020603050405020304" pitchFamily="18" charset="0"/>
+              </a:rPr>
+              <a:t>metode</a:t>
+            </a:r>
+            <a:r>
+              <a:rPr lang="en-US" sz="1800" b="0" i="0" u="none" strike="noStrike" baseline="0" dirty="0">
+                <a:solidFill>
+                  <a:srgbClr val="000000"/>
+                </a:solidFill>
+                <a:latin typeface="Times New Roman" panose="02020603050405020304" pitchFamily="18" charset="0"/>
+              </a:rPr>
+              <a:t> </a:t>
+            </a:r>
+            <a:r>
+              <a:rPr lang="en-US" sz="1800" b="0" i="0" u="none" strike="noStrike" baseline="0" dirty="0" err="1">
+                <a:solidFill>
+                  <a:srgbClr val="000000"/>
+                </a:solidFill>
+                <a:latin typeface="Times New Roman" panose="02020603050405020304" pitchFamily="18" charset="0"/>
+              </a:rPr>
+              <a:t>evaluasi</a:t>
+            </a:r>
+            <a:r>
+              <a:rPr lang="en-US" sz="1800" b="0" i="0" u="none" strike="noStrike" baseline="0" dirty="0">
+                <a:solidFill>
+                  <a:srgbClr val="000000"/>
+                </a:solidFill>
+                <a:latin typeface="Times New Roman" panose="02020603050405020304" pitchFamily="18" charset="0"/>
+              </a:rPr>
+              <a:t> yang </a:t>
+            </a:r>
+            <a:r>
+              <a:rPr lang="en-US" sz="1800" b="0" i="0" u="none" strike="noStrike" baseline="0" dirty="0" err="1">
+                <a:solidFill>
+                  <a:srgbClr val="000000"/>
+                </a:solidFill>
+                <a:latin typeface="Times New Roman" panose="02020603050405020304" pitchFamily="18" charset="0"/>
+              </a:rPr>
+              <a:t>digunakan</a:t>
+            </a:r>
+            <a:r>
+              <a:rPr lang="en-US" sz="1800" b="0" i="0" u="none" strike="noStrike" baseline="0" dirty="0">
+                <a:solidFill>
+                  <a:srgbClr val="000000"/>
+                </a:solidFill>
+                <a:latin typeface="Times New Roman" panose="02020603050405020304" pitchFamily="18" charset="0"/>
+              </a:rPr>
+              <a:t> </a:t>
+            </a:r>
+            <a:r>
+              <a:rPr lang="en-US" sz="1800" b="0" i="0" u="none" strike="noStrike" baseline="0" dirty="0" err="1">
+                <a:solidFill>
+                  <a:srgbClr val="000000"/>
+                </a:solidFill>
+                <a:latin typeface="Times New Roman" panose="02020603050405020304" pitchFamily="18" charset="0"/>
+              </a:rPr>
+              <a:t>hingga</a:t>
+            </a:r>
+            <a:r>
+              <a:rPr lang="en-US" sz="1800" b="0" i="0" u="none" strike="noStrike" baseline="0" dirty="0">
+                <a:solidFill>
+                  <a:srgbClr val="000000"/>
+                </a:solidFill>
+                <a:latin typeface="Times New Roman" panose="02020603050405020304" pitchFamily="18" charset="0"/>
+              </a:rPr>
+              <a:t> </a:t>
+            </a:r>
+            <a:r>
+              <a:rPr lang="en-US" sz="1800" b="0" i="0" u="none" strike="noStrike" baseline="0" dirty="0" err="1">
+                <a:solidFill>
+                  <a:srgbClr val="000000"/>
+                </a:solidFill>
+                <a:latin typeface="Times New Roman" panose="02020603050405020304" pitchFamily="18" charset="0"/>
+              </a:rPr>
+              <a:t>dapat</a:t>
+            </a:r>
+            <a:r>
+              <a:rPr lang="en-US" sz="1800" b="0" i="0" u="none" strike="noStrike" baseline="0" dirty="0">
+                <a:solidFill>
+                  <a:srgbClr val="000000"/>
+                </a:solidFill>
+                <a:latin typeface="Times New Roman" panose="02020603050405020304" pitchFamily="18" charset="0"/>
+              </a:rPr>
+              <a:t> </a:t>
+            </a:r>
+            <a:r>
+              <a:rPr lang="en-US" sz="1800" b="0" i="0" u="none" strike="noStrike" baseline="0" dirty="0" err="1">
+                <a:solidFill>
+                  <a:srgbClr val="000000"/>
+                </a:solidFill>
+                <a:latin typeface="Times New Roman" panose="02020603050405020304" pitchFamily="18" charset="0"/>
+              </a:rPr>
+              <a:t>disimpulkan</a:t>
+            </a:r>
+            <a:r>
+              <a:rPr lang="en-US" sz="1800" b="0" i="0" u="none" strike="noStrike" baseline="0" dirty="0">
+                <a:solidFill>
+                  <a:srgbClr val="000000"/>
+                </a:solidFill>
+                <a:latin typeface="Times New Roman" panose="02020603050405020304" pitchFamily="18" charset="0"/>
+              </a:rPr>
+              <a:t> </a:t>
+            </a:r>
+            <a:r>
+              <a:rPr lang="en-US" sz="1800" b="0" i="0" u="none" strike="noStrike" baseline="0" dirty="0" err="1">
+                <a:solidFill>
+                  <a:srgbClr val="000000"/>
+                </a:solidFill>
+                <a:latin typeface="Times New Roman" panose="02020603050405020304" pitchFamily="18" charset="0"/>
+              </a:rPr>
+              <a:t>sebuah</a:t>
+            </a:r>
+            <a:r>
+              <a:rPr lang="en-US" sz="1800" b="0" i="0" u="none" strike="noStrike" baseline="0" dirty="0">
+                <a:solidFill>
+                  <a:srgbClr val="000000"/>
+                </a:solidFill>
+                <a:latin typeface="Times New Roman" panose="02020603050405020304" pitchFamily="18" charset="0"/>
+              </a:rPr>
+              <a:t> </a:t>
+            </a:r>
+            <a:r>
+              <a:rPr lang="en-US" sz="1800" b="0" i="0" u="none" strike="noStrike" baseline="0" dirty="0" err="1">
+                <a:solidFill>
+                  <a:srgbClr val="000000"/>
+                </a:solidFill>
+                <a:latin typeface="Times New Roman" panose="02020603050405020304" pitchFamily="18" charset="0"/>
+              </a:rPr>
+              <a:t>ketepatan</a:t>
+            </a:r>
+            <a:r>
+              <a:rPr lang="en-US" sz="1800" b="0" i="0" u="none" strike="noStrike" baseline="0" dirty="0">
+                <a:solidFill>
+                  <a:srgbClr val="000000"/>
+                </a:solidFill>
+                <a:latin typeface="Times New Roman" panose="02020603050405020304" pitchFamily="18" charset="0"/>
+              </a:rPr>
+              <a:t>/</a:t>
+            </a:r>
+            <a:r>
+              <a:rPr lang="en-US" sz="1800" b="0" i="0" u="none" strike="noStrike" baseline="0" dirty="0" err="1">
+                <a:solidFill>
+                  <a:srgbClr val="000000"/>
+                </a:solidFill>
+                <a:latin typeface="Times New Roman" panose="02020603050405020304" pitchFamily="18" charset="0"/>
+              </a:rPr>
+              <a:t>akurasi</a:t>
+            </a:r>
+            <a:r>
+              <a:rPr lang="en-US" sz="1800" b="0" i="0" u="none" strike="noStrike" baseline="0" dirty="0">
+                <a:solidFill>
+                  <a:srgbClr val="000000"/>
+                </a:solidFill>
+                <a:latin typeface="Times New Roman" panose="02020603050405020304" pitchFamily="18" charset="0"/>
+              </a:rPr>
+              <a:t> </a:t>
+            </a:r>
+            <a:r>
+              <a:rPr lang="en-US" sz="1800" b="0" i="0" u="none" strike="noStrike" baseline="0" dirty="0" err="1">
+                <a:solidFill>
+                  <a:srgbClr val="000000"/>
+                </a:solidFill>
+                <a:latin typeface="Times New Roman" panose="02020603050405020304" pitchFamily="18" charset="0"/>
+              </a:rPr>
+              <a:t>dari</a:t>
+            </a:r>
+            <a:r>
+              <a:rPr lang="en-US" sz="1800" b="0" i="0" u="none" strike="noStrike" baseline="0" dirty="0">
+                <a:solidFill>
+                  <a:srgbClr val="000000"/>
+                </a:solidFill>
+                <a:latin typeface="Times New Roman" panose="02020603050405020304" pitchFamily="18" charset="0"/>
+              </a:rPr>
+              <a:t> </a:t>
+            </a:r>
+            <a:r>
+              <a:rPr lang="en-US" sz="1800" b="0" i="0" u="none" strike="noStrike" baseline="0" dirty="0" err="1">
+                <a:solidFill>
+                  <a:srgbClr val="000000"/>
+                </a:solidFill>
+                <a:latin typeface="Times New Roman" panose="02020603050405020304" pitchFamily="18" charset="0"/>
+              </a:rPr>
+              <a:t>hasil</a:t>
+            </a:r>
+            <a:r>
+              <a:rPr lang="en-US" sz="1800" b="0" i="0" u="none" strike="noStrike" baseline="0" dirty="0">
+                <a:solidFill>
+                  <a:srgbClr val="000000"/>
+                </a:solidFill>
+                <a:latin typeface="Times New Roman" panose="02020603050405020304" pitchFamily="18" charset="0"/>
+              </a:rPr>
+              <a:t> </a:t>
+            </a:r>
+            <a:r>
+              <a:rPr lang="en-US" sz="1800" b="0" i="0" u="none" strike="noStrike" baseline="0" dirty="0" err="1">
+                <a:solidFill>
+                  <a:srgbClr val="000000"/>
+                </a:solidFill>
+                <a:latin typeface="Times New Roman" panose="02020603050405020304" pitchFamily="18" charset="0"/>
+              </a:rPr>
+              <a:t>klasifikasi</a:t>
+            </a:r>
+            <a:r>
+              <a:rPr lang="en-US" sz="1800" b="0" i="0" u="none" strike="noStrike" baseline="0" dirty="0">
+                <a:solidFill>
+                  <a:srgbClr val="000000"/>
+                </a:solidFill>
+                <a:latin typeface="Times New Roman" panose="02020603050405020304" pitchFamily="18" charset="0"/>
+              </a:rPr>
+              <a:t> yang </a:t>
+            </a:r>
+            <a:r>
+              <a:rPr lang="en-US" sz="1800" b="0" i="0" u="none" strike="noStrike" baseline="0" dirty="0" err="1">
+                <a:solidFill>
+                  <a:srgbClr val="000000"/>
+                </a:solidFill>
+                <a:latin typeface="Times New Roman" panose="02020603050405020304" pitchFamily="18" charset="0"/>
+              </a:rPr>
+              <a:t>didapatkan</a:t>
+            </a:r>
+            <a:r>
+              <a:rPr lang="en-US" sz="1800" b="0" i="0" u="none" strike="noStrike" baseline="0" dirty="0">
+                <a:solidFill>
+                  <a:srgbClr val="000000"/>
+                </a:solidFill>
+                <a:latin typeface="Times New Roman" panose="02020603050405020304" pitchFamily="18" charset="0"/>
+              </a:rPr>
+              <a:t> ?</a:t>
+            </a:r>
+          </a:p>
+          <a:p>
+            <a:endParaRPr lang="en-US" dirty="0"/>
           </a:p>
         </p:txBody>
       </p:sp>
@@ -5472,6 +8163,2988 @@
     <p:extLst>
       <p:ext uri="{BB962C8B-B14F-4D97-AF65-F5344CB8AC3E}">
         <p14:creationId xmlns:p14="http://schemas.microsoft.com/office/powerpoint/2010/main" val="2180174247"/>
+      </p:ext>
+    </p:extLst>
+  </p:cSld>
+  <p:clrMapOvr>
+    <a:masterClrMapping/>
+  </p:clrMapOvr>
+</p:sld>
+</file>
+
+<file path=ppt/slides/slide8.xml><?xml version="1.0" encoding="utf-8"?>
+<p:sld xmlns:a="http://schemas.openxmlformats.org/drawingml/2006/main" xmlns:r="http://schemas.openxmlformats.org/officeDocument/2006/relationships" xmlns:p="http://schemas.openxmlformats.org/presentationml/2006/main">
+  <p:cSld>
+    <p:spTree>
+      <p:nvGrpSpPr>
+        <p:cNvPr id="1" name=""/>
+        <p:cNvGrpSpPr/>
+        <p:nvPr/>
+      </p:nvGrpSpPr>
+      <p:grpSpPr>
+        <a:xfrm>
+          <a:off x="0" y="0"/>
+          <a:ext cx="0" cy="0"/>
+          <a:chOff x="0" y="0"/>
+          <a:chExt cx="0" cy="0"/>
+        </a:xfrm>
+      </p:grpSpPr>
+      <p:sp>
+        <p:nvSpPr>
+          <p:cNvPr id="2" name="Title 1">
+            <a:extLst>
+              <a:ext uri="{FF2B5EF4-FFF2-40B4-BE49-F238E27FC236}">
+                <a16:creationId xmlns:a16="http://schemas.microsoft.com/office/drawing/2014/main" id="{651A81C8-0F51-4935-DDD3-51F200E67DAA}"/>
+              </a:ext>
+            </a:extLst>
+          </p:cNvPr>
+          <p:cNvSpPr>
+            <a:spLocks noGrp="1"/>
+          </p:cNvSpPr>
+          <p:nvPr>
+            <p:ph type="title"/>
+          </p:nvPr>
+        </p:nvSpPr>
+        <p:spPr/>
+        <p:txBody>
+          <a:bodyPr/>
+          <a:lstStyle/>
+          <a:p>
+            <a:r>
+              <a:rPr lang="en-US" dirty="0"/>
+              <a:t>Ruang </a:t>
+            </a:r>
+            <a:r>
+              <a:rPr lang="en-US" dirty="0" err="1"/>
+              <a:t>Lingkup</a:t>
+            </a:r>
+            <a:r>
+              <a:rPr lang="en-US" dirty="0"/>
+              <a:t>  &amp; </a:t>
+            </a:r>
+            <a:r>
+              <a:rPr lang="en-US" dirty="0" err="1"/>
+              <a:t>Manfaat</a:t>
+            </a:r>
+            <a:r>
+              <a:rPr lang="en-US" dirty="0"/>
+              <a:t> </a:t>
+            </a:r>
+            <a:r>
+              <a:rPr lang="en-US" dirty="0" err="1"/>
+              <a:t>Penelitian</a:t>
+            </a:r>
+            <a:endParaRPr lang="en-US" dirty="0"/>
+          </a:p>
+        </p:txBody>
+      </p:sp>
+      <p:sp>
+        <p:nvSpPr>
+          <p:cNvPr id="3" name="Content Placeholder 2">
+            <a:extLst>
+              <a:ext uri="{FF2B5EF4-FFF2-40B4-BE49-F238E27FC236}">
+                <a16:creationId xmlns:a16="http://schemas.microsoft.com/office/drawing/2014/main" id="{14CEC9B8-7E7A-D353-E9AF-CD0B3331F2FE}"/>
+              </a:ext>
+            </a:extLst>
+          </p:cNvPr>
+          <p:cNvSpPr>
+            <a:spLocks noGrp="1"/>
+          </p:cNvSpPr>
+          <p:nvPr>
+            <p:ph idx="1"/>
+          </p:nvPr>
+        </p:nvSpPr>
+        <p:spPr>
+          <a:xfrm>
+            <a:off x="838200" y="1825625"/>
+            <a:ext cx="4812102" cy="4351338"/>
+          </a:xfrm>
+        </p:spPr>
+        <p:txBody>
+          <a:bodyPr/>
+          <a:lstStyle/>
+          <a:p>
+            <a:pPr marL="0" indent="0" algn="l">
+              <a:buNone/>
+            </a:pPr>
+            <a:r>
+              <a:rPr lang="en-US" sz="1800" dirty="0">
+                <a:solidFill>
+                  <a:srgbClr val="000000"/>
+                </a:solidFill>
+                <a:latin typeface="Times New Roman" panose="02020603050405020304" pitchFamily="18" charset="0"/>
+              </a:rPr>
+              <a:t>Ruang </a:t>
+            </a:r>
+            <a:r>
+              <a:rPr lang="en-US" sz="1800" dirty="0" err="1">
+                <a:solidFill>
+                  <a:srgbClr val="000000"/>
+                </a:solidFill>
+                <a:latin typeface="Times New Roman" panose="02020603050405020304" pitchFamily="18" charset="0"/>
+              </a:rPr>
+              <a:t>Lingkup</a:t>
+            </a:r>
+            <a:endParaRPr lang="en-US" sz="1800" b="0" i="0" u="none" strike="noStrike" baseline="0" dirty="0">
+              <a:solidFill>
+                <a:srgbClr val="000000"/>
+              </a:solidFill>
+              <a:latin typeface="Times New Roman" panose="02020603050405020304" pitchFamily="18" charset="0"/>
+            </a:endParaRPr>
+          </a:p>
+          <a:p>
+            <a:pPr marL="342900" indent="-342900">
+              <a:buFont typeface="+mj-lt"/>
+              <a:buAutoNum type="arabicPeriod"/>
+            </a:pPr>
+            <a:r>
+              <a:rPr lang="en-US" sz="1800" b="0" i="0" u="none" strike="noStrike" baseline="0" dirty="0">
+                <a:solidFill>
+                  <a:srgbClr val="000000"/>
+                </a:solidFill>
+                <a:latin typeface="Times New Roman" panose="02020603050405020304" pitchFamily="18" charset="0"/>
+              </a:rPr>
+              <a:t>Input data yang </a:t>
+            </a:r>
+            <a:r>
+              <a:rPr lang="en-US" sz="1800" b="0" i="0" u="none" strike="noStrike" baseline="0" dirty="0" err="1">
+                <a:solidFill>
+                  <a:srgbClr val="000000"/>
+                </a:solidFill>
+                <a:latin typeface="Times New Roman" panose="02020603050405020304" pitchFamily="18" charset="0"/>
+              </a:rPr>
+              <a:t>digunakan</a:t>
+            </a:r>
+            <a:r>
+              <a:rPr lang="en-US" sz="1800" b="0" i="0" u="none" strike="noStrike" baseline="0" dirty="0">
+                <a:solidFill>
+                  <a:srgbClr val="000000"/>
+                </a:solidFill>
+                <a:latin typeface="Times New Roman" panose="02020603050405020304" pitchFamily="18" charset="0"/>
+              </a:rPr>
+              <a:t> </a:t>
+            </a:r>
+            <a:r>
+              <a:rPr lang="en-US" sz="1800" b="0" i="0" u="none" strike="noStrike" baseline="0" dirty="0" err="1">
+                <a:solidFill>
+                  <a:srgbClr val="000000"/>
+                </a:solidFill>
+                <a:latin typeface="Times New Roman" panose="02020603050405020304" pitchFamily="18" charset="0"/>
+              </a:rPr>
+              <a:t>untuk</a:t>
+            </a:r>
+            <a:r>
+              <a:rPr lang="en-US" sz="1800" b="0" i="0" u="none" strike="noStrike" baseline="0" dirty="0">
+                <a:solidFill>
+                  <a:srgbClr val="000000"/>
+                </a:solidFill>
+                <a:latin typeface="Times New Roman" panose="02020603050405020304" pitchFamily="18" charset="0"/>
+              </a:rPr>
+              <a:t> </a:t>
+            </a:r>
+            <a:r>
+              <a:rPr lang="en-US" sz="1800" b="0" i="0" u="none" strike="noStrike" baseline="0" dirty="0" err="1">
+                <a:solidFill>
+                  <a:srgbClr val="000000"/>
+                </a:solidFill>
+                <a:latin typeface="Times New Roman" panose="02020603050405020304" pitchFamily="18" charset="0"/>
+              </a:rPr>
+              <a:t>membangun</a:t>
+            </a:r>
+            <a:r>
+              <a:rPr lang="en-US" sz="1800" b="0" i="0" u="none" strike="noStrike" baseline="0" dirty="0">
+                <a:solidFill>
+                  <a:srgbClr val="000000"/>
+                </a:solidFill>
+                <a:latin typeface="Times New Roman" panose="02020603050405020304" pitchFamily="18" charset="0"/>
+              </a:rPr>
+              <a:t> dan </a:t>
+            </a:r>
+            <a:r>
+              <a:rPr lang="en-US" sz="1800" b="0" i="0" u="none" strike="noStrike" baseline="0" dirty="0" err="1">
+                <a:solidFill>
+                  <a:srgbClr val="000000"/>
+                </a:solidFill>
+                <a:latin typeface="Times New Roman" panose="02020603050405020304" pitchFamily="18" charset="0"/>
+              </a:rPr>
+              <a:t>melatih</a:t>
+            </a:r>
+            <a:r>
+              <a:rPr lang="en-US" sz="1800" b="0" i="0" u="none" strike="noStrike" baseline="0" dirty="0">
+                <a:solidFill>
+                  <a:srgbClr val="000000"/>
+                </a:solidFill>
+                <a:latin typeface="Times New Roman" panose="02020603050405020304" pitchFamily="18" charset="0"/>
+              </a:rPr>
+              <a:t> model </a:t>
+            </a:r>
+            <a:r>
+              <a:rPr lang="en-US" sz="1800" b="0" i="0" u="none" strike="noStrike" baseline="0" dirty="0" err="1">
+                <a:solidFill>
+                  <a:srgbClr val="000000"/>
+                </a:solidFill>
+                <a:latin typeface="Times New Roman" panose="02020603050405020304" pitchFamily="18" charset="0"/>
+              </a:rPr>
+              <a:t>adalah</a:t>
+            </a:r>
+            <a:r>
+              <a:rPr lang="en-US" sz="1800" b="0" i="0" u="none" strike="noStrike" baseline="0" dirty="0">
+                <a:solidFill>
+                  <a:srgbClr val="000000"/>
+                </a:solidFill>
+                <a:latin typeface="Times New Roman" panose="02020603050405020304" pitchFamily="18" charset="0"/>
+              </a:rPr>
+              <a:t> data </a:t>
+            </a:r>
+            <a:r>
+              <a:rPr lang="en-US" sz="1800" b="0" i="0" u="none" strike="noStrike" baseline="0" dirty="0" err="1">
+                <a:solidFill>
+                  <a:srgbClr val="000000"/>
+                </a:solidFill>
+                <a:latin typeface="Times New Roman" panose="02020603050405020304" pitchFamily="18" charset="0"/>
+              </a:rPr>
+              <a:t>citra</a:t>
+            </a:r>
+            <a:r>
+              <a:rPr lang="en-US" sz="1800" b="0" i="0" u="none" strike="noStrike" baseline="0" dirty="0">
+                <a:solidFill>
+                  <a:srgbClr val="000000"/>
+                </a:solidFill>
+                <a:latin typeface="Times New Roman" panose="02020603050405020304" pitchFamily="18" charset="0"/>
+              </a:rPr>
+              <a:t> </a:t>
+            </a:r>
+            <a:r>
+              <a:rPr lang="en-US" sz="1800" b="0" i="0" u="none" strike="noStrike" baseline="0" dirty="0" err="1">
+                <a:solidFill>
+                  <a:srgbClr val="000000"/>
+                </a:solidFill>
+                <a:latin typeface="Times New Roman" panose="02020603050405020304" pitchFamily="18" charset="0"/>
+              </a:rPr>
+              <a:t>foto</a:t>
+            </a:r>
+            <a:r>
+              <a:rPr lang="en-US" sz="1800" b="0" i="0" u="none" strike="noStrike" baseline="0" dirty="0">
+                <a:solidFill>
+                  <a:srgbClr val="000000"/>
+                </a:solidFill>
+                <a:latin typeface="Times New Roman" panose="02020603050405020304" pitchFamily="18" charset="0"/>
+              </a:rPr>
+              <a:t> </a:t>
+            </a:r>
+            <a:r>
+              <a:rPr lang="en-US" sz="1800" b="0" i="0" u="none" strike="noStrike" baseline="0" dirty="0" err="1">
+                <a:solidFill>
+                  <a:srgbClr val="000000"/>
+                </a:solidFill>
+                <a:latin typeface="Times New Roman" panose="02020603050405020304" pitchFamily="18" charset="0"/>
+              </a:rPr>
+              <a:t>udara</a:t>
+            </a:r>
+            <a:r>
+              <a:rPr lang="en-US" sz="1800" b="0" i="0" u="none" strike="noStrike" baseline="0" dirty="0">
+                <a:solidFill>
+                  <a:srgbClr val="000000"/>
+                </a:solidFill>
+                <a:latin typeface="Times New Roman" panose="02020603050405020304" pitchFamily="18" charset="0"/>
+              </a:rPr>
+              <a:t> dan DSM. </a:t>
+            </a:r>
+          </a:p>
+          <a:p>
+            <a:pPr marL="342900" indent="-342900">
+              <a:buFont typeface="+mj-lt"/>
+              <a:buAutoNum type="arabicPeriod"/>
+            </a:pPr>
+            <a:r>
+              <a:rPr lang="en-US" sz="1800" b="0" i="0" u="none" strike="noStrike" baseline="0" dirty="0" err="1">
+                <a:solidFill>
+                  <a:srgbClr val="000000"/>
+                </a:solidFill>
+                <a:latin typeface="Times New Roman" panose="02020603050405020304" pitchFamily="18" charset="0"/>
+              </a:rPr>
+              <a:t>Evaluasi</a:t>
+            </a:r>
+            <a:r>
+              <a:rPr lang="en-US" sz="1800" b="0" i="0" u="none" strike="noStrike" baseline="0" dirty="0">
+                <a:solidFill>
+                  <a:srgbClr val="000000"/>
+                </a:solidFill>
+                <a:latin typeface="Times New Roman" panose="02020603050405020304" pitchFamily="18" charset="0"/>
+              </a:rPr>
+              <a:t> </a:t>
+            </a:r>
+            <a:r>
+              <a:rPr lang="en-US" sz="1800" b="0" i="0" u="none" strike="noStrike" baseline="0" dirty="0" err="1">
+                <a:solidFill>
+                  <a:srgbClr val="000000"/>
+                </a:solidFill>
+                <a:latin typeface="Times New Roman" panose="02020603050405020304" pitchFamily="18" charset="0"/>
+              </a:rPr>
+              <a:t>akurasi</a:t>
+            </a:r>
+            <a:r>
+              <a:rPr lang="en-US" sz="1800" b="0" i="0" u="none" strike="noStrike" baseline="0" dirty="0">
+                <a:solidFill>
+                  <a:srgbClr val="000000"/>
+                </a:solidFill>
+                <a:latin typeface="Times New Roman" panose="02020603050405020304" pitchFamily="18" charset="0"/>
+              </a:rPr>
+              <a:t> </a:t>
+            </a:r>
+            <a:r>
+              <a:rPr lang="en-US" sz="1800" b="0" i="0" u="none" strike="noStrike" baseline="0" dirty="0" err="1">
+                <a:solidFill>
+                  <a:srgbClr val="000000"/>
+                </a:solidFill>
+                <a:latin typeface="Times New Roman" panose="02020603050405020304" pitchFamily="18" charset="0"/>
+              </a:rPr>
+              <a:t>hasil</a:t>
+            </a:r>
+            <a:r>
+              <a:rPr lang="en-US" sz="1800" b="0" i="0" u="none" strike="noStrike" baseline="0" dirty="0">
+                <a:solidFill>
+                  <a:srgbClr val="000000"/>
+                </a:solidFill>
+                <a:latin typeface="Times New Roman" panose="02020603050405020304" pitchFamily="18" charset="0"/>
+              </a:rPr>
+              <a:t> </a:t>
+            </a:r>
+            <a:r>
+              <a:rPr lang="en-US" sz="1800" b="0" i="0" u="none" strike="noStrike" baseline="0" dirty="0" err="1">
+                <a:solidFill>
+                  <a:srgbClr val="000000"/>
+                </a:solidFill>
+                <a:latin typeface="Times New Roman" panose="02020603050405020304" pitchFamily="18" charset="0"/>
+              </a:rPr>
+              <a:t>klasifikasi</a:t>
+            </a:r>
+            <a:r>
+              <a:rPr lang="en-US" sz="1800" b="0" i="0" u="none" strike="noStrike" baseline="0" dirty="0">
+                <a:solidFill>
+                  <a:srgbClr val="000000"/>
+                </a:solidFill>
+                <a:latin typeface="Times New Roman" panose="02020603050405020304" pitchFamily="18" charset="0"/>
+              </a:rPr>
+              <a:t> </a:t>
+            </a:r>
+            <a:r>
+              <a:rPr lang="en-US" sz="1800" b="0" i="0" u="none" strike="noStrike" baseline="0" dirty="0" err="1">
+                <a:solidFill>
+                  <a:srgbClr val="000000"/>
+                </a:solidFill>
+                <a:latin typeface="Times New Roman" panose="02020603050405020304" pitchFamily="18" charset="0"/>
+              </a:rPr>
+              <a:t>dilakukan</a:t>
+            </a:r>
+            <a:r>
+              <a:rPr lang="en-US" sz="1800" b="0" i="0" u="none" strike="noStrike" baseline="0" dirty="0">
+                <a:solidFill>
+                  <a:srgbClr val="000000"/>
+                </a:solidFill>
+                <a:latin typeface="Times New Roman" panose="02020603050405020304" pitchFamily="18" charset="0"/>
+              </a:rPr>
+              <a:t> </a:t>
+            </a:r>
+            <a:r>
+              <a:rPr lang="en-US" sz="1800" b="0" i="0" u="none" strike="noStrike" baseline="0" dirty="0" err="1">
+                <a:solidFill>
+                  <a:srgbClr val="000000"/>
+                </a:solidFill>
+                <a:latin typeface="Times New Roman" panose="02020603050405020304" pitchFamily="18" charset="0"/>
+              </a:rPr>
+              <a:t>dengan</a:t>
+            </a:r>
+            <a:r>
+              <a:rPr lang="en-US" sz="1800" b="0" i="0" u="none" strike="noStrike" baseline="0" dirty="0">
+                <a:solidFill>
+                  <a:srgbClr val="000000"/>
+                </a:solidFill>
+                <a:latin typeface="Times New Roman" panose="02020603050405020304" pitchFamily="18" charset="0"/>
+              </a:rPr>
+              <a:t> </a:t>
+            </a:r>
+            <a:r>
+              <a:rPr lang="en-US" sz="1800" b="0" i="0" u="none" strike="noStrike" baseline="0" dirty="0" err="1">
+                <a:solidFill>
+                  <a:srgbClr val="000000"/>
+                </a:solidFill>
+                <a:latin typeface="Times New Roman" panose="02020603050405020304" pitchFamily="18" charset="0"/>
+              </a:rPr>
+              <a:t>membuat</a:t>
+            </a:r>
+            <a:r>
+              <a:rPr lang="en-US" sz="1800" b="0" i="0" u="none" strike="noStrike" baseline="0" dirty="0">
+                <a:solidFill>
+                  <a:srgbClr val="000000"/>
+                </a:solidFill>
+                <a:latin typeface="Times New Roman" panose="02020603050405020304" pitchFamily="18" charset="0"/>
+              </a:rPr>
+              <a:t> matrix </a:t>
+            </a:r>
+            <a:r>
+              <a:rPr lang="en-US" sz="1800" b="0" i="0" u="none" strike="noStrike" baseline="0" dirty="0" err="1">
+                <a:solidFill>
+                  <a:srgbClr val="000000"/>
+                </a:solidFill>
+                <a:latin typeface="Times New Roman" panose="02020603050405020304" pitchFamily="18" charset="0"/>
+              </a:rPr>
+              <a:t>konfusi</a:t>
+            </a:r>
+            <a:r>
+              <a:rPr lang="en-US" sz="1800" b="0" i="0" u="none" strike="noStrike" baseline="0" dirty="0">
+                <a:solidFill>
+                  <a:srgbClr val="000000"/>
+                </a:solidFill>
+                <a:latin typeface="Times New Roman" panose="02020603050405020304" pitchFamily="18" charset="0"/>
+              </a:rPr>
+              <a:t> dan </a:t>
+            </a:r>
+            <a:r>
+              <a:rPr lang="en-US" sz="1800" b="0" i="0" u="none" strike="noStrike" baseline="0" dirty="0" err="1">
+                <a:solidFill>
+                  <a:srgbClr val="000000"/>
+                </a:solidFill>
+                <a:latin typeface="Times New Roman" panose="02020603050405020304" pitchFamily="18" charset="0"/>
+              </a:rPr>
+              <a:t>melakukan</a:t>
+            </a:r>
+            <a:r>
+              <a:rPr lang="en-US" sz="1800" b="0" i="0" u="none" strike="noStrike" baseline="0" dirty="0">
+                <a:solidFill>
+                  <a:srgbClr val="000000"/>
+                </a:solidFill>
+                <a:latin typeface="Times New Roman" panose="02020603050405020304" pitchFamily="18" charset="0"/>
+              </a:rPr>
+              <a:t> </a:t>
+            </a:r>
+            <a:r>
+              <a:rPr lang="en-US" sz="1800" b="0" i="1" u="none" strike="noStrike" baseline="0" dirty="0">
+                <a:solidFill>
+                  <a:srgbClr val="000000"/>
+                </a:solidFill>
+                <a:latin typeface="Times New Roman" panose="02020603050405020304" pitchFamily="18" charset="0"/>
+              </a:rPr>
+              <a:t>ground check</a:t>
+            </a:r>
+            <a:r>
+              <a:rPr lang="en-US" sz="1800" b="0" i="0" u="none" strike="noStrike" baseline="0" dirty="0">
+                <a:solidFill>
+                  <a:srgbClr val="000000"/>
+                </a:solidFill>
+                <a:latin typeface="Times New Roman" panose="02020603050405020304" pitchFamily="18" charset="0"/>
+              </a:rPr>
+              <a:t>. </a:t>
+            </a:r>
+          </a:p>
+          <a:p>
+            <a:pPr marL="342900" indent="-342900">
+              <a:buFont typeface="+mj-lt"/>
+              <a:buAutoNum type="arabicPeriod"/>
+            </a:pPr>
+            <a:r>
+              <a:rPr lang="en-US" sz="1800" b="0" i="0" u="none" strike="noStrike" baseline="0" dirty="0" err="1">
+                <a:solidFill>
+                  <a:srgbClr val="000000"/>
+                </a:solidFill>
+                <a:latin typeface="Times New Roman" panose="02020603050405020304" pitchFamily="18" charset="0"/>
+              </a:rPr>
+              <a:t>Evaluasi</a:t>
+            </a:r>
+            <a:r>
+              <a:rPr lang="en-US" sz="1800" b="0" i="0" u="none" strike="noStrike" baseline="0" dirty="0">
+                <a:solidFill>
+                  <a:srgbClr val="000000"/>
+                </a:solidFill>
+                <a:latin typeface="Times New Roman" panose="02020603050405020304" pitchFamily="18" charset="0"/>
+              </a:rPr>
+              <a:t> model </a:t>
+            </a:r>
+            <a:r>
+              <a:rPr lang="en-US" sz="1800" b="0" i="0" u="none" strike="noStrike" baseline="0" dirty="0" err="1">
+                <a:solidFill>
+                  <a:srgbClr val="000000"/>
+                </a:solidFill>
+                <a:latin typeface="Times New Roman" panose="02020603050405020304" pitchFamily="18" charset="0"/>
+              </a:rPr>
+              <a:t>klasifikasi</a:t>
+            </a:r>
+            <a:r>
+              <a:rPr lang="en-US" sz="1800" b="0" i="0" u="none" strike="noStrike" baseline="0" dirty="0">
+                <a:solidFill>
+                  <a:srgbClr val="000000"/>
+                </a:solidFill>
+                <a:latin typeface="Times New Roman" panose="02020603050405020304" pitchFamily="18" charset="0"/>
+              </a:rPr>
+              <a:t> </a:t>
+            </a:r>
+            <a:r>
+              <a:rPr lang="en-US" sz="1800" b="0" i="0" u="none" strike="noStrike" baseline="0" dirty="0" err="1">
+                <a:solidFill>
+                  <a:srgbClr val="000000"/>
+                </a:solidFill>
+                <a:latin typeface="Times New Roman" panose="02020603050405020304" pitchFamily="18" charset="0"/>
+              </a:rPr>
+              <a:t>dilakukan</a:t>
+            </a:r>
+            <a:r>
+              <a:rPr lang="en-US" sz="1800" b="0" i="0" u="none" strike="noStrike" baseline="0" dirty="0">
+                <a:solidFill>
+                  <a:srgbClr val="000000"/>
+                </a:solidFill>
+                <a:latin typeface="Times New Roman" panose="02020603050405020304" pitchFamily="18" charset="0"/>
+              </a:rPr>
+              <a:t> </a:t>
+            </a:r>
+            <a:r>
+              <a:rPr lang="en-US" sz="1800" b="0" i="0" u="none" strike="noStrike" baseline="0" dirty="0" err="1">
+                <a:solidFill>
+                  <a:srgbClr val="000000"/>
+                </a:solidFill>
+                <a:latin typeface="Times New Roman" panose="02020603050405020304" pitchFamily="18" charset="0"/>
+              </a:rPr>
+              <a:t>dengan</a:t>
+            </a:r>
+            <a:r>
+              <a:rPr lang="en-US" sz="1800" b="0" i="0" u="none" strike="noStrike" baseline="0" dirty="0">
+                <a:solidFill>
+                  <a:srgbClr val="000000"/>
+                </a:solidFill>
+                <a:latin typeface="Times New Roman" panose="02020603050405020304" pitchFamily="18" charset="0"/>
+              </a:rPr>
+              <a:t> </a:t>
+            </a:r>
+            <a:r>
+              <a:rPr lang="en-US" sz="1800" b="0" i="0" u="none" strike="noStrike" baseline="0" dirty="0" err="1">
+                <a:solidFill>
+                  <a:srgbClr val="000000"/>
+                </a:solidFill>
+                <a:latin typeface="Times New Roman" panose="02020603050405020304" pitchFamily="18" charset="0"/>
+              </a:rPr>
+              <a:t>melakukan</a:t>
+            </a:r>
+            <a:r>
+              <a:rPr lang="en-US" sz="1800" b="0" i="0" u="none" strike="noStrike" baseline="0" dirty="0">
+                <a:solidFill>
+                  <a:srgbClr val="000000"/>
+                </a:solidFill>
+                <a:latin typeface="Times New Roman" panose="02020603050405020304" pitchFamily="18" charset="0"/>
+              </a:rPr>
+              <a:t> </a:t>
+            </a:r>
+            <a:r>
+              <a:rPr lang="en-US" sz="1800" b="0" i="0" u="none" strike="noStrike" baseline="0" dirty="0" err="1">
+                <a:solidFill>
+                  <a:srgbClr val="000000"/>
+                </a:solidFill>
+                <a:latin typeface="Times New Roman" panose="02020603050405020304" pitchFamily="18" charset="0"/>
+              </a:rPr>
+              <a:t>klasifikasi</a:t>
+            </a:r>
+            <a:r>
+              <a:rPr lang="en-US" sz="1800" b="0" i="0" u="none" strike="noStrike" baseline="0" dirty="0">
+                <a:solidFill>
+                  <a:srgbClr val="000000"/>
+                </a:solidFill>
+                <a:latin typeface="Times New Roman" panose="02020603050405020304" pitchFamily="18" charset="0"/>
+              </a:rPr>
+              <a:t> </a:t>
+            </a:r>
+            <a:r>
+              <a:rPr lang="en-US" sz="1800" b="0" i="0" u="none" strike="noStrike" baseline="0" dirty="0" err="1">
+                <a:solidFill>
+                  <a:srgbClr val="000000"/>
+                </a:solidFill>
+                <a:latin typeface="Times New Roman" panose="02020603050405020304" pitchFamily="18" charset="0"/>
+              </a:rPr>
+              <a:t>penutup</a:t>
+            </a:r>
+            <a:r>
+              <a:rPr lang="en-US" sz="1800" b="0" i="0" u="none" strike="noStrike" baseline="0" dirty="0">
+                <a:solidFill>
+                  <a:srgbClr val="000000"/>
+                </a:solidFill>
+                <a:latin typeface="Times New Roman" panose="02020603050405020304" pitchFamily="18" charset="0"/>
+              </a:rPr>
+              <a:t> </a:t>
+            </a:r>
+            <a:r>
+              <a:rPr lang="en-US" sz="1800" b="0" i="0" u="none" strike="noStrike" baseline="0" dirty="0" err="1">
+                <a:solidFill>
+                  <a:srgbClr val="000000"/>
+                </a:solidFill>
+                <a:latin typeface="Times New Roman" panose="02020603050405020304" pitchFamily="18" charset="0"/>
+              </a:rPr>
+              <a:t>lahan</a:t>
+            </a:r>
+            <a:r>
+              <a:rPr lang="en-US" sz="1800" b="0" i="0" u="none" strike="noStrike" baseline="0" dirty="0">
+                <a:solidFill>
+                  <a:srgbClr val="000000"/>
+                </a:solidFill>
+                <a:latin typeface="Times New Roman" panose="02020603050405020304" pitchFamily="18" charset="0"/>
+              </a:rPr>
+              <a:t> pada data </a:t>
+            </a:r>
+            <a:r>
+              <a:rPr lang="en-US" sz="1800" b="0" i="0" u="none" strike="noStrike" baseline="0" dirty="0" err="1">
+                <a:solidFill>
+                  <a:srgbClr val="000000"/>
+                </a:solidFill>
+                <a:latin typeface="Times New Roman" panose="02020603050405020304" pitchFamily="18" charset="0"/>
+              </a:rPr>
+              <a:t>dengan</a:t>
+            </a:r>
+            <a:r>
+              <a:rPr lang="en-US" sz="1800" b="0" i="0" u="none" strike="noStrike" baseline="0" dirty="0">
+                <a:solidFill>
+                  <a:srgbClr val="000000"/>
+                </a:solidFill>
+                <a:latin typeface="Times New Roman" panose="02020603050405020304" pitchFamily="18" charset="0"/>
+              </a:rPr>
+              <a:t> </a:t>
+            </a:r>
+            <a:r>
+              <a:rPr lang="en-US" sz="1800" b="0" i="0" u="none" strike="noStrike" baseline="0" dirty="0" err="1">
+                <a:solidFill>
+                  <a:srgbClr val="000000"/>
+                </a:solidFill>
+                <a:latin typeface="Times New Roman" panose="02020603050405020304" pitchFamily="18" charset="0"/>
+              </a:rPr>
+              <a:t>lokasi</a:t>
+            </a:r>
+            <a:r>
+              <a:rPr lang="en-US" sz="1800" b="0" i="0" u="none" strike="noStrike" baseline="0" dirty="0">
+                <a:solidFill>
+                  <a:srgbClr val="000000"/>
+                </a:solidFill>
+                <a:latin typeface="Times New Roman" panose="02020603050405020304" pitchFamily="18" charset="0"/>
+              </a:rPr>
+              <a:t> yang </a:t>
+            </a:r>
+            <a:r>
+              <a:rPr lang="en-US" sz="1800" b="0" i="0" u="none" strike="noStrike" baseline="0" dirty="0" err="1">
+                <a:solidFill>
+                  <a:srgbClr val="000000"/>
+                </a:solidFill>
+                <a:latin typeface="Times New Roman" panose="02020603050405020304" pitchFamily="18" charset="0"/>
+              </a:rPr>
+              <a:t>berbeda</a:t>
+            </a:r>
+            <a:r>
+              <a:rPr lang="en-US" sz="1800" b="0" i="0" u="none" strike="noStrike" baseline="0" dirty="0">
+                <a:solidFill>
+                  <a:srgbClr val="000000"/>
+                </a:solidFill>
+                <a:latin typeface="Times New Roman" panose="02020603050405020304" pitchFamily="18" charset="0"/>
+              </a:rPr>
+              <a:t> </a:t>
+            </a:r>
+            <a:r>
+              <a:rPr lang="en-US" sz="1800" b="0" i="0" u="none" strike="noStrike" baseline="0" dirty="0" err="1">
+                <a:solidFill>
+                  <a:srgbClr val="000000"/>
+                </a:solidFill>
+                <a:latin typeface="Times New Roman" panose="02020603050405020304" pitchFamily="18" charset="0"/>
+              </a:rPr>
+              <a:t>dengan</a:t>
+            </a:r>
+            <a:r>
+              <a:rPr lang="en-US" sz="1800" b="0" i="0" u="none" strike="noStrike" baseline="0" dirty="0">
+                <a:solidFill>
+                  <a:srgbClr val="000000"/>
+                </a:solidFill>
+                <a:latin typeface="Times New Roman" panose="02020603050405020304" pitchFamily="18" charset="0"/>
+              </a:rPr>
+              <a:t> </a:t>
+            </a:r>
+            <a:r>
+              <a:rPr lang="en-US" sz="1800" b="0" i="1" u="none" strike="noStrike" baseline="0" dirty="0">
+                <a:solidFill>
+                  <a:srgbClr val="000000"/>
+                </a:solidFill>
+                <a:latin typeface="Times New Roman" panose="02020603050405020304" pitchFamily="18" charset="0"/>
+              </a:rPr>
+              <a:t>training area </a:t>
+            </a:r>
+            <a:r>
+              <a:rPr lang="en-US" sz="1800" b="0" i="0" u="none" strike="noStrike" baseline="0" dirty="0">
+                <a:solidFill>
+                  <a:srgbClr val="000000"/>
+                </a:solidFill>
+                <a:latin typeface="Times New Roman" panose="02020603050405020304" pitchFamily="18" charset="0"/>
+              </a:rPr>
+              <a:t>(</a:t>
+            </a:r>
+            <a:r>
+              <a:rPr lang="en-US" sz="1800" b="0" i="0" u="none" strike="noStrike" baseline="0" dirty="0" err="1">
+                <a:solidFill>
+                  <a:srgbClr val="000000"/>
+                </a:solidFill>
+                <a:latin typeface="Times New Roman" panose="02020603050405020304" pitchFamily="18" charset="0"/>
+              </a:rPr>
+              <a:t>lokasi</a:t>
+            </a:r>
+            <a:r>
+              <a:rPr lang="en-US" sz="1800" b="0" i="0" u="none" strike="noStrike" baseline="0" dirty="0">
+                <a:solidFill>
+                  <a:srgbClr val="000000"/>
+                </a:solidFill>
+                <a:latin typeface="Times New Roman" panose="02020603050405020304" pitchFamily="18" charset="0"/>
+              </a:rPr>
+              <a:t> uji model </a:t>
+            </a:r>
+            <a:r>
+              <a:rPr lang="en-US" sz="1800" b="0" i="0" u="none" strike="noStrike" baseline="0" dirty="0" err="1">
+                <a:solidFill>
+                  <a:srgbClr val="000000"/>
+                </a:solidFill>
+                <a:latin typeface="Times New Roman" panose="02020603050405020304" pitchFamily="18" charset="0"/>
+              </a:rPr>
+              <a:t>berada</a:t>
+            </a:r>
+            <a:r>
+              <a:rPr lang="en-US" sz="1800" b="0" i="0" u="none" strike="noStrike" baseline="0" dirty="0">
+                <a:solidFill>
+                  <a:srgbClr val="000000"/>
+                </a:solidFill>
+                <a:latin typeface="Times New Roman" panose="02020603050405020304" pitchFamily="18" charset="0"/>
+              </a:rPr>
+              <a:t> di area </a:t>
+            </a:r>
+            <a:r>
+              <a:rPr lang="en-US" sz="1800" b="0" i="0" u="none" strike="noStrike" baseline="0" dirty="0" err="1">
+                <a:solidFill>
+                  <a:srgbClr val="000000"/>
+                </a:solidFill>
+                <a:latin typeface="Times New Roman" panose="02020603050405020304" pitchFamily="18" charset="0"/>
+              </a:rPr>
+              <a:t>UGMdan</a:t>
+            </a:r>
+            <a:r>
+              <a:rPr lang="en-US" sz="1800" b="0" i="0" u="none" strike="noStrike" baseline="0" dirty="0">
+                <a:solidFill>
+                  <a:srgbClr val="000000"/>
+                </a:solidFill>
+                <a:latin typeface="Times New Roman" panose="02020603050405020304" pitchFamily="18" charset="0"/>
+              </a:rPr>
+              <a:t> </a:t>
+            </a:r>
+            <a:r>
+              <a:rPr lang="en-US" sz="1800" b="0" i="1" u="none" strike="noStrike" baseline="0" dirty="0">
+                <a:solidFill>
+                  <a:srgbClr val="000000"/>
+                </a:solidFill>
+                <a:latin typeface="Times New Roman" panose="02020603050405020304" pitchFamily="18" charset="0"/>
+              </a:rPr>
+              <a:t>training area </a:t>
+            </a:r>
+            <a:r>
+              <a:rPr lang="en-US" sz="1800" b="0" i="0" u="none" strike="noStrike" baseline="0" dirty="0" err="1">
+                <a:solidFill>
+                  <a:srgbClr val="000000"/>
+                </a:solidFill>
+                <a:latin typeface="Times New Roman" panose="02020603050405020304" pitchFamily="18" charset="0"/>
+              </a:rPr>
+              <a:t>berada</a:t>
+            </a:r>
+            <a:r>
+              <a:rPr lang="en-US" sz="1800" b="0" i="0" u="none" strike="noStrike" baseline="0" dirty="0">
+                <a:solidFill>
+                  <a:srgbClr val="000000"/>
+                </a:solidFill>
+                <a:latin typeface="Times New Roman" panose="02020603050405020304" pitchFamily="18" charset="0"/>
+              </a:rPr>
+              <a:t> </a:t>
+            </a:r>
+            <a:r>
+              <a:rPr lang="en-US" sz="1800" b="0" i="0" u="none" strike="noStrike" baseline="0" dirty="0" err="1">
+                <a:solidFill>
+                  <a:srgbClr val="000000"/>
+                </a:solidFill>
+                <a:latin typeface="Times New Roman" panose="02020603050405020304" pitchFamily="18" charset="0"/>
+              </a:rPr>
+              <a:t>disekitar</a:t>
+            </a:r>
+            <a:r>
+              <a:rPr lang="en-US" sz="1800" b="0" i="0" u="none" strike="noStrike" baseline="0" dirty="0">
+                <a:solidFill>
+                  <a:srgbClr val="000000"/>
+                </a:solidFill>
+                <a:latin typeface="Times New Roman" panose="02020603050405020304" pitchFamily="18" charset="0"/>
+              </a:rPr>
+              <a:t> </a:t>
+            </a:r>
+            <a:r>
+              <a:rPr lang="en-US" sz="1800" b="0" i="0" u="none" strike="noStrike" baseline="0" dirty="0" err="1">
+                <a:solidFill>
+                  <a:srgbClr val="000000"/>
+                </a:solidFill>
+                <a:latin typeface="Times New Roman" panose="02020603050405020304" pitchFamily="18" charset="0"/>
+              </a:rPr>
+              <a:t>Desa</a:t>
+            </a:r>
+            <a:r>
+              <a:rPr lang="en-US" sz="1800" b="0" i="0" u="none" strike="noStrike" baseline="0" dirty="0">
+                <a:solidFill>
+                  <a:srgbClr val="000000"/>
+                </a:solidFill>
+                <a:latin typeface="Times New Roman" panose="02020603050405020304" pitchFamily="18" charset="0"/>
+              </a:rPr>
+              <a:t> </a:t>
+            </a:r>
+            <a:r>
+              <a:rPr lang="en-US" sz="1800" b="0" i="0" u="none" strike="noStrike" baseline="0" dirty="0" err="1">
+                <a:solidFill>
+                  <a:srgbClr val="000000"/>
+                </a:solidFill>
+                <a:latin typeface="Times New Roman" panose="02020603050405020304" pitchFamily="18" charset="0"/>
+              </a:rPr>
+              <a:t>Sardonoharjo</a:t>
+            </a:r>
+            <a:r>
+              <a:rPr lang="en-US" sz="1800" b="0" i="0" u="none" strike="noStrike" baseline="0" dirty="0">
+                <a:solidFill>
+                  <a:srgbClr val="000000"/>
+                </a:solidFill>
+                <a:latin typeface="Times New Roman" panose="02020603050405020304" pitchFamily="18" charset="0"/>
+              </a:rPr>
+              <a:t>) . </a:t>
+            </a:r>
+          </a:p>
+          <a:p>
+            <a:pPr marL="0" indent="0">
+              <a:buNone/>
+            </a:pPr>
+            <a:endParaRPr lang="en-US" dirty="0"/>
+          </a:p>
+        </p:txBody>
+      </p:sp>
+      <p:sp>
+        <p:nvSpPr>
+          <p:cNvPr id="4" name="Content Placeholder 2">
+            <a:extLst>
+              <a:ext uri="{FF2B5EF4-FFF2-40B4-BE49-F238E27FC236}">
+                <a16:creationId xmlns:a16="http://schemas.microsoft.com/office/drawing/2014/main" id="{0CF39F0E-5203-299B-577E-8C246DC2A4C3}"/>
+              </a:ext>
+            </a:extLst>
+          </p:cNvPr>
+          <p:cNvSpPr txBox="1">
+            <a:spLocks/>
+          </p:cNvSpPr>
+          <p:nvPr/>
+        </p:nvSpPr>
+        <p:spPr>
+          <a:xfrm>
+            <a:off x="6096000" y="1816909"/>
+            <a:ext cx="4812102" cy="4351338"/>
+          </a:xfrm>
+          <a:prstGeom prst="rect">
+            <a:avLst/>
+          </a:prstGeom>
+        </p:spPr>
+        <p:txBody>
+          <a:bodyPr vert="horz" lIns="91440" tIns="45720" rIns="91440" bIns="45720" rtlCol="0">
+            <a:normAutofit/>
+          </a:bodyPr>
+          <a:lstStyle>
+            <a:lvl1pPr marL="228600" indent="-228600" algn="l" defTabSz="914400" rtl="0" eaLnBrk="1" latinLnBrk="0" hangingPunct="1">
+              <a:lnSpc>
+                <a:spcPct val="90000"/>
+              </a:lnSpc>
+              <a:spcBef>
+                <a:spcPts val="1000"/>
+              </a:spcBef>
+              <a:buFont typeface="Arial" panose="020B0604020202020204" pitchFamily="34" charset="0"/>
+              <a:buChar char="•"/>
+              <a:defRPr sz="2800" kern="1200">
+                <a:solidFill>
+                  <a:schemeClr val="tx1"/>
+                </a:solidFill>
+                <a:latin typeface="+mn-lt"/>
+                <a:ea typeface="+mn-ea"/>
+                <a:cs typeface="+mn-cs"/>
+              </a:defRPr>
+            </a:lvl1pPr>
+            <a:lvl2pPr marL="685800" indent="-228600" algn="l" defTabSz="914400" rtl="0" eaLnBrk="1" latinLnBrk="0" hangingPunct="1">
+              <a:lnSpc>
+                <a:spcPct val="90000"/>
+              </a:lnSpc>
+              <a:spcBef>
+                <a:spcPts val="500"/>
+              </a:spcBef>
+              <a:buFont typeface="Arial" panose="020B0604020202020204" pitchFamily="34" charset="0"/>
+              <a:buChar char="•"/>
+              <a:defRPr sz="2400" kern="1200">
+                <a:solidFill>
+                  <a:schemeClr val="tx1"/>
+                </a:solidFill>
+                <a:latin typeface="+mn-lt"/>
+                <a:ea typeface="+mn-ea"/>
+                <a:cs typeface="+mn-cs"/>
+              </a:defRPr>
+            </a:lvl2pPr>
+            <a:lvl3pPr marL="1143000" indent="-228600" algn="l" defTabSz="914400" rtl="0" eaLnBrk="1" latinLnBrk="0" hangingPunct="1">
+              <a:lnSpc>
+                <a:spcPct val="90000"/>
+              </a:lnSpc>
+              <a:spcBef>
+                <a:spcPts val="500"/>
+              </a:spcBef>
+              <a:buFont typeface="Arial" panose="020B0604020202020204" pitchFamily="34" charset="0"/>
+              <a:buChar char="•"/>
+              <a:defRPr sz="2000" kern="1200">
+                <a:solidFill>
+                  <a:schemeClr val="tx1"/>
+                </a:solidFill>
+                <a:latin typeface="+mn-lt"/>
+                <a:ea typeface="+mn-ea"/>
+                <a:cs typeface="+mn-cs"/>
+              </a:defRPr>
+            </a:lvl3pPr>
+            <a:lvl4pPr marL="1600200" indent="-228600" algn="l" defTabSz="914400" rtl="0" eaLnBrk="1" latinLnBrk="0" hangingPunct="1">
+              <a:lnSpc>
+                <a:spcPct val="90000"/>
+              </a:lnSpc>
+              <a:spcBef>
+                <a:spcPts val="500"/>
+              </a:spcBef>
+              <a:buFont typeface="Arial" panose="020B0604020202020204" pitchFamily="34" charset="0"/>
+              <a:buChar char="•"/>
+              <a:defRPr sz="1800" kern="1200">
+                <a:solidFill>
+                  <a:schemeClr val="tx1"/>
+                </a:solidFill>
+                <a:latin typeface="+mn-lt"/>
+                <a:ea typeface="+mn-ea"/>
+                <a:cs typeface="+mn-cs"/>
+              </a:defRPr>
+            </a:lvl4pPr>
+            <a:lvl5pPr marL="2057400" indent="-228600" algn="l" defTabSz="914400" rtl="0" eaLnBrk="1" latinLnBrk="0" hangingPunct="1">
+              <a:lnSpc>
+                <a:spcPct val="90000"/>
+              </a:lnSpc>
+              <a:spcBef>
+                <a:spcPts val="500"/>
+              </a:spcBef>
+              <a:buFont typeface="Arial" panose="020B0604020202020204" pitchFamily="34" charset="0"/>
+              <a:buChar char="•"/>
+              <a:defRPr sz="1800" kern="1200">
+                <a:solidFill>
+                  <a:schemeClr val="tx1"/>
+                </a:solidFill>
+                <a:latin typeface="+mn-lt"/>
+                <a:ea typeface="+mn-ea"/>
+                <a:cs typeface="+mn-cs"/>
+              </a:defRPr>
+            </a:lvl5pPr>
+            <a:lvl6pPr marL="2514600" indent="-228600" algn="l" defTabSz="914400" rtl="0" eaLnBrk="1" latinLnBrk="0" hangingPunct="1">
+              <a:lnSpc>
+                <a:spcPct val="90000"/>
+              </a:lnSpc>
+              <a:spcBef>
+                <a:spcPts val="500"/>
+              </a:spcBef>
+              <a:buFont typeface="Arial" panose="020B0604020202020204" pitchFamily="34" charset="0"/>
+              <a:buChar char="•"/>
+              <a:defRPr sz="1800" kern="1200">
+                <a:solidFill>
+                  <a:schemeClr val="tx1"/>
+                </a:solidFill>
+                <a:latin typeface="+mn-lt"/>
+                <a:ea typeface="+mn-ea"/>
+                <a:cs typeface="+mn-cs"/>
+              </a:defRPr>
+            </a:lvl6pPr>
+            <a:lvl7pPr marL="2971800" indent="-228600" algn="l" defTabSz="914400" rtl="0" eaLnBrk="1" latinLnBrk="0" hangingPunct="1">
+              <a:lnSpc>
+                <a:spcPct val="90000"/>
+              </a:lnSpc>
+              <a:spcBef>
+                <a:spcPts val="500"/>
+              </a:spcBef>
+              <a:buFont typeface="Arial" panose="020B0604020202020204" pitchFamily="34" charset="0"/>
+              <a:buChar char="•"/>
+              <a:defRPr sz="1800" kern="1200">
+                <a:solidFill>
+                  <a:schemeClr val="tx1"/>
+                </a:solidFill>
+                <a:latin typeface="+mn-lt"/>
+                <a:ea typeface="+mn-ea"/>
+                <a:cs typeface="+mn-cs"/>
+              </a:defRPr>
+            </a:lvl7pPr>
+            <a:lvl8pPr marL="3429000" indent="-228600" algn="l" defTabSz="914400" rtl="0" eaLnBrk="1" latinLnBrk="0" hangingPunct="1">
+              <a:lnSpc>
+                <a:spcPct val="90000"/>
+              </a:lnSpc>
+              <a:spcBef>
+                <a:spcPts val="500"/>
+              </a:spcBef>
+              <a:buFont typeface="Arial" panose="020B0604020202020204" pitchFamily="34" charset="0"/>
+              <a:buChar char="•"/>
+              <a:defRPr sz="1800" kern="1200">
+                <a:solidFill>
+                  <a:schemeClr val="tx1"/>
+                </a:solidFill>
+                <a:latin typeface="+mn-lt"/>
+                <a:ea typeface="+mn-ea"/>
+                <a:cs typeface="+mn-cs"/>
+              </a:defRPr>
+            </a:lvl8pPr>
+            <a:lvl9pPr marL="3886200" indent="-228600" algn="l" defTabSz="914400" rtl="0" eaLnBrk="1" latinLnBrk="0" hangingPunct="1">
+              <a:lnSpc>
+                <a:spcPct val="90000"/>
+              </a:lnSpc>
+              <a:spcBef>
+                <a:spcPts val="500"/>
+              </a:spcBef>
+              <a:buFont typeface="Arial" panose="020B0604020202020204" pitchFamily="34" charset="0"/>
+              <a:buChar char="•"/>
+              <a:defRPr sz="1800" kern="1200">
+                <a:solidFill>
+                  <a:schemeClr val="tx1"/>
+                </a:solidFill>
+                <a:latin typeface="+mn-lt"/>
+                <a:ea typeface="+mn-ea"/>
+                <a:cs typeface="+mn-cs"/>
+              </a:defRPr>
+            </a:lvl9pPr>
+          </a:lstStyle>
+          <a:p>
+            <a:pPr marL="0" indent="0" algn="l">
+              <a:buNone/>
+            </a:pPr>
+            <a:r>
+              <a:rPr lang="en-US" sz="1800" b="0" i="0" u="none" strike="noStrike" baseline="0" dirty="0" err="1">
+                <a:solidFill>
+                  <a:srgbClr val="000000"/>
+                </a:solidFill>
+                <a:latin typeface="Times New Roman" panose="02020603050405020304" pitchFamily="18" charset="0"/>
+              </a:rPr>
+              <a:t>Manfaat</a:t>
+            </a:r>
+            <a:endParaRPr lang="en-US" sz="1800" b="0" i="0" u="none" strike="noStrike" baseline="0" dirty="0">
+              <a:solidFill>
+                <a:srgbClr val="000000"/>
+              </a:solidFill>
+              <a:latin typeface="Times New Roman" panose="02020603050405020304" pitchFamily="18" charset="0"/>
+            </a:endParaRPr>
+          </a:p>
+          <a:p>
+            <a:pPr marL="342900" indent="-342900">
+              <a:buFont typeface="+mj-lt"/>
+              <a:buAutoNum type="arabicPeriod"/>
+            </a:pPr>
+            <a:r>
+              <a:rPr lang="sv-SE" sz="1800" b="0" i="0" u="none" strike="noStrike" baseline="0" dirty="0">
+                <a:solidFill>
+                  <a:srgbClr val="000000"/>
+                </a:solidFill>
+                <a:latin typeface="Times New Roman" panose="02020603050405020304" pitchFamily="18" charset="0"/>
+              </a:rPr>
+              <a:t>Mampu meningkatkan efisiensi waktu pekerjaan klasifikasi pada citra foto udara dengan memanfaatkan model </a:t>
+            </a:r>
+            <a:r>
+              <a:rPr lang="sv-SE" sz="1800" b="0" i="1" u="none" strike="noStrike" baseline="0" dirty="0">
+                <a:solidFill>
+                  <a:srgbClr val="000000"/>
+                </a:solidFill>
+                <a:latin typeface="Times New Roman" panose="02020603050405020304" pitchFamily="18" charset="0"/>
+              </a:rPr>
+              <a:t>deep learning </a:t>
+            </a:r>
+            <a:r>
+              <a:rPr lang="sv-SE" sz="1800" b="0" i="0" u="none" strike="noStrike" baseline="0" dirty="0">
+                <a:solidFill>
+                  <a:srgbClr val="000000"/>
+                </a:solidFill>
+                <a:latin typeface="Times New Roman" panose="02020603050405020304" pitchFamily="18" charset="0"/>
+              </a:rPr>
+              <a:t>dan tanpa melakukan digitasi manual. </a:t>
+            </a:r>
+          </a:p>
+          <a:p>
+            <a:pPr marL="342900" indent="-342900">
+              <a:buFont typeface="+mj-lt"/>
+              <a:buAutoNum type="arabicPeriod"/>
+            </a:pPr>
+            <a:r>
+              <a:rPr lang="en-US" sz="1800" b="0" i="0" u="none" strike="noStrike" baseline="0" dirty="0" err="1">
+                <a:solidFill>
+                  <a:srgbClr val="000000"/>
+                </a:solidFill>
+                <a:latin typeface="Times New Roman" panose="02020603050405020304" pitchFamily="18" charset="0"/>
+              </a:rPr>
+              <a:t>Terbentuk</a:t>
+            </a:r>
+            <a:r>
+              <a:rPr lang="en-US" sz="1800" b="0" i="0" u="none" strike="noStrike" baseline="0" dirty="0">
+                <a:solidFill>
+                  <a:srgbClr val="000000"/>
+                </a:solidFill>
+                <a:latin typeface="Times New Roman" panose="02020603050405020304" pitchFamily="18" charset="0"/>
+              </a:rPr>
+              <a:t> model </a:t>
+            </a:r>
+            <a:r>
+              <a:rPr lang="en-US" sz="1800" b="0" i="1" u="none" strike="noStrike" baseline="0" dirty="0">
+                <a:solidFill>
+                  <a:srgbClr val="000000"/>
+                </a:solidFill>
+                <a:latin typeface="Times New Roman" panose="02020603050405020304" pitchFamily="18" charset="0"/>
+              </a:rPr>
+              <a:t>deep learning </a:t>
+            </a:r>
+            <a:r>
+              <a:rPr lang="en-US" sz="1800" b="0" i="0" u="none" strike="noStrike" baseline="0" dirty="0">
+                <a:solidFill>
+                  <a:srgbClr val="000000"/>
+                </a:solidFill>
+                <a:latin typeface="Times New Roman" panose="02020603050405020304" pitchFamily="18" charset="0"/>
+              </a:rPr>
+              <a:t>yang </a:t>
+            </a:r>
+            <a:r>
+              <a:rPr lang="en-US" sz="1800" b="0" i="0" u="none" strike="noStrike" baseline="0" dirty="0" err="1">
+                <a:solidFill>
+                  <a:srgbClr val="000000"/>
+                </a:solidFill>
+                <a:latin typeface="Times New Roman" panose="02020603050405020304" pitchFamily="18" charset="0"/>
+              </a:rPr>
+              <a:t>siap</a:t>
+            </a:r>
+            <a:r>
+              <a:rPr lang="en-US" sz="1800" b="0" i="0" u="none" strike="noStrike" baseline="0" dirty="0">
+                <a:solidFill>
+                  <a:srgbClr val="000000"/>
+                </a:solidFill>
+                <a:latin typeface="Times New Roman" panose="02020603050405020304" pitchFamily="18" charset="0"/>
+              </a:rPr>
+              <a:t> </a:t>
+            </a:r>
+            <a:r>
+              <a:rPr lang="en-US" sz="1800" b="0" i="0" u="none" strike="noStrike" baseline="0" dirty="0" err="1">
+                <a:solidFill>
+                  <a:srgbClr val="000000"/>
+                </a:solidFill>
+                <a:latin typeface="Times New Roman" panose="02020603050405020304" pitchFamily="18" charset="0"/>
+              </a:rPr>
+              <a:t>pakai</a:t>
+            </a:r>
+            <a:r>
+              <a:rPr lang="en-US" sz="1800" b="0" i="0" u="none" strike="noStrike" baseline="0" dirty="0">
+                <a:solidFill>
+                  <a:srgbClr val="000000"/>
+                </a:solidFill>
+                <a:latin typeface="Times New Roman" panose="02020603050405020304" pitchFamily="18" charset="0"/>
+              </a:rPr>
+              <a:t> </a:t>
+            </a:r>
+            <a:r>
+              <a:rPr lang="en-US" sz="1800" b="0" i="0" u="none" strike="noStrike" baseline="0" dirty="0" err="1">
+                <a:solidFill>
+                  <a:srgbClr val="000000"/>
+                </a:solidFill>
+                <a:latin typeface="Times New Roman" panose="02020603050405020304" pitchFamily="18" charset="0"/>
+              </a:rPr>
+              <a:t>dengan</a:t>
+            </a:r>
+            <a:r>
+              <a:rPr lang="en-US" sz="1800" b="0" i="0" u="none" strike="noStrike" baseline="0" dirty="0">
+                <a:solidFill>
+                  <a:srgbClr val="000000"/>
+                </a:solidFill>
+                <a:latin typeface="Times New Roman" panose="02020603050405020304" pitchFamily="18" charset="0"/>
+              </a:rPr>
+              <a:t> </a:t>
+            </a:r>
+            <a:r>
+              <a:rPr lang="en-US" sz="1800" b="0" i="0" u="none" strike="noStrike" baseline="0" dirty="0" err="1">
+                <a:solidFill>
+                  <a:srgbClr val="000000"/>
+                </a:solidFill>
+                <a:latin typeface="Times New Roman" panose="02020603050405020304" pitchFamily="18" charset="0"/>
+              </a:rPr>
+              <a:t>kemampuan</a:t>
+            </a:r>
+            <a:r>
+              <a:rPr lang="en-US" sz="1800" b="0" i="0" u="none" strike="noStrike" baseline="0" dirty="0">
+                <a:solidFill>
+                  <a:srgbClr val="000000"/>
+                </a:solidFill>
+                <a:latin typeface="Times New Roman" panose="02020603050405020304" pitchFamily="18" charset="0"/>
+              </a:rPr>
+              <a:t> </a:t>
+            </a:r>
+            <a:r>
+              <a:rPr lang="en-US" sz="1800" b="0" i="0" u="none" strike="noStrike" baseline="0" dirty="0" err="1">
+                <a:solidFill>
+                  <a:srgbClr val="000000"/>
+                </a:solidFill>
+                <a:latin typeface="Times New Roman" panose="02020603050405020304" pitchFamily="18" charset="0"/>
+              </a:rPr>
+              <a:t>menginterpretasi</a:t>
+            </a:r>
+            <a:r>
+              <a:rPr lang="en-US" sz="1800" b="0" i="0" u="none" strike="noStrike" baseline="0" dirty="0">
+                <a:solidFill>
+                  <a:srgbClr val="000000"/>
+                </a:solidFill>
+                <a:latin typeface="Times New Roman" panose="02020603050405020304" pitchFamily="18" charset="0"/>
+              </a:rPr>
+              <a:t> </a:t>
+            </a:r>
+            <a:r>
+              <a:rPr lang="en-US" sz="1800" b="0" i="0" u="none" strike="noStrike" baseline="0" dirty="0" err="1">
+                <a:solidFill>
+                  <a:srgbClr val="000000"/>
+                </a:solidFill>
+                <a:latin typeface="Times New Roman" panose="02020603050405020304" pitchFamily="18" charset="0"/>
+              </a:rPr>
+              <a:t>objek</a:t>
+            </a:r>
+            <a:r>
+              <a:rPr lang="en-US" sz="1800" b="0" i="0" u="none" strike="noStrike" baseline="0" dirty="0">
+                <a:solidFill>
+                  <a:srgbClr val="000000"/>
+                </a:solidFill>
+                <a:latin typeface="Times New Roman" panose="02020603050405020304" pitchFamily="18" charset="0"/>
+              </a:rPr>
+              <a:t> </a:t>
+            </a:r>
+            <a:r>
+              <a:rPr lang="en-US" sz="1800" b="0" i="0" u="none" strike="noStrike" baseline="0" dirty="0" err="1">
+                <a:solidFill>
+                  <a:srgbClr val="000000"/>
+                </a:solidFill>
+                <a:latin typeface="Times New Roman" panose="02020603050405020304" pitchFamily="18" charset="0"/>
+              </a:rPr>
+              <a:t>dalam</a:t>
+            </a:r>
+            <a:r>
+              <a:rPr lang="en-US" sz="1800" b="0" i="0" u="none" strike="noStrike" baseline="0" dirty="0">
+                <a:solidFill>
+                  <a:srgbClr val="000000"/>
+                </a:solidFill>
+                <a:latin typeface="Times New Roman" panose="02020603050405020304" pitchFamily="18" charset="0"/>
+              </a:rPr>
+              <a:t> </a:t>
+            </a:r>
+            <a:r>
+              <a:rPr lang="en-US" sz="1800" b="0" i="0" u="none" strike="noStrike" baseline="0" dirty="0" err="1">
+                <a:solidFill>
+                  <a:srgbClr val="000000"/>
+                </a:solidFill>
+                <a:latin typeface="Times New Roman" panose="02020603050405020304" pitchFamily="18" charset="0"/>
+              </a:rPr>
+              <a:t>pekerjaan</a:t>
+            </a:r>
+            <a:r>
+              <a:rPr lang="en-US" sz="1800" b="0" i="0" u="none" strike="noStrike" baseline="0" dirty="0">
+                <a:solidFill>
+                  <a:srgbClr val="000000"/>
+                </a:solidFill>
+                <a:latin typeface="Times New Roman" panose="02020603050405020304" pitchFamily="18" charset="0"/>
+              </a:rPr>
+              <a:t> </a:t>
+            </a:r>
+            <a:r>
+              <a:rPr lang="en-US" sz="1800" b="0" i="0" u="none" strike="noStrike" baseline="0" dirty="0" err="1">
+                <a:solidFill>
+                  <a:srgbClr val="000000"/>
+                </a:solidFill>
+                <a:latin typeface="Times New Roman" panose="02020603050405020304" pitchFamily="18" charset="0"/>
+              </a:rPr>
+              <a:t>klasifikasi</a:t>
+            </a:r>
+            <a:r>
+              <a:rPr lang="en-US" sz="1800" b="0" i="0" u="none" strike="noStrike" baseline="0" dirty="0">
+                <a:solidFill>
+                  <a:srgbClr val="000000"/>
+                </a:solidFill>
+                <a:latin typeface="Times New Roman" panose="02020603050405020304" pitchFamily="18" charset="0"/>
+              </a:rPr>
+              <a:t> </a:t>
+            </a:r>
+            <a:r>
+              <a:rPr lang="en-US" sz="1800" b="0" i="0" u="none" strike="noStrike" baseline="0" dirty="0" err="1">
+                <a:solidFill>
+                  <a:srgbClr val="000000"/>
+                </a:solidFill>
+                <a:latin typeface="Times New Roman" panose="02020603050405020304" pitchFamily="18" charset="0"/>
+              </a:rPr>
+              <a:t>penutup</a:t>
+            </a:r>
+            <a:r>
+              <a:rPr lang="en-US" sz="1800" b="0" i="0" u="none" strike="noStrike" baseline="0" dirty="0">
+                <a:solidFill>
+                  <a:srgbClr val="000000"/>
+                </a:solidFill>
+                <a:latin typeface="Times New Roman" panose="02020603050405020304" pitchFamily="18" charset="0"/>
+              </a:rPr>
+              <a:t> </a:t>
+            </a:r>
+            <a:r>
+              <a:rPr lang="en-US" sz="1800" b="0" i="0" u="none" strike="noStrike" baseline="0" dirty="0" err="1">
+                <a:solidFill>
+                  <a:srgbClr val="000000"/>
+                </a:solidFill>
+                <a:latin typeface="Times New Roman" panose="02020603050405020304" pitchFamily="18" charset="0"/>
+              </a:rPr>
+              <a:t>lahan</a:t>
+            </a:r>
+            <a:r>
+              <a:rPr lang="en-US" sz="1800" b="0" i="0" u="none" strike="noStrike" baseline="0" dirty="0">
+                <a:solidFill>
+                  <a:srgbClr val="000000"/>
+                </a:solidFill>
+                <a:latin typeface="Times New Roman" panose="02020603050405020304" pitchFamily="18" charset="0"/>
+              </a:rPr>
+              <a:t>. </a:t>
+            </a:r>
+          </a:p>
+          <a:p>
+            <a:pPr marL="342900" indent="-342900">
+              <a:buFont typeface="+mj-lt"/>
+              <a:buAutoNum type="arabicPeriod"/>
+            </a:pPr>
+            <a:r>
+              <a:rPr lang="en-US" sz="1800" b="0" i="0" u="none" strike="noStrike" baseline="0" dirty="0" err="1">
+                <a:solidFill>
+                  <a:srgbClr val="000000"/>
+                </a:solidFill>
+                <a:latin typeface="Times New Roman" panose="02020603050405020304" pitchFamily="18" charset="0"/>
+              </a:rPr>
+              <a:t>Mengetahui</a:t>
+            </a:r>
+            <a:r>
+              <a:rPr lang="en-US" sz="1800" b="0" i="0" u="none" strike="noStrike" baseline="0" dirty="0">
+                <a:solidFill>
+                  <a:srgbClr val="000000"/>
+                </a:solidFill>
+                <a:latin typeface="Times New Roman" panose="02020603050405020304" pitchFamily="18" charset="0"/>
+              </a:rPr>
+              <a:t> </a:t>
+            </a:r>
+            <a:r>
+              <a:rPr lang="en-US" sz="1800" b="0" i="0" u="none" strike="noStrike" baseline="0" dirty="0" err="1">
+                <a:solidFill>
+                  <a:srgbClr val="000000"/>
+                </a:solidFill>
+                <a:latin typeface="Times New Roman" panose="02020603050405020304" pitchFamily="18" charset="0"/>
+              </a:rPr>
+              <a:t>kelayakan</a:t>
+            </a:r>
+            <a:r>
+              <a:rPr lang="en-US" sz="1800" b="0" i="0" u="none" strike="noStrike" baseline="0" dirty="0">
+                <a:solidFill>
+                  <a:srgbClr val="000000"/>
+                </a:solidFill>
+                <a:latin typeface="Times New Roman" panose="02020603050405020304" pitchFamily="18" charset="0"/>
+              </a:rPr>
+              <a:t> model </a:t>
+            </a:r>
+            <a:r>
+              <a:rPr lang="en-US" sz="1800" b="0" i="0" u="none" strike="noStrike" baseline="0" dirty="0" err="1">
+                <a:solidFill>
+                  <a:srgbClr val="000000"/>
+                </a:solidFill>
+                <a:latin typeface="Times New Roman" panose="02020603050405020304" pitchFamily="18" charset="0"/>
+              </a:rPr>
+              <a:t>dalam</a:t>
+            </a:r>
+            <a:r>
+              <a:rPr lang="en-US" sz="1800" b="0" i="0" u="none" strike="noStrike" baseline="0" dirty="0">
+                <a:solidFill>
+                  <a:srgbClr val="000000"/>
+                </a:solidFill>
+                <a:latin typeface="Times New Roman" panose="02020603050405020304" pitchFamily="18" charset="0"/>
+              </a:rPr>
+              <a:t> </a:t>
+            </a:r>
+            <a:r>
+              <a:rPr lang="en-US" sz="1800" b="0" i="0" u="none" strike="noStrike" baseline="0" dirty="0" err="1">
+                <a:solidFill>
+                  <a:srgbClr val="000000"/>
+                </a:solidFill>
+                <a:latin typeface="Times New Roman" panose="02020603050405020304" pitchFamily="18" charset="0"/>
+              </a:rPr>
+              <a:t>pekerjaan</a:t>
+            </a:r>
+            <a:r>
+              <a:rPr lang="en-US" sz="1800" b="0" i="0" u="none" strike="noStrike" baseline="0" dirty="0">
+                <a:solidFill>
+                  <a:srgbClr val="000000"/>
+                </a:solidFill>
+                <a:latin typeface="Times New Roman" panose="02020603050405020304" pitchFamily="18" charset="0"/>
+              </a:rPr>
+              <a:t> </a:t>
+            </a:r>
+            <a:r>
+              <a:rPr lang="en-US" sz="1800" b="0" i="0" u="none" strike="noStrike" baseline="0" dirty="0" err="1">
+                <a:solidFill>
+                  <a:srgbClr val="000000"/>
+                </a:solidFill>
+                <a:latin typeface="Times New Roman" panose="02020603050405020304" pitchFamily="18" charset="0"/>
+              </a:rPr>
+              <a:t>klasifikasi</a:t>
+            </a:r>
+            <a:r>
+              <a:rPr lang="en-US" sz="1800" b="0" i="0" u="none" strike="noStrike" baseline="0" dirty="0">
+                <a:solidFill>
+                  <a:srgbClr val="000000"/>
+                </a:solidFill>
+                <a:latin typeface="Times New Roman" panose="02020603050405020304" pitchFamily="18" charset="0"/>
+              </a:rPr>
+              <a:t> </a:t>
+            </a:r>
+            <a:r>
+              <a:rPr lang="en-US" sz="1800" b="0" i="0" u="none" strike="noStrike" baseline="0" dirty="0" err="1">
+                <a:solidFill>
+                  <a:srgbClr val="000000"/>
+                </a:solidFill>
+                <a:latin typeface="Times New Roman" panose="02020603050405020304" pitchFamily="18" charset="0"/>
+              </a:rPr>
+              <a:t>penutup</a:t>
+            </a:r>
+            <a:r>
+              <a:rPr lang="en-US" sz="1800" b="0" i="0" u="none" strike="noStrike" baseline="0" dirty="0">
+                <a:solidFill>
+                  <a:srgbClr val="000000"/>
+                </a:solidFill>
+                <a:latin typeface="Times New Roman" panose="02020603050405020304" pitchFamily="18" charset="0"/>
+              </a:rPr>
+              <a:t> </a:t>
+            </a:r>
+            <a:r>
+              <a:rPr lang="en-US" sz="1800" b="0" i="0" u="none" strike="noStrike" baseline="0" dirty="0" err="1">
+                <a:solidFill>
+                  <a:srgbClr val="000000"/>
+                </a:solidFill>
+                <a:latin typeface="Times New Roman" panose="02020603050405020304" pitchFamily="18" charset="0"/>
+              </a:rPr>
+              <a:t>lahan</a:t>
+            </a:r>
+            <a:r>
+              <a:rPr lang="en-US" sz="1800" b="0" i="0" u="none" strike="noStrike" baseline="0" dirty="0">
+                <a:solidFill>
+                  <a:srgbClr val="000000"/>
+                </a:solidFill>
+                <a:latin typeface="Times New Roman" panose="02020603050405020304" pitchFamily="18" charset="0"/>
+              </a:rPr>
+              <a:t> yang </a:t>
+            </a:r>
+            <a:r>
+              <a:rPr lang="en-US" sz="1800" b="0" i="0" u="none" strike="noStrike" baseline="0" dirty="0" err="1">
+                <a:solidFill>
+                  <a:srgbClr val="000000"/>
+                </a:solidFill>
+                <a:latin typeface="Times New Roman" panose="02020603050405020304" pitchFamily="18" charset="0"/>
+              </a:rPr>
+              <a:t>dinyatakan</a:t>
+            </a:r>
+            <a:r>
+              <a:rPr lang="en-US" sz="1800" b="0" i="0" u="none" strike="noStrike" baseline="0" dirty="0">
+                <a:solidFill>
+                  <a:srgbClr val="000000"/>
+                </a:solidFill>
+                <a:latin typeface="Times New Roman" panose="02020603050405020304" pitchFamily="18" charset="0"/>
+              </a:rPr>
+              <a:t> </a:t>
+            </a:r>
+            <a:r>
+              <a:rPr lang="en-US" sz="1800" b="0" i="0" u="none" strike="noStrike" baseline="0" dirty="0" err="1">
+                <a:solidFill>
+                  <a:srgbClr val="000000"/>
+                </a:solidFill>
+                <a:latin typeface="Times New Roman" panose="02020603050405020304" pitchFamily="18" charset="0"/>
+              </a:rPr>
+              <a:t>dalam</a:t>
+            </a:r>
+            <a:r>
+              <a:rPr lang="en-US" sz="1800" b="0" i="0" u="none" strike="noStrike" baseline="0" dirty="0">
+                <a:solidFill>
+                  <a:srgbClr val="000000"/>
+                </a:solidFill>
+                <a:latin typeface="Times New Roman" panose="02020603050405020304" pitchFamily="18" charset="0"/>
+              </a:rPr>
+              <a:t> </a:t>
+            </a:r>
+            <a:r>
+              <a:rPr lang="en-US" sz="1800" b="0" i="1" u="none" strike="noStrike" baseline="0" dirty="0">
+                <a:solidFill>
+                  <a:srgbClr val="000000"/>
+                </a:solidFill>
+                <a:latin typeface="Times New Roman" panose="02020603050405020304" pitchFamily="18" charset="0"/>
+              </a:rPr>
+              <a:t>overall accuracy</a:t>
+            </a:r>
+            <a:r>
+              <a:rPr lang="en-US" sz="1800" b="0" i="0" u="none" strike="noStrike" baseline="0" dirty="0">
+                <a:solidFill>
+                  <a:srgbClr val="000000"/>
+                </a:solidFill>
+                <a:latin typeface="Times New Roman" panose="02020603050405020304" pitchFamily="18" charset="0"/>
+              </a:rPr>
+              <a:t>. </a:t>
+            </a:r>
+          </a:p>
+          <a:p>
+            <a:pPr marL="0" indent="0">
+              <a:buFont typeface="Arial" panose="020B0604020202020204" pitchFamily="34" charset="0"/>
+              <a:buNone/>
+            </a:pPr>
+            <a:endParaRPr lang="en-US" dirty="0"/>
+          </a:p>
+        </p:txBody>
+      </p:sp>
+    </p:spTree>
+    <p:extLst>
+      <p:ext uri="{BB962C8B-B14F-4D97-AF65-F5344CB8AC3E}">
+        <p14:creationId xmlns:p14="http://schemas.microsoft.com/office/powerpoint/2010/main" val="4084538897"/>
+      </p:ext>
+    </p:extLst>
+  </p:cSld>
+  <p:clrMapOvr>
+    <a:masterClrMapping/>
+  </p:clrMapOvr>
+</p:sld>
+</file>
+
+<file path=ppt/slides/slide9.xml><?xml version="1.0" encoding="utf-8"?>
+<p:sld xmlns:a="http://schemas.openxmlformats.org/drawingml/2006/main" xmlns:r="http://schemas.openxmlformats.org/officeDocument/2006/relationships" xmlns:p="http://schemas.openxmlformats.org/presentationml/2006/main">
+  <p:cSld>
+    <p:spTree>
+      <p:nvGrpSpPr>
+        <p:cNvPr id="1" name=""/>
+        <p:cNvGrpSpPr/>
+        <p:nvPr/>
+      </p:nvGrpSpPr>
+      <p:grpSpPr>
+        <a:xfrm>
+          <a:off x="0" y="0"/>
+          <a:ext cx="0" cy="0"/>
+          <a:chOff x="0" y="0"/>
+          <a:chExt cx="0" cy="0"/>
+        </a:xfrm>
+      </p:grpSpPr>
+      <p:sp>
+        <p:nvSpPr>
+          <p:cNvPr id="2" name="Title 1">
+            <a:extLst>
+              <a:ext uri="{FF2B5EF4-FFF2-40B4-BE49-F238E27FC236}">
+                <a16:creationId xmlns:a16="http://schemas.microsoft.com/office/drawing/2014/main" id="{7FA748B2-F8E1-C724-5E60-B52DD4582A0F}"/>
+              </a:ext>
+            </a:extLst>
+          </p:cNvPr>
+          <p:cNvSpPr>
+            <a:spLocks noGrp="1"/>
+          </p:cNvSpPr>
+          <p:nvPr>
+            <p:ph type="title"/>
+          </p:nvPr>
+        </p:nvSpPr>
+        <p:spPr/>
+        <p:txBody>
+          <a:bodyPr/>
+          <a:lstStyle/>
+          <a:p>
+            <a:r>
+              <a:rPr lang="en-US" dirty="0" err="1"/>
+              <a:t>Tinjauan</a:t>
+            </a:r>
+            <a:r>
+              <a:rPr lang="en-US" dirty="0"/>
+              <a:t> Pustaka</a:t>
+            </a:r>
+          </a:p>
+        </p:txBody>
+      </p:sp>
+      <p:sp>
+        <p:nvSpPr>
+          <p:cNvPr id="3" name="Content Placeholder 2">
+            <a:extLst>
+              <a:ext uri="{FF2B5EF4-FFF2-40B4-BE49-F238E27FC236}">
+                <a16:creationId xmlns:a16="http://schemas.microsoft.com/office/drawing/2014/main" id="{42172CDC-16E6-4DE0-1B07-1F58D79B299C}"/>
+              </a:ext>
+            </a:extLst>
+          </p:cNvPr>
+          <p:cNvSpPr>
+            <a:spLocks noGrp="1"/>
+          </p:cNvSpPr>
+          <p:nvPr>
+            <p:ph idx="1"/>
+          </p:nvPr>
+        </p:nvSpPr>
+        <p:spPr/>
+        <p:txBody>
+          <a:bodyPr/>
+          <a:lstStyle/>
+          <a:p>
+            <a:r>
+              <a:rPr lang="en-US" sz="1800" b="0" i="0" u="none" strike="noStrike" baseline="0" dirty="0" err="1">
+                <a:solidFill>
+                  <a:srgbClr val="000000"/>
+                </a:solidFill>
+                <a:latin typeface="Times New Roman" panose="02020603050405020304" pitchFamily="18" charset="0"/>
+              </a:rPr>
+              <a:t>Klasifikasi</a:t>
+            </a:r>
+            <a:r>
+              <a:rPr lang="en-US" sz="1800" b="0" i="0" u="none" strike="noStrike" baseline="0" dirty="0">
+                <a:solidFill>
+                  <a:srgbClr val="000000"/>
+                </a:solidFill>
+                <a:latin typeface="Times New Roman" panose="02020603050405020304" pitchFamily="18" charset="0"/>
+              </a:rPr>
+              <a:t> </a:t>
+            </a:r>
+            <a:r>
+              <a:rPr lang="en-US" sz="1800" b="0" i="0" u="none" strike="noStrike" baseline="0" dirty="0" err="1">
+                <a:solidFill>
+                  <a:srgbClr val="000000"/>
+                </a:solidFill>
+                <a:latin typeface="Times New Roman" panose="02020603050405020304" pitchFamily="18" charset="0"/>
+              </a:rPr>
+              <a:t>tutupan</a:t>
+            </a:r>
+            <a:r>
+              <a:rPr lang="en-US" sz="1800" b="0" i="0" u="none" strike="noStrike" baseline="0" dirty="0">
+                <a:solidFill>
+                  <a:srgbClr val="000000"/>
+                </a:solidFill>
+                <a:latin typeface="Times New Roman" panose="02020603050405020304" pitchFamily="18" charset="0"/>
+              </a:rPr>
+              <a:t> </a:t>
+            </a:r>
+            <a:r>
+              <a:rPr lang="en-US" sz="1800" b="0" i="0" u="none" strike="noStrike" baseline="0" dirty="0" err="1">
+                <a:solidFill>
+                  <a:srgbClr val="000000"/>
+                </a:solidFill>
+                <a:latin typeface="Times New Roman" panose="02020603050405020304" pitchFamily="18" charset="0"/>
+              </a:rPr>
+              <a:t>lahan</a:t>
+            </a:r>
+            <a:r>
+              <a:rPr lang="en-US" sz="1800" b="0" i="0" u="none" strike="noStrike" baseline="0" dirty="0">
+                <a:solidFill>
+                  <a:srgbClr val="000000"/>
+                </a:solidFill>
+                <a:latin typeface="Times New Roman" panose="02020603050405020304" pitchFamily="18" charset="0"/>
+              </a:rPr>
+              <a:t> </a:t>
+            </a:r>
+            <a:r>
+              <a:rPr lang="en-US" sz="1800" b="0" i="0" u="none" strike="noStrike" baseline="0" dirty="0" err="1">
+                <a:solidFill>
+                  <a:srgbClr val="000000"/>
+                </a:solidFill>
+                <a:latin typeface="Times New Roman" panose="02020603050405020304" pitchFamily="18" charset="0"/>
+              </a:rPr>
+              <a:t>adalah</a:t>
+            </a:r>
+            <a:r>
+              <a:rPr lang="en-US" sz="1800" b="0" i="0" u="none" strike="noStrike" baseline="0" dirty="0">
+                <a:solidFill>
+                  <a:srgbClr val="000000"/>
+                </a:solidFill>
+                <a:latin typeface="Times New Roman" panose="02020603050405020304" pitchFamily="18" charset="0"/>
+              </a:rPr>
+              <a:t> </a:t>
+            </a:r>
+            <a:r>
+              <a:rPr lang="en-US" sz="1800" b="0" i="0" u="none" strike="noStrike" baseline="0" dirty="0" err="1">
+                <a:solidFill>
+                  <a:srgbClr val="000000"/>
+                </a:solidFill>
+                <a:latin typeface="Times New Roman" panose="02020603050405020304" pitchFamily="18" charset="0"/>
+              </a:rPr>
+              <a:t>hasil</a:t>
+            </a:r>
+            <a:r>
+              <a:rPr lang="en-US" sz="1800" b="0" i="0" u="none" strike="noStrike" baseline="0" dirty="0">
+                <a:solidFill>
+                  <a:srgbClr val="000000"/>
+                </a:solidFill>
+                <a:latin typeface="Times New Roman" panose="02020603050405020304" pitchFamily="18" charset="0"/>
+              </a:rPr>
+              <a:t> </a:t>
+            </a:r>
+            <a:r>
+              <a:rPr lang="en-US" sz="1800" b="0" i="0" u="none" strike="noStrike" baseline="0" dirty="0" err="1">
+                <a:solidFill>
+                  <a:srgbClr val="000000"/>
+                </a:solidFill>
+                <a:latin typeface="Times New Roman" panose="02020603050405020304" pitchFamily="18" charset="0"/>
+              </a:rPr>
+              <a:t>interpretasi</a:t>
+            </a:r>
+            <a:r>
+              <a:rPr lang="en-US" sz="1800" b="0" i="0" u="none" strike="noStrike" baseline="0" dirty="0">
+                <a:solidFill>
+                  <a:srgbClr val="000000"/>
+                </a:solidFill>
+                <a:latin typeface="Times New Roman" panose="02020603050405020304" pitchFamily="18" charset="0"/>
+              </a:rPr>
+              <a:t> </a:t>
+            </a:r>
+            <a:r>
+              <a:rPr lang="en-US" sz="1800" b="0" i="0" u="none" strike="noStrike" baseline="0" dirty="0" err="1">
+                <a:solidFill>
+                  <a:srgbClr val="000000"/>
+                </a:solidFill>
+                <a:latin typeface="Times New Roman" panose="02020603050405020304" pitchFamily="18" charset="0"/>
+              </a:rPr>
+              <a:t>objek</a:t>
+            </a:r>
+            <a:r>
+              <a:rPr lang="en-US" sz="1800" b="0" i="0" u="none" strike="noStrike" baseline="0" dirty="0">
+                <a:solidFill>
+                  <a:srgbClr val="000000"/>
+                </a:solidFill>
+                <a:latin typeface="Times New Roman" panose="02020603050405020304" pitchFamily="18" charset="0"/>
+              </a:rPr>
+              <a:t> pada </a:t>
+            </a:r>
+            <a:r>
+              <a:rPr lang="en-US" sz="1800" b="0" i="0" u="none" strike="noStrike" baseline="0" dirty="0" err="1">
+                <a:solidFill>
+                  <a:srgbClr val="000000"/>
+                </a:solidFill>
+                <a:latin typeface="Times New Roman" panose="02020603050405020304" pitchFamily="18" charset="0"/>
+              </a:rPr>
+              <a:t>lingkungan</a:t>
+            </a:r>
+            <a:r>
+              <a:rPr lang="en-US" sz="1800" b="0" i="0" u="none" strike="noStrike" baseline="0" dirty="0">
+                <a:solidFill>
+                  <a:srgbClr val="000000"/>
+                </a:solidFill>
+                <a:latin typeface="Times New Roman" panose="02020603050405020304" pitchFamily="18" charset="0"/>
+              </a:rPr>
+              <a:t> yang </a:t>
+            </a:r>
+            <a:r>
+              <a:rPr lang="en-US" sz="1800" b="0" i="0" u="none" strike="noStrike" baseline="0" dirty="0" err="1">
+                <a:solidFill>
+                  <a:srgbClr val="000000"/>
+                </a:solidFill>
+                <a:latin typeface="Times New Roman" panose="02020603050405020304" pitchFamily="18" charset="0"/>
+              </a:rPr>
+              <a:t>dinyatakan</a:t>
+            </a:r>
+            <a:r>
+              <a:rPr lang="en-US" sz="1800" b="0" i="0" u="none" strike="noStrike" baseline="0" dirty="0">
+                <a:solidFill>
+                  <a:srgbClr val="000000"/>
+                </a:solidFill>
+                <a:latin typeface="Times New Roman" panose="02020603050405020304" pitchFamily="18" charset="0"/>
+              </a:rPr>
+              <a:t> </a:t>
+            </a:r>
+            <a:r>
+              <a:rPr lang="en-US" sz="1800" b="0" i="0" u="none" strike="noStrike" baseline="0" dirty="0" err="1">
+                <a:solidFill>
+                  <a:srgbClr val="000000"/>
+                </a:solidFill>
+                <a:latin typeface="Times New Roman" panose="02020603050405020304" pitchFamily="18" charset="0"/>
+              </a:rPr>
+              <a:t>dalam</a:t>
+            </a:r>
+            <a:r>
+              <a:rPr lang="en-US" sz="1800" b="0" i="0" u="none" strike="noStrike" baseline="0" dirty="0">
+                <a:solidFill>
+                  <a:srgbClr val="000000"/>
+                </a:solidFill>
+                <a:latin typeface="Times New Roman" panose="02020603050405020304" pitchFamily="18" charset="0"/>
+              </a:rPr>
+              <a:t> </a:t>
+            </a:r>
+            <a:r>
+              <a:rPr lang="en-US" sz="1800" b="0" i="0" u="none" strike="noStrike" baseline="0" dirty="0" err="1">
+                <a:solidFill>
+                  <a:srgbClr val="000000"/>
+                </a:solidFill>
+                <a:latin typeface="Times New Roman" panose="02020603050405020304" pitchFamily="18" charset="0"/>
+              </a:rPr>
+              <a:t>suatu</a:t>
+            </a:r>
+            <a:r>
+              <a:rPr lang="en-US" sz="1800" b="0" i="0" u="none" strike="noStrike" baseline="0" dirty="0">
+                <a:solidFill>
+                  <a:srgbClr val="000000"/>
+                </a:solidFill>
+                <a:latin typeface="Times New Roman" panose="02020603050405020304" pitchFamily="18" charset="0"/>
+              </a:rPr>
+              <a:t> </a:t>
+            </a:r>
+            <a:r>
+              <a:rPr lang="en-US" sz="1800" b="0" i="0" u="none" strike="noStrike" baseline="0" dirty="0" err="1">
+                <a:solidFill>
+                  <a:srgbClr val="000000"/>
+                </a:solidFill>
+                <a:latin typeface="Times New Roman" panose="02020603050405020304" pitchFamily="18" charset="0"/>
+              </a:rPr>
+              <a:t>kelas</a:t>
+            </a:r>
+            <a:r>
+              <a:rPr lang="en-US" sz="1800" b="0" i="0" u="none" strike="noStrike" baseline="0" dirty="0">
+                <a:solidFill>
+                  <a:srgbClr val="000000"/>
+                </a:solidFill>
+                <a:latin typeface="Times New Roman" panose="02020603050405020304" pitchFamily="18" charset="0"/>
+              </a:rPr>
+              <a:t> </a:t>
+            </a:r>
+            <a:r>
+              <a:rPr lang="en-US" sz="1800" b="0" i="0" u="none" strike="noStrike" baseline="0" dirty="0" err="1">
+                <a:solidFill>
+                  <a:srgbClr val="000000"/>
+                </a:solidFill>
+                <a:latin typeface="Times New Roman" panose="02020603050405020304" pitchFamily="18" charset="0"/>
+              </a:rPr>
+              <a:t>objek</a:t>
+            </a:r>
+            <a:r>
+              <a:rPr lang="en-US" sz="1800" b="0" i="0" u="none" strike="noStrike" baseline="0" dirty="0">
+                <a:solidFill>
+                  <a:srgbClr val="000000"/>
+                </a:solidFill>
+                <a:latin typeface="Times New Roman" panose="02020603050405020304" pitchFamily="18" charset="0"/>
+              </a:rPr>
+              <a:t>. </a:t>
+            </a:r>
+          </a:p>
+          <a:p>
+            <a:r>
+              <a:rPr lang="en-US" sz="1800" b="0" i="0" u="none" strike="noStrike" baseline="0" dirty="0" err="1">
+                <a:solidFill>
+                  <a:srgbClr val="000000"/>
+                </a:solidFill>
+                <a:latin typeface="Times New Roman" panose="02020603050405020304" pitchFamily="18" charset="0"/>
+              </a:rPr>
+              <a:t>Klasifikasi</a:t>
+            </a:r>
+            <a:r>
+              <a:rPr lang="en-US" sz="1800" b="0" i="0" u="none" strike="noStrike" baseline="0" dirty="0">
+                <a:solidFill>
+                  <a:srgbClr val="000000"/>
+                </a:solidFill>
+                <a:latin typeface="Times New Roman" panose="02020603050405020304" pitchFamily="18" charset="0"/>
+              </a:rPr>
+              <a:t> </a:t>
+            </a:r>
+            <a:r>
+              <a:rPr lang="en-US" sz="1800" b="0" i="0" u="none" strike="noStrike" baseline="0" dirty="0" err="1">
+                <a:solidFill>
+                  <a:srgbClr val="000000"/>
+                </a:solidFill>
+                <a:latin typeface="Times New Roman" panose="02020603050405020304" pitchFamily="18" charset="0"/>
+              </a:rPr>
+              <a:t>lahan</a:t>
+            </a:r>
+            <a:r>
+              <a:rPr lang="en-US" sz="1800" b="0" i="0" u="none" strike="noStrike" baseline="0" dirty="0">
+                <a:solidFill>
+                  <a:srgbClr val="000000"/>
+                </a:solidFill>
+                <a:latin typeface="Times New Roman" panose="02020603050405020304" pitchFamily="18" charset="0"/>
+              </a:rPr>
+              <a:t> </a:t>
+            </a:r>
+            <a:r>
+              <a:rPr lang="en-US" sz="1800" b="0" i="0" u="none" strike="noStrike" baseline="0" dirty="0" err="1">
+                <a:solidFill>
+                  <a:srgbClr val="000000"/>
+                </a:solidFill>
+                <a:latin typeface="Times New Roman" panose="02020603050405020304" pitchFamily="18" charset="0"/>
+              </a:rPr>
+              <a:t>berbasis</a:t>
+            </a:r>
+            <a:r>
+              <a:rPr lang="en-US" sz="1800" b="0" i="0" u="none" strike="noStrike" baseline="0" dirty="0">
+                <a:solidFill>
+                  <a:srgbClr val="000000"/>
+                </a:solidFill>
+                <a:latin typeface="Times New Roman" panose="02020603050405020304" pitchFamily="18" charset="0"/>
+              </a:rPr>
+              <a:t> </a:t>
+            </a:r>
+            <a:r>
+              <a:rPr lang="en-US" sz="1800" b="0" i="0" u="none" strike="noStrike" baseline="0" dirty="0" err="1">
+                <a:solidFill>
+                  <a:srgbClr val="000000"/>
+                </a:solidFill>
+                <a:latin typeface="Times New Roman" panose="02020603050405020304" pitchFamily="18" charset="0"/>
+              </a:rPr>
+              <a:t>objek</a:t>
+            </a:r>
+            <a:r>
+              <a:rPr lang="en-US" sz="1800" b="0" i="0" u="none" strike="noStrike" baseline="0" dirty="0">
+                <a:solidFill>
+                  <a:srgbClr val="000000"/>
+                </a:solidFill>
+                <a:latin typeface="Times New Roman" panose="02020603050405020304" pitchFamily="18" charset="0"/>
+              </a:rPr>
+              <a:t> </a:t>
+            </a:r>
+            <a:r>
+              <a:rPr lang="en-US" sz="1800" b="0" i="0" u="none" strike="noStrike" baseline="0" dirty="0" err="1">
+                <a:solidFill>
+                  <a:srgbClr val="000000"/>
+                </a:solidFill>
+                <a:latin typeface="Times New Roman" panose="02020603050405020304" pitchFamily="18" charset="0"/>
+              </a:rPr>
+              <a:t>mampu</a:t>
+            </a:r>
+            <a:r>
+              <a:rPr lang="en-US" sz="1800" b="0" i="0" u="none" strike="noStrike" baseline="0" dirty="0">
+                <a:solidFill>
+                  <a:srgbClr val="000000"/>
+                </a:solidFill>
+                <a:latin typeface="Times New Roman" panose="02020603050405020304" pitchFamily="18" charset="0"/>
+              </a:rPr>
+              <a:t> </a:t>
+            </a:r>
+            <a:r>
+              <a:rPr lang="en-US" sz="1800" b="0" i="0" u="none" strike="noStrike" baseline="0" dirty="0" err="1">
+                <a:solidFill>
+                  <a:srgbClr val="000000"/>
+                </a:solidFill>
+                <a:latin typeface="Times New Roman" panose="02020603050405020304" pitchFamily="18" charset="0"/>
+              </a:rPr>
+              <a:t>dilakukan</a:t>
+            </a:r>
+            <a:r>
+              <a:rPr lang="en-US" sz="1800" b="0" i="0" u="none" strike="noStrike" baseline="0" dirty="0">
+                <a:solidFill>
+                  <a:srgbClr val="000000"/>
+                </a:solidFill>
+                <a:latin typeface="Times New Roman" panose="02020603050405020304" pitchFamily="18" charset="0"/>
+              </a:rPr>
+              <a:t> </a:t>
+            </a:r>
+            <a:r>
+              <a:rPr lang="en-US" sz="1800" b="0" i="0" u="none" strike="noStrike" baseline="0" dirty="0" err="1">
+                <a:solidFill>
+                  <a:srgbClr val="000000"/>
+                </a:solidFill>
+                <a:latin typeface="Times New Roman" panose="02020603050405020304" pitchFamily="18" charset="0"/>
+              </a:rPr>
+              <a:t>secara</a:t>
+            </a:r>
+            <a:r>
+              <a:rPr lang="en-US" sz="1800" b="0" i="0" u="none" strike="noStrike" baseline="0" dirty="0">
+                <a:solidFill>
+                  <a:srgbClr val="000000"/>
+                </a:solidFill>
+                <a:latin typeface="Times New Roman" panose="02020603050405020304" pitchFamily="18" charset="0"/>
+              </a:rPr>
+              <a:t> </a:t>
+            </a:r>
+            <a:r>
+              <a:rPr lang="en-US" sz="1800" b="0" i="0" u="none" strike="noStrike" baseline="0" dirty="0" err="1">
+                <a:solidFill>
+                  <a:srgbClr val="000000"/>
+                </a:solidFill>
+                <a:latin typeface="Times New Roman" panose="02020603050405020304" pitchFamily="18" charset="0"/>
+              </a:rPr>
+              <a:t>otomatis</a:t>
+            </a:r>
+            <a:r>
+              <a:rPr lang="en-US" sz="1800" b="0" i="0" u="none" strike="noStrike" baseline="0" dirty="0">
+                <a:solidFill>
+                  <a:srgbClr val="000000"/>
+                </a:solidFill>
+                <a:latin typeface="Times New Roman" panose="02020603050405020304" pitchFamily="18" charset="0"/>
+              </a:rPr>
+              <a:t> </a:t>
+            </a:r>
+            <a:r>
+              <a:rPr lang="en-US" sz="1800" b="0" i="0" u="none" strike="noStrike" baseline="0" dirty="0" err="1">
+                <a:solidFill>
+                  <a:srgbClr val="000000"/>
+                </a:solidFill>
+                <a:latin typeface="Times New Roman" panose="02020603050405020304" pitchFamily="18" charset="0"/>
+              </a:rPr>
+              <a:t>dengan</a:t>
+            </a:r>
+            <a:r>
+              <a:rPr lang="en-US" sz="1800" b="0" i="0" u="none" strike="noStrike" baseline="0" dirty="0">
+                <a:solidFill>
+                  <a:srgbClr val="000000"/>
+                </a:solidFill>
+                <a:latin typeface="Times New Roman" panose="02020603050405020304" pitchFamily="18" charset="0"/>
+              </a:rPr>
+              <a:t> </a:t>
+            </a:r>
+            <a:r>
+              <a:rPr lang="en-US" sz="1800" b="0" i="0" u="none" strike="noStrike" baseline="0" dirty="0" err="1">
+                <a:solidFill>
+                  <a:srgbClr val="000000"/>
+                </a:solidFill>
+                <a:latin typeface="Times New Roman" panose="02020603050405020304" pitchFamily="18" charset="0"/>
+              </a:rPr>
+              <a:t>algoritma</a:t>
+            </a:r>
+            <a:r>
+              <a:rPr lang="en-US" sz="1800" b="0" i="0" u="none" strike="noStrike" baseline="0" dirty="0">
+                <a:solidFill>
+                  <a:srgbClr val="000000"/>
+                </a:solidFill>
+                <a:latin typeface="Times New Roman" panose="02020603050405020304" pitchFamily="18" charset="0"/>
+              </a:rPr>
+              <a:t> CNN (Fan et al., 2020). </a:t>
+            </a:r>
+          </a:p>
+          <a:p>
+            <a:r>
+              <a:rPr lang="en-US" sz="1800" b="0" i="0" u="none" strike="noStrike" baseline="0" dirty="0">
+                <a:solidFill>
+                  <a:srgbClr val="000000"/>
+                </a:solidFill>
+                <a:latin typeface="Times New Roman" panose="02020603050405020304" pitchFamily="18" charset="0"/>
+              </a:rPr>
+              <a:t>Model </a:t>
+            </a:r>
+            <a:r>
+              <a:rPr lang="en-US" sz="1800" b="0" i="0" u="none" strike="noStrike" baseline="0" dirty="0" err="1">
+                <a:solidFill>
+                  <a:srgbClr val="000000"/>
+                </a:solidFill>
+                <a:latin typeface="Times New Roman" panose="02020603050405020304" pitchFamily="18" charset="0"/>
+              </a:rPr>
+              <a:t>algoritma</a:t>
+            </a:r>
+            <a:r>
+              <a:rPr lang="en-US" sz="1800" b="0" i="0" u="none" strike="noStrike" baseline="0" dirty="0">
+                <a:solidFill>
+                  <a:srgbClr val="000000"/>
+                </a:solidFill>
+                <a:latin typeface="Times New Roman" panose="02020603050405020304" pitchFamily="18" charset="0"/>
+              </a:rPr>
+              <a:t> CNN </a:t>
+            </a:r>
+            <a:r>
+              <a:rPr lang="en-US" sz="1800" b="0" i="0" u="none" strike="noStrike" baseline="0" dirty="0" err="1">
+                <a:solidFill>
+                  <a:srgbClr val="000000"/>
+                </a:solidFill>
+                <a:latin typeface="Times New Roman" panose="02020603050405020304" pitchFamily="18" charset="0"/>
+              </a:rPr>
+              <a:t>terdiri</a:t>
+            </a:r>
+            <a:r>
+              <a:rPr lang="en-US" sz="1800" b="0" i="0" u="none" strike="noStrike" baseline="0" dirty="0">
+                <a:solidFill>
+                  <a:srgbClr val="000000"/>
+                </a:solidFill>
+                <a:latin typeface="Times New Roman" panose="02020603050405020304" pitchFamily="18" charset="0"/>
+              </a:rPr>
+              <a:t> </a:t>
+            </a:r>
+            <a:r>
+              <a:rPr lang="en-US" sz="1800" b="0" i="0" u="none" strike="noStrike" baseline="0" dirty="0" err="1">
+                <a:solidFill>
+                  <a:srgbClr val="000000"/>
+                </a:solidFill>
+                <a:latin typeface="Times New Roman" panose="02020603050405020304" pitchFamily="18" charset="0"/>
+              </a:rPr>
+              <a:t>dari</a:t>
+            </a:r>
+            <a:r>
+              <a:rPr lang="en-US" sz="1800" b="0" i="0" u="none" strike="noStrike" baseline="0" dirty="0">
+                <a:solidFill>
+                  <a:srgbClr val="000000"/>
+                </a:solidFill>
+                <a:latin typeface="Times New Roman" panose="02020603050405020304" pitchFamily="18" charset="0"/>
+              </a:rPr>
+              <a:t> neuron/</a:t>
+            </a:r>
+            <a:r>
+              <a:rPr lang="en-US" sz="1800" b="0" i="0" u="none" strike="noStrike" baseline="0" dirty="0" err="1">
+                <a:solidFill>
+                  <a:srgbClr val="000000"/>
+                </a:solidFill>
+                <a:latin typeface="Times New Roman" panose="02020603050405020304" pitchFamily="18" charset="0"/>
+              </a:rPr>
+              <a:t>jaringan</a:t>
+            </a:r>
+            <a:r>
+              <a:rPr lang="en-US" sz="1800" b="0" i="0" u="none" strike="noStrike" baseline="0" dirty="0">
+                <a:solidFill>
+                  <a:srgbClr val="000000"/>
+                </a:solidFill>
+                <a:latin typeface="Times New Roman" panose="02020603050405020304" pitchFamily="18" charset="0"/>
+              </a:rPr>
+              <a:t> </a:t>
+            </a:r>
+            <a:r>
+              <a:rPr lang="en-US" sz="1800" b="0" i="0" u="none" strike="noStrike" baseline="0" dirty="0" err="1">
+                <a:solidFill>
+                  <a:srgbClr val="000000"/>
+                </a:solidFill>
+                <a:latin typeface="Times New Roman" panose="02020603050405020304" pitchFamily="18" charset="0"/>
+              </a:rPr>
+              <a:t>sistem</a:t>
+            </a:r>
+            <a:r>
+              <a:rPr lang="en-US" sz="1800" b="0" i="0" u="none" strike="noStrike" baseline="0" dirty="0">
+                <a:solidFill>
+                  <a:srgbClr val="000000"/>
+                </a:solidFill>
+                <a:latin typeface="Times New Roman" panose="02020603050405020304" pitchFamily="18" charset="0"/>
+              </a:rPr>
+              <a:t> neuron yang </a:t>
+            </a:r>
+            <a:r>
+              <a:rPr lang="en-US" sz="1800" b="0" i="0" u="none" strike="noStrike" baseline="0" dirty="0" err="1">
+                <a:solidFill>
+                  <a:srgbClr val="000000"/>
+                </a:solidFill>
+                <a:latin typeface="Times New Roman" panose="02020603050405020304" pitchFamily="18" charset="0"/>
+              </a:rPr>
+              <a:t>memiliki</a:t>
+            </a:r>
+            <a:r>
+              <a:rPr lang="en-US" sz="1800" b="0" i="0" u="none" strike="noStrike" baseline="0" dirty="0">
+                <a:solidFill>
+                  <a:srgbClr val="000000"/>
+                </a:solidFill>
+                <a:latin typeface="Times New Roman" panose="02020603050405020304" pitchFamily="18" charset="0"/>
+              </a:rPr>
+              <a:t> </a:t>
+            </a:r>
+            <a:r>
+              <a:rPr lang="en-US" sz="1800" b="0" i="0" u="none" strike="noStrike" baseline="0" dirty="0" err="1">
+                <a:solidFill>
+                  <a:srgbClr val="000000"/>
+                </a:solidFill>
+                <a:latin typeface="Times New Roman" panose="02020603050405020304" pitchFamily="18" charset="0"/>
+              </a:rPr>
+              <a:t>bobot</a:t>
+            </a:r>
+            <a:r>
+              <a:rPr lang="en-US" sz="1800" b="0" i="0" u="none" strike="noStrike" baseline="0" dirty="0">
+                <a:solidFill>
+                  <a:srgbClr val="000000"/>
+                </a:solidFill>
+                <a:latin typeface="Times New Roman" panose="02020603050405020304" pitchFamily="18" charset="0"/>
+              </a:rPr>
+              <a:t> dan bias </a:t>
+            </a:r>
+            <a:r>
+              <a:rPr lang="en-US" sz="1800" b="0" i="0" u="none" strike="noStrike" baseline="0" dirty="0" err="1">
+                <a:solidFill>
+                  <a:srgbClr val="000000"/>
+                </a:solidFill>
+                <a:latin typeface="Times New Roman" panose="02020603050405020304" pitchFamily="18" charset="0"/>
+              </a:rPr>
+              <a:t>pembelajaran</a:t>
+            </a:r>
+            <a:r>
+              <a:rPr lang="en-US" sz="1800" b="0" i="0" u="none" strike="noStrike" baseline="0" dirty="0">
+                <a:solidFill>
+                  <a:srgbClr val="000000"/>
+                </a:solidFill>
+                <a:latin typeface="Times New Roman" panose="02020603050405020304" pitchFamily="18" charset="0"/>
+              </a:rPr>
+              <a:t> yang </a:t>
+            </a:r>
+            <a:r>
+              <a:rPr lang="en-US" sz="1800" b="0" i="0" u="none" strike="noStrike" baseline="0" dirty="0" err="1">
+                <a:solidFill>
+                  <a:srgbClr val="000000"/>
+                </a:solidFill>
+                <a:latin typeface="Times New Roman" panose="02020603050405020304" pitchFamily="18" charset="0"/>
+              </a:rPr>
+              <a:t>apabila</a:t>
+            </a:r>
+            <a:r>
+              <a:rPr lang="en-US" sz="1800" b="0" i="0" u="none" strike="noStrike" baseline="0" dirty="0">
+                <a:solidFill>
+                  <a:srgbClr val="000000"/>
+                </a:solidFill>
+                <a:latin typeface="Times New Roman" panose="02020603050405020304" pitchFamily="18" charset="0"/>
+              </a:rPr>
+              <a:t> </a:t>
+            </a:r>
+            <a:r>
+              <a:rPr lang="en-US" sz="1800" b="0" i="0" u="none" strike="noStrike" baseline="0" dirty="0" err="1">
+                <a:solidFill>
+                  <a:srgbClr val="000000"/>
+                </a:solidFill>
+                <a:latin typeface="Times New Roman" panose="02020603050405020304" pitchFamily="18" charset="0"/>
+              </a:rPr>
+              <a:t>digabungan</a:t>
+            </a:r>
+            <a:r>
+              <a:rPr lang="en-US" sz="1800" b="0" i="0" u="none" strike="noStrike" baseline="0" dirty="0">
+                <a:solidFill>
+                  <a:srgbClr val="000000"/>
+                </a:solidFill>
+                <a:latin typeface="Times New Roman" panose="02020603050405020304" pitchFamily="18" charset="0"/>
+              </a:rPr>
+              <a:t>, </a:t>
+            </a:r>
+            <a:r>
+              <a:rPr lang="en-US" sz="1800" b="0" i="0" u="none" strike="noStrike" baseline="0" dirty="0" err="1">
+                <a:solidFill>
+                  <a:srgbClr val="000000"/>
+                </a:solidFill>
+                <a:latin typeface="Times New Roman" panose="02020603050405020304" pitchFamily="18" charset="0"/>
+              </a:rPr>
+              <a:t>sistem</a:t>
+            </a:r>
+            <a:r>
+              <a:rPr lang="en-US" sz="1800" b="0" i="0" u="none" strike="noStrike" baseline="0" dirty="0">
+                <a:solidFill>
+                  <a:srgbClr val="000000"/>
+                </a:solidFill>
+                <a:latin typeface="Times New Roman" panose="02020603050405020304" pitchFamily="18" charset="0"/>
+              </a:rPr>
+              <a:t> </a:t>
+            </a:r>
+            <a:r>
+              <a:rPr lang="en-US" sz="1800" b="0" i="0" u="none" strike="noStrike" baseline="0" dirty="0" err="1">
+                <a:solidFill>
+                  <a:srgbClr val="000000"/>
+                </a:solidFill>
+                <a:latin typeface="Times New Roman" panose="02020603050405020304" pitchFamily="18" charset="0"/>
+              </a:rPr>
+              <a:t>jaringan</a:t>
+            </a:r>
+            <a:r>
+              <a:rPr lang="en-US" sz="1800" b="0" i="0" u="none" strike="noStrike" baseline="0" dirty="0">
+                <a:solidFill>
+                  <a:srgbClr val="000000"/>
+                </a:solidFill>
+                <a:latin typeface="Times New Roman" panose="02020603050405020304" pitchFamily="18" charset="0"/>
+              </a:rPr>
+              <a:t> neuron </a:t>
+            </a:r>
+            <a:r>
+              <a:rPr lang="en-US" sz="1800" b="0" i="0" u="none" strike="noStrike" baseline="0" dirty="0" err="1">
+                <a:solidFill>
+                  <a:srgbClr val="000000"/>
+                </a:solidFill>
+                <a:latin typeface="Times New Roman" panose="02020603050405020304" pitchFamily="18" charset="0"/>
+              </a:rPr>
+              <a:t>akan</a:t>
+            </a:r>
+            <a:r>
+              <a:rPr lang="en-US" sz="1800" b="0" i="0" u="none" strike="noStrike" baseline="0" dirty="0">
+                <a:solidFill>
+                  <a:srgbClr val="000000"/>
+                </a:solidFill>
+                <a:latin typeface="Times New Roman" panose="02020603050405020304" pitchFamily="18" charset="0"/>
+              </a:rPr>
+              <a:t> </a:t>
+            </a:r>
+            <a:r>
+              <a:rPr lang="en-US" sz="1800" b="0" i="0" u="none" strike="noStrike" baseline="0" dirty="0" err="1">
+                <a:solidFill>
+                  <a:srgbClr val="000000"/>
+                </a:solidFill>
+                <a:latin typeface="Times New Roman" panose="02020603050405020304" pitchFamily="18" charset="0"/>
+              </a:rPr>
+              <a:t>mampu</a:t>
+            </a:r>
+            <a:r>
+              <a:rPr lang="en-US" sz="1800" b="0" i="0" u="none" strike="noStrike" baseline="0" dirty="0">
+                <a:solidFill>
+                  <a:srgbClr val="000000"/>
+                </a:solidFill>
+                <a:latin typeface="Times New Roman" panose="02020603050405020304" pitchFamily="18" charset="0"/>
+              </a:rPr>
+              <a:t> </a:t>
+            </a:r>
+            <a:r>
+              <a:rPr lang="en-US" sz="1800" b="0" i="0" u="none" strike="noStrike" baseline="0" dirty="0" err="1">
+                <a:solidFill>
+                  <a:srgbClr val="000000"/>
+                </a:solidFill>
+                <a:latin typeface="Times New Roman" panose="02020603050405020304" pitchFamily="18" charset="0"/>
+              </a:rPr>
+              <a:t>memetakan</a:t>
+            </a:r>
+            <a:r>
+              <a:rPr lang="en-US" sz="1800" b="0" i="0" u="none" strike="noStrike" baseline="0" dirty="0">
+                <a:solidFill>
+                  <a:srgbClr val="000000"/>
+                </a:solidFill>
+                <a:latin typeface="Times New Roman" panose="02020603050405020304" pitchFamily="18" charset="0"/>
+              </a:rPr>
+              <a:t> dan </a:t>
+            </a:r>
+            <a:r>
+              <a:rPr lang="en-US" sz="1800" b="0" i="0" u="none" strike="noStrike" baseline="0" dirty="0" err="1">
+                <a:solidFill>
+                  <a:srgbClr val="000000"/>
+                </a:solidFill>
+                <a:latin typeface="Times New Roman" panose="02020603050405020304" pitchFamily="18" charset="0"/>
+              </a:rPr>
+              <a:t>membedakan</a:t>
+            </a:r>
+            <a:r>
+              <a:rPr lang="en-US" sz="1800" b="0" i="0" u="none" strike="noStrike" baseline="0" dirty="0">
+                <a:solidFill>
+                  <a:srgbClr val="000000"/>
+                </a:solidFill>
+                <a:latin typeface="Times New Roman" panose="02020603050405020304" pitchFamily="18" charset="0"/>
+              </a:rPr>
+              <a:t> </a:t>
+            </a:r>
+            <a:r>
+              <a:rPr lang="en-US" sz="1800" b="0" i="0" u="none" strike="noStrike" baseline="0" dirty="0" err="1">
+                <a:solidFill>
+                  <a:srgbClr val="000000"/>
+                </a:solidFill>
+                <a:latin typeface="Times New Roman" panose="02020603050405020304" pitchFamily="18" charset="0"/>
+              </a:rPr>
+              <a:t>piksel</a:t>
+            </a:r>
+            <a:r>
+              <a:rPr lang="en-US" sz="1800" b="0" i="0" u="none" strike="noStrike" baseline="0" dirty="0">
+                <a:solidFill>
+                  <a:srgbClr val="000000"/>
+                </a:solidFill>
+                <a:latin typeface="Times New Roman" panose="02020603050405020304" pitchFamily="18" charset="0"/>
+              </a:rPr>
+              <a:t> </a:t>
+            </a:r>
+            <a:r>
+              <a:rPr lang="en-US" sz="1800" b="0" i="0" u="none" strike="noStrike" baseline="0" dirty="0" err="1">
+                <a:solidFill>
+                  <a:srgbClr val="000000"/>
+                </a:solidFill>
+                <a:latin typeface="Times New Roman" panose="02020603050405020304" pitchFamily="18" charset="0"/>
+              </a:rPr>
+              <a:t>ke</a:t>
+            </a:r>
+            <a:r>
+              <a:rPr lang="en-US" sz="1800" b="0" i="0" u="none" strike="noStrike" baseline="0" dirty="0">
+                <a:solidFill>
+                  <a:srgbClr val="000000"/>
+                </a:solidFill>
+                <a:latin typeface="Times New Roman" panose="02020603050405020304" pitchFamily="18" charset="0"/>
+              </a:rPr>
+              <a:t> </a:t>
+            </a:r>
+            <a:r>
+              <a:rPr lang="en-US" sz="1800" b="0" i="0" u="none" strike="noStrike" baseline="0" dirty="0" err="1">
+                <a:solidFill>
+                  <a:srgbClr val="000000"/>
+                </a:solidFill>
+                <a:latin typeface="Times New Roman" panose="02020603050405020304" pitchFamily="18" charset="0"/>
+              </a:rPr>
+              <a:t>dalam</a:t>
+            </a:r>
+            <a:r>
+              <a:rPr lang="en-US" sz="1800" b="0" i="0" u="none" strike="noStrike" baseline="0" dirty="0">
+                <a:solidFill>
+                  <a:srgbClr val="000000"/>
+                </a:solidFill>
+                <a:latin typeface="Times New Roman" panose="02020603050405020304" pitchFamily="18" charset="0"/>
+              </a:rPr>
+              <a:t> </a:t>
+            </a:r>
+            <a:r>
+              <a:rPr lang="en-US" sz="1800" b="0" i="0" u="none" strike="noStrike" baseline="0" dirty="0" err="1">
+                <a:solidFill>
+                  <a:srgbClr val="000000"/>
+                </a:solidFill>
+                <a:latin typeface="Times New Roman" panose="02020603050405020304" pitchFamily="18" charset="0"/>
+              </a:rPr>
+              <a:t>kelas</a:t>
+            </a:r>
+            <a:r>
+              <a:rPr lang="en-US" sz="1800" b="0" i="0" u="none" strike="noStrike" baseline="0" dirty="0">
+                <a:solidFill>
+                  <a:srgbClr val="000000"/>
+                </a:solidFill>
+                <a:latin typeface="Times New Roman" panose="02020603050405020304" pitchFamily="18" charset="0"/>
+              </a:rPr>
+              <a:t> yang </a:t>
+            </a:r>
+            <a:r>
+              <a:rPr lang="en-US" sz="1800" b="0" i="0" u="none" strike="noStrike" baseline="0" dirty="0" err="1">
+                <a:solidFill>
+                  <a:srgbClr val="000000"/>
+                </a:solidFill>
+                <a:latin typeface="Times New Roman" panose="02020603050405020304" pitchFamily="18" charset="0"/>
+              </a:rPr>
+              <a:t>telah</a:t>
+            </a:r>
+            <a:r>
+              <a:rPr lang="en-US" sz="1800" b="0" i="0" u="none" strike="noStrike" baseline="0" dirty="0">
+                <a:solidFill>
+                  <a:srgbClr val="000000"/>
+                </a:solidFill>
+                <a:latin typeface="Times New Roman" panose="02020603050405020304" pitchFamily="18" charset="0"/>
+              </a:rPr>
+              <a:t> </a:t>
+            </a:r>
+            <a:r>
+              <a:rPr lang="en-US" sz="1800" b="0" i="0" u="none" strike="noStrike" baseline="0" dirty="0" err="1">
+                <a:solidFill>
+                  <a:srgbClr val="000000"/>
+                </a:solidFill>
+                <a:latin typeface="Times New Roman" panose="02020603050405020304" pitchFamily="18" charset="0"/>
+              </a:rPr>
+              <a:t>didefinisikan</a:t>
+            </a:r>
+            <a:r>
+              <a:rPr lang="en-US" sz="1800" b="0" i="0" u="none" strike="noStrike" baseline="0" dirty="0">
+                <a:solidFill>
+                  <a:srgbClr val="000000"/>
+                </a:solidFill>
+                <a:latin typeface="Times New Roman" panose="02020603050405020304" pitchFamily="18" charset="0"/>
+              </a:rPr>
+              <a:t> (Memon et al., 2021). </a:t>
+            </a:r>
+            <a:endParaRPr lang="en-US" sz="1800" dirty="0">
+              <a:solidFill>
+                <a:srgbClr val="000000"/>
+              </a:solidFill>
+              <a:latin typeface="Times New Roman" panose="02020603050405020304" pitchFamily="18" charset="0"/>
+            </a:endParaRPr>
+          </a:p>
+          <a:p>
+            <a:r>
+              <a:rPr lang="en-US" sz="1800" b="0" i="0" u="none" strike="noStrike" baseline="0" dirty="0">
+                <a:solidFill>
+                  <a:srgbClr val="000000"/>
+                </a:solidFill>
+                <a:latin typeface="Times New Roman" panose="02020603050405020304" pitchFamily="18" charset="0"/>
+              </a:rPr>
+              <a:t>Model </a:t>
+            </a:r>
+            <a:r>
+              <a:rPr lang="en-US" sz="1800" b="0" i="0" u="none" strike="noStrike" baseline="0" dirty="0" err="1">
+                <a:solidFill>
+                  <a:srgbClr val="000000"/>
+                </a:solidFill>
+                <a:latin typeface="Times New Roman" panose="02020603050405020304" pitchFamily="18" charset="0"/>
+              </a:rPr>
+              <a:t>klasifikasi</a:t>
+            </a:r>
+            <a:r>
+              <a:rPr lang="en-US" sz="1800" b="0" i="0" u="none" strike="noStrike" baseline="0" dirty="0">
+                <a:solidFill>
+                  <a:srgbClr val="000000"/>
+                </a:solidFill>
+                <a:latin typeface="Times New Roman" panose="02020603050405020304" pitchFamily="18" charset="0"/>
+              </a:rPr>
+              <a:t> </a:t>
+            </a:r>
+            <a:r>
+              <a:rPr lang="en-US" sz="1800" b="0" i="0" u="none" strike="noStrike" baseline="0" dirty="0" err="1">
+                <a:solidFill>
+                  <a:srgbClr val="000000"/>
+                </a:solidFill>
+                <a:latin typeface="Times New Roman" panose="02020603050405020304" pitchFamily="18" charset="0"/>
+              </a:rPr>
+              <a:t>dengan</a:t>
+            </a:r>
+            <a:r>
+              <a:rPr lang="en-US" sz="1800" b="0" i="0" u="none" strike="noStrike" baseline="0" dirty="0">
+                <a:solidFill>
+                  <a:srgbClr val="000000"/>
+                </a:solidFill>
+                <a:latin typeface="Times New Roman" panose="02020603050405020304" pitchFamily="18" charset="0"/>
+              </a:rPr>
+              <a:t> CNN </a:t>
+            </a:r>
+            <a:r>
+              <a:rPr lang="en-US" sz="1800" b="0" i="0" u="none" strike="noStrike" baseline="0" dirty="0" err="1">
+                <a:solidFill>
+                  <a:srgbClr val="000000"/>
+                </a:solidFill>
+                <a:latin typeface="Times New Roman" panose="02020603050405020304" pitchFamily="18" charset="0"/>
+              </a:rPr>
+              <a:t>dapat</a:t>
+            </a:r>
+            <a:r>
+              <a:rPr lang="en-US" sz="1800" b="0" i="0" u="none" strike="noStrike" baseline="0" dirty="0">
+                <a:solidFill>
+                  <a:srgbClr val="000000"/>
+                </a:solidFill>
+                <a:latin typeface="Times New Roman" panose="02020603050405020304" pitchFamily="18" charset="0"/>
+              </a:rPr>
+              <a:t> </a:t>
+            </a:r>
+            <a:r>
+              <a:rPr lang="en-US" sz="1800" b="0" i="0" u="none" strike="noStrike" baseline="0" dirty="0" err="1">
+                <a:solidFill>
+                  <a:srgbClr val="000000"/>
+                </a:solidFill>
+                <a:latin typeface="Times New Roman" panose="02020603050405020304" pitchFamily="18" charset="0"/>
+              </a:rPr>
+              <a:t>dikatakan</a:t>
+            </a:r>
+            <a:r>
+              <a:rPr lang="en-US" sz="1800" b="0" i="0" u="none" strike="noStrike" baseline="0" dirty="0">
+                <a:solidFill>
+                  <a:srgbClr val="000000"/>
+                </a:solidFill>
+                <a:latin typeface="Times New Roman" panose="02020603050405020304" pitchFamily="18" charset="0"/>
+              </a:rPr>
+              <a:t> </a:t>
+            </a:r>
+            <a:r>
+              <a:rPr lang="en-US" sz="1800" b="0" i="0" u="none" strike="noStrike" baseline="0" dirty="0" err="1">
+                <a:solidFill>
+                  <a:srgbClr val="000000"/>
+                </a:solidFill>
+                <a:latin typeface="Times New Roman" panose="02020603050405020304" pitchFamily="18" charset="0"/>
+              </a:rPr>
+              <a:t>baik</a:t>
+            </a:r>
+            <a:r>
+              <a:rPr lang="en-US" sz="1800" b="0" i="0" u="none" strike="noStrike" baseline="0" dirty="0">
+                <a:solidFill>
+                  <a:srgbClr val="000000"/>
+                </a:solidFill>
+                <a:latin typeface="Times New Roman" panose="02020603050405020304" pitchFamily="18" charset="0"/>
+              </a:rPr>
+              <a:t> </a:t>
+            </a:r>
+            <a:r>
+              <a:rPr lang="en-US" sz="1800" b="0" i="0" u="none" strike="noStrike" baseline="0" dirty="0" err="1">
+                <a:solidFill>
+                  <a:srgbClr val="000000"/>
+                </a:solidFill>
+                <a:latin typeface="Times New Roman" panose="02020603050405020304" pitchFamily="18" charset="0"/>
+              </a:rPr>
+              <a:t>apabila</a:t>
+            </a:r>
+            <a:r>
+              <a:rPr lang="en-US" sz="1800" b="0" i="0" u="none" strike="noStrike" baseline="0" dirty="0">
+                <a:solidFill>
+                  <a:srgbClr val="000000"/>
+                </a:solidFill>
+                <a:latin typeface="Times New Roman" panose="02020603050405020304" pitchFamily="18" charset="0"/>
+              </a:rPr>
+              <a:t> </a:t>
+            </a:r>
+            <a:r>
+              <a:rPr lang="en-US" sz="1800" b="0" i="0" u="none" strike="noStrike" baseline="0" dirty="0" err="1">
+                <a:solidFill>
+                  <a:srgbClr val="000000"/>
+                </a:solidFill>
+                <a:latin typeface="Times New Roman" panose="02020603050405020304" pitchFamily="18" charset="0"/>
+              </a:rPr>
+              <a:t>memiliki</a:t>
+            </a:r>
+            <a:r>
+              <a:rPr lang="en-US" sz="1800" b="0" i="0" u="none" strike="noStrike" baseline="0" dirty="0">
+                <a:solidFill>
+                  <a:srgbClr val="000000"/>
+                </a:solidFill>
+                <a:latin typeface="Times New Roman" panose="02020603050405020304" pitchFamily="18" charset="0"/>
+              </a:rPr>
+              <a:t> </a:t>
+            </a:r>
+            <a:r>
+              <a:rPr lang="en-US" sz="1800" b="0" i="1" u="none" strike="noStrike" baseline="0" dirty="0">
+                <a:solidFill>
+                  <a:srgbClr val="000000"/>
+                </a:solidFill>
+                <a:latin typeface="Times New Roman" panose="02020603050405020304" pitchFamily="18" charset="0"/>
+              </a:rPr>
+              <a:t>overall accuracy </a:t>
+            </a:r>
+            <a:r>
+              <a:rPr lang="en-US" sz="1800" b="0" i="0" u="none" strike="noStrike" baseline="0" dirty="0" err="1">
+                <a:solidFill>
+                  <a:srgbClr val="000000"/>
+                </a:solidFill>
+                <a:latin typeface="Times New Roman" panose="02020603050405020304" pitchFamily="18" charset="0"/>
+              </a:rPr>
+              <a:t>lebih</a:t>
+            </a:r>
+            <a:r>
+              <a:rPr lang="en-US" sz="1800" b="0" i="0" u="none" strike="noStrike" baseline="0" dirty="0">
+                <a:solidFill>
+                  <a:srgbClr val="000000"/>
+                </a:solidFill>
+                <a:latin typeface="Times New Roman" panose="02020603050405020304" pitchFamily="18" charset="0"/>
+              </a:rPr>
+              <a:t> </a:t>
+            </a:r>
+            <a:r>
+              <a:rPr lang="en-US" sz="1800" b="0" i="0" u="none" strike="noStrike" baseline="0" dirty="0" err="1">
+                <a:solidFill>
+                  <a:srgbClr val="000000"/>
+                </a:solidFill>
+                <a:latin typeface="Times New Roman" panose="02020603050405020304" pitchFamily="18" charset="0"/>
+              </a:rPr>
+              <a:t>dari</a:t>
+            </a:r>
+            <a:r>
+              <a:rPr lang="en-US" sz="1800" b="0" i="0" u="none" strike="noStrike" baseline="0" dirty="0">
+                <a:solidFill>
+                  <a:srgbClr val="000000"/>
+                </a:solidFill>
+                <a:latin typeface="Times New Roman" panose="02020603050405020304" pitchFamily="18" charset="0"/>
+              </a:rPr>
+              <a:t>/</a:t>
+            </a:r>
+            <a:r>
+              <a:rPr lang="en-US" sz="1800" b="0" i="0" u="none" strike="noStrike" baseline="0" dirty="0" err="1">
+                <a:solidFill>
+                  <a:srgbClr val="000000"/>
+                </a:solidFill>
+                <a:latin typeface="Times New Roman" panose="02020603050405020304" pitchFamily="18" charset="0"/>
+              </a:rPr>
+              <a:t>sama</a:t>
+            </a:r>
+            <a:r>
+              <a:rPr lang="en-US" sz="1800" b="0" i="0" u="none" strike="noStrike" baseline="0" dirty="0">
+                <a:solidFill>
+                  <a:srgbClr val="000000"/>
+                </a:solidFill>
+                <a:latin typeface="Times New Roman" panose="02020603050405020304" pitchFamily="18" charset="0"/>
+              </a:rPr>
+              <a:t> </a:t>
+            </a:r>
+            <a:r>
+              <a:rPr lang="en-US" sz="1800" b="0" i="0" u="none" strike="noStrike" baseline="0" dirty="0" err="1">
+                <a:solidFill>
+                  <a:srgbClr val="000000"/>
+                </a:solidFill>
+                <a:latin typeface="Times New Roman" panose="02020603050405020304" pitchFamily="18" charset="0"/>
+              </a:rPr>
+              <a:t>dengan</a:t>
+            </a:r>
+            <a:r>
+              <a:rPr lang="en-US" sz="1800" b="0" i="0" u="none" strike="noStrike" baseline="0" dirty="0">
+                <a:solidFill>
+                  <a:srgbClr val="000000"/>
+                </a:solidFill>
+                <a:latin typeface="Times New Roman" panose="02020603050405020304" pitchFamily="18" charset="0"/>
+              </a:rPr>
+              <a:t> 81,7% (</a:t>
+            </a:r>
+            <a:r>
+              <a:rPr lang="en-US" sz="1800" b="0" i="0" u="none" strike="noStrike" baseline="0" dirty="0" err="1">
+                <a:solidFill>
+                  <a:srgbClr val="000000"/>
+                </a:solidFill>
+                <a:latin typeface="Times New Roman" panose="02020603050405020304" pitchFamily="18" charset="0"/>
+              </a:rPr>
+              <a:t>Rwanga</a:t>
+            </a:r>
+            <a:r>
+              <a:rPr lang="en-US" sz="1800" b="0" i="0" u="none" strike="noStrike" baseline="0" dirty="0">
+                <a:solidFill>
+                  <a:srgbClr val="000000"/>
+                </a:solidFill>
+                <a:latin typeface="Times New Roman" panose="02020603050405020304" pitchFamily="18" charset="0"/>
+              </a:rPr>
+              <a:t> &amp; </a:t>
+            </a:r>
+            <a:r>
+              <a:rPr lang="en-US" sz="1800" b="0" i="0" u="none" strike="noStrike" baseline="0" dirty="0" err="1">
+                <a:solidFill>
+                  <a:srgbClr val="000000"/>
+                </a:solidFill>
+                <a:latin typeface="Times New Roman" panose="02020603050405020304" pitchFamily="18" charset="0"/>
+              </a:rPr>
+              <a:t>Ndambuki</a:t>
+            </a:r>
+            <a:r>
+              <a:rPr lang="en-US" sz="1800" b="0" i="0" u="none" strike="noStrike" baseline="0" dirty="0">
+                <a:solidFill>
+                  <a:srgbClr val="000000"/>
+                </a:solidFill>
+                <a:latin typeface="Times New Roman" panose="02020603050405020304" pitchFamily="18" charset="0"/>
+              </a:rPr>
+              <a:t>, 2017).</a:t>
+            </a:r>
+          </a:p>
+          <a:p>
+            <a:r>
+              <a:rPr lang="en-US" sz="1800" dirty="0" err="1">
+                <a:solidFill>
+                  <a:srgbClr val="000000"/>
+                </a:solidFill>
+                <a:latin typeface="Times New Roman" panose="02020603050405020304" pitchFamily="18" charset="0"/>
+              </a:rPr>
+              <a:t>Dengan</a:t>
+            </a:r>
+            <a:r>
+              <a:rPr lang="en-US" sz="1800" dirty="0">
+                <a:solidFill>
+                  <a:srgbClr val="000000"/>
+                </a:solidFill>
+                <a:latin typeface="Times New Roman" panose="02020603050405020304" pitchFamily="18" charset="0"/>
+              </a:rPr>
+              <a:t> </a:t>
+            </a:r>
+            <a:r>
+              <a:rPr lang="en-US" sz="1800" dirty="0" err="1">
+                <a:solidFill>
+                  <a:srgbClr val="000000"/>
+                </a:solidFill>
+                <a:latin typeface="Times New Roman" panose="02020603050405020304" pitchFamily="18" charset="0"/>
+              </a:rPr>
+              <a:t>adanya</a:t>
+            </a:r>
+            <a:r>
+              <a:rPr lang="en-US" sz="1800" dirty="0">
+                <a:solidFill>
+                  <a:srgbClr val="000000"/>
+                </a:solidFill>
+                <a:latin typeface="Times New Roman" panose="02020603050405020304" pitchFamily="18" charset="0"/>
+              </a:rPr>
+              <a:t> data </a:t>
+            </a:r>
+            <a:r>
+              <a:rPr lang="en-US" sz="1800" dirty="0" err="1">
+                <a:solidFill>
+                  <a:srgbClr val="000000"/>
+                </a:solidFill>
+                <a:latin typeface="Times New Roman" panose="02020603050405020304" pitchFamily="18" charset="0"/>
+              </a:rPr>
+              <a:t>foto</a:t>
+            </a:r>
+            <a:r>
+              <a:rPr lang="en-US" sz="1800" dirty="0">
+                <a:solidFill>
+                  <a:srgbClr val="000000"/>
+                </a:solidFill>
+                <a:latin typeface="Times New Roman" panose="02020603050405020304" pitchFamily="18" charset="0"/>
+              </a:rPr>
+              <a:t> </a:t>
+            </a:r>
+            <a:r>
+              <a:rPr lang="en-US" sz="1800" dirty="0" err="1">
+                <a:solidFill>
+                  <a:srgbClr val="000000"/>
+                </a:solidFill>
+                <a:latin typeface="Times New Roman" panose="02020603050405020304" pitchFamily="18" charset="0"/>
+              </a:rPr>
+              <a:t>udara</a:t>
+            </a:r>
+            <a:r>
+              <a:rPr lang="en-US" sz="1800" dirty="0">
+                <a:solidFill>
+                  <a:srgbClr val="000000"/>
+                </a:solidFill>
+                <a:latin typeface="Times New Roman" panose="02020603050405020304" pitchFamily="18" charset="0"/>
+              </a:rPr>
+              <a:t> yang </a:t>
+            </a:r>
+            <a:r>
+              <a:rPr lang="en-US" sz="1800" dirty="0" err="1">
+                <a:solidFill>
+                  <a:srgbClr val="000000"/>
+                </a:solidFill>
+                <a:latin typeface="Times New Roman" panose="02020603050405020304" pitchFamily="18" charset="0"/>
+              </a:rPr>
+              <a:t>merupakan</a:t>
+            </a:r>
+            <a:r>
+              <a:rPr lang="en-US" sz="1800" dirty="0">
+                <a:solidFill>
+                  <a:srgbClr val="000000"/>
+                </a:solidFill>
+                <a:latin typeface="Times New Roman" panose="02020603050405020304" pitchFamily="18" charset="0"/>
+              </a:rPr>
+              <a:t> </a:t>
+            </a:r>
+            <a:r>
+              <a:rPr lang="en-US" sz="1800" dirty="0" err="1">
+                <a:solidFill>
+                  <a:srgbClr val="000000"/>
+                </a:solidFill>
+                <a:latin typeface="Times New Roman" panose="02020603050405020304" pitchFamily="18" charset="0"/>
+              </a:rPr>
+              <a:t>citra</a:t>
+            </a:r>
+            <a:r>
+              <a:rPr lang="en-US" sz="1800" dirty="0">
+                <a:solidFill>
+                  <a:srgbClr val="000000"/>
+                </a:solidFill>
+                <a:latin typeface="Times New Roman" panose="02020603050405020304" pitchFamily="18" charset="0"/>
+              </a:rPr>
+              <a:t> </a:t>
+            </a:r>
+            <a:r>
+              <a:rPr lang="en-US" sz="1800" dirty="0" err="1">
+                <a:solidFill>
+                  <a:srgbClr val="000000"/>
+                </a:solidFill>
+                <a:latin typeface="Times New Roman" panose="02020603050405020304" pitchFamily="18" charset="0"/>
+              </a:rPr>
+              <a:t>resolusi</a:t>
+            </a:r>
+            <a:r>
+              <a:rPr lang="en-US" sz="1800" dirty="0">
+                <a:solidFill>
+                  <a:srgbClr val="000000"/>
+                </a:solidFill>
+                <a:latin typeface="Times New Roman" panose="02020603050405020304" pitchFamily="18" charset="0"/>
+              </a:rPr>
+              <a:t> </a:t>
+            </a:r>
+            <a:r>
+              <a:rPr lang="en-US" sz="1800" dirty="0" err="1">
+                <a:solidFill>
+                  <a:srgbClr val="000000"/>
+                </a:solidFill>
+                <a:latin typeface="Times New Roman" panose="02020603050405020304" pitchFamily="18" charset="0"/>
+              </a:rPr>
+              <a:t>tinggi</a:t>
+            </a:r>
+            <a:r>
+              <a:rPr lang="en-US" sz="1800" dirty="0">
+                <a:solidFill>
+                  <a:srgbClr val="000000"/>
+                </a:solidFill>
+                <a:latin typeface="Times New Roman" panose="02020603050405020304" pitchFamily="18" charset="0"/>
+              </a:rPr>
+              <a:t>, </a:t>
+            </a:r>
+            <a:r>
+              <a:rPr lang="en-US" sz="1800" dirty="0" err="1">
+                <a:solidFill>
+                  <a:srgbClr val="000000"/>
+                </a:solidFill>
+                <a:latin typeface="Times New Roman" panose="02020603050405020304" pitchFamily="18" charset="0"/>
+              </a:rPr>
+              <a:t>algoritma</a:t>
+            </a:r>
+            <a:r>
+              <a:rPr lang="en-US" sz="1800" dirty="0">
+                <a:solidFill>
+                  <a:srgbClr val="000000"/>
+                </a:solidFill>
+                <a:latin typeface="Times New Roman" panose="02020603050405020304" pitchFamily="18" charset="0"/>
+              </a:rPr>
+              <a:t> CNN </a:t>
+            </a:r>
+            <a:r>
+              <a:rPr lang="en-US" sz="1800" dirty="0" err="1">
+                <a:solidFill>
+                  <a:srgbClr val="000000"/>
+                </a:solidFill>
+                <a:latin typeface="Times New Roman" panose="02020603050405020304" pitchFamily="18" charset="0"/>
+              </a:rPr>
+              <a:t>mampu</a:t>
+            </a:r>
+            <a:r>
+              <a:rPr lang="en-US" sz="1800" dirty="0">
+                <a:solidFill>
+                  <a:srgbClr val="000000"/>
+                </a:solidFill>
+                <a:latin typeface="Times New Roman" panose="02020603050405020304" pitchFamily="18" charset="0"/>
+              </a:rPr>
+              <a:t> </a:t>
+            </a:r>
+            <a:r>
+              <a:rPr lang="en-US" sz="1800" dirty="0" err="1">
+                <a:solidFill>
+                  <a:srgbClr val="000000"/>
+                </a:solidFill>
+                <a:latin typeface="Times New Roman" panose="02020603050405020304" pitchFamily="18" charset="0"/>
+              </a:rPr>
+              <a:t>diimplementasikan</a:t>
+            </a:r>
+            <a:r>
+              <a:rPr lang="en-US" sz="1800" dirty="0">
+                <a:solidFill>
+                  <a:srgbClr val="000000"/>
+                </a:solidFill>
+                <a:latin typeface="Times New Roman" panose="02020603050405020304" pitchFamily="18" charset="0"/>
+              </a:rPr>
+              <a:t> pada </a:t>
+            </a:r>
+            <a:r>
+              <a:rPr lang="en-US" sz="1800" dirty="0" err="1">
+                <a:solidFill>
+                  <a:srgbClr val="000000"/>
+                </a:solidFill>
+                <a:latin typeface="Times New Roman" panose="02020603050405020304" pitchFamily="18" charset="0"/>
+              </a:rPr>
+              <a:t>kasus</a:t>
+            </a:r>
+            <a:r>
+              <a:rPr lang="en-US" sz="1800" dirty="0">
+                <a:solidFill>
+                  <a:srgbClr val="000000"/>
+                </a:solidFill>
+                <a:latin typeface="Times New Roman" panose="02020603050405020304" pitchFamily="18" charset="0"/>
+              </a:rPr>
+              <a:t> </a:t>
+            </a:r>
+            <a:r>
+              <a:rPr lang="en-US" sz="1800" dirty="0" err="1">
+                <a:solidFill>
+                  <a:srgbClr val="000000"/>
+                </a:solidFill>
+                <a:latin typeface="Times New Roman" panose="02020603050405020304" pitchFamily="18" charset="0"/>
+              </a:rPr>
+              <a:t>klasifikasi</a:t>
+            </a:r>
+            <a:r>
+              <a:rPr lang="en-US" sz="1800" dirty="0">
+                <a:solidFill>
+                  <a:srgbClr val="000000"/>
+                </a:solidFill>
+                <a:latin typeface="Times New Roman" panose="02020603050405020304" pitchFamily="18" charset="0"/>
+              </a:rPr>
+              <a:t> </a:t>
+            </a:r>
+            <a:r>
+              <a:rPr lang="en-US" sz="1800" dirty="0" err="1">
+                <a:solidFill>
+                  <a:srgbClr val="000000"/>
+                </a:solidFill>
+                <a:latin typeface="Times New Roman" panose="02020603050405020304" pitchFamily="18" charset="0"/>
+              </a:rPr>
+              <a:t>penutup</a:t>
+            </a:r>
+            <a:r>
+              <a:rPr lang="en-US" sz="1800" dirty="0">
+                <a:solidFill>
+                  <a:srgbClr val="000000"/>
+                </a:solidFill>
+                <a:latin typeface="Times New Roman" panose="02020603050405020304" pitchFamily="18" charset="0"/>
+              </a:rPr>
+              <a:t> </a:t>
+            </a:r>
+            <a:r>
+              <a:rPr lang="en-US" sz="1800" dirty="0" err="1">
+                <a:solidFill>
+                  <a:srgbClr val="000000"/>
+                </a:solidFill>
+                <a:latin typeface="Times New Roman" panose="02020603050405020304" pitchFamily="18" charset="0"/>
+              </a:rPr>
+              <a:t>lahan</a:t>
+            </a:r>
+            <a:r>
+              <a:rPr lang="en-US" sz="1800" dirty="0">
+                <a:solidFill>
+                  <a:srgbClr val="000000"/>
+                </a:solidFill>
+                <a:latin typeface="Times New Roman" panose="02020603050405020304" pitchFamily="18" charset="0"/>
+              </a:rPr>
+              <a:t>.</a:t>
+            </a:r>
+            <a:endParaRPr lang="en-US" dirty="0"/>
+          </a:p>
+        </p:txBody>
+      </p:sp>
+    </p:spTree>
+    <p:extLst>
+      <p:ext uri="{BB962C8B-B14F-4D97-AF65-F5344CB8AC3E}">
+        <p14:creationId xmlns:p14="http://schemas.microsoft.com/office/powerpoint/2010/main" val="2885551033"/>
       </p:ext>
     </p:extLst>
   </p:cSld>
